--- a/在线阶段汇报20190606.pptx
+++ b/在线阶段汇报20190606.pptx
@@ -19,9 +19,8 @@
     <p:sldId id="440" r:id="rId12"/>
     <p:sldId id="439" r:id="rId13"/>
     <p:sldId id="441" r:id="rId14"/>
-    <p:sldId id="442" r:id="rId15"/>
-    <p:sldId id="405" r:id="rId16"/>
-    <p:sldId id="294" r:id="rId17"/>
+    <p:sldId id="405" r:id="rId15"/>
+    <p:sldId id="294" r:id="rId16"/>
   </p:sldIdLst>
   <p:sldSz cx="9144000" cy="5143500" type="screen16x9"/>
   <p:notesSz cx="6858000" cy="9144000"/>
@@ -767,7 +766,7 @@
           <a:bodyPr/>
           <a:lstStyle/>
           <a:p>
-            <a:fld id="{F0F64BE4-6ABB-4DFC-88F2-21DB0926AD8D}" type="slidenum">
+            <a:fld id="{095D0C05-D1F4-4D23-BDF0-C1C9ABA03E33}" type="slidenum">
               <a:rPr lang="zh-CN" altLang="en-US" smtClean="0"/>
             </a:fld>
             <a:endParaRPr lang="zh-CN" altLang="en-US"/>
@@ -783,84 +782,6 @@
 </file>
 
 <file path=ppt/notesSlides/notesSlide13.xml><?xml version="1.0" encoding="utf-8"?>
-<p:notes xmlns:a="http://schemas.openxmlformats.org/drawingml/2006/main" xmlns:r="http://schemas.openxmlformats.org/officeDocument/2006/relationships" xmlns:p="http://schemas.openxmlformats.org/presentationml/2006/main">
-  <p:cSld>
-    <p:spTree>
-      <p:nvGrpSpPr>
-        <p:cNvPr id="1" name=""/>
-        <p:cNvGrpSpPr/>
-        <p:nvPr/>
-      </p:nvGrpSpPr>
-      <p:grpSpPr>
-        <a:xfrm>
-          <a:off x="0" y="0"/>
-          <a:ext cx="0" cy="0"/>
-          <a:chOff x="0" y="0"/>
-          <a:chExt cx="0" cy="0"/>
-        </a:xfrm>
-      </p:grpSpPr>
-      <p:sp>
-        <p:nvSpPr>
-          <p:cNvPr id="2" name="幻灯片图像占位符 1"/>
-          <p:cNvSpPr>
-            <a:spLocks noGrp="1" noRot="1" noChangeAspect="1"/>
-          </p:cNvSpPr>
-          <p:nvPr>
-            <p:ph type="sldImg"/>
-          </p:nvPr>
-        </p:nvSpPr>
-        <p:spPr/>
-      </p:sp>
-      <p:sp>
-        <p:nvSpPr>
-          <p:cNvPr id="3" name="备注占位符 2"/>
-          <p:cNvSpPr>
-            <a:spLocks noGrp="1"/>
-          </p:cNvSpPr>
-          <p:nvPr>
-            <p:ph type="body" idx="1"/>
-          </p:nvPr>
-        </p:nvSpPr>
-        <p:spPr/>
-        <p:txBody>
-          <a:bodyPr/>
-          <a:lstStyle/>
-          <a:p>
-            <a:endParaRPr lang="zh-CN" altLang="en-US"/>
-          </a:p>
-        </p:txBody>
-      </p:sp>
-      <p:sp>
-        <p:nvSpPr>
-          <p:cNvPr id="4" name="灯片编号占位符 3"/>
-          <p:cNvSpPr>
-            <a:spLocks noGrp="1"/>
-          </p:cNvSpPr>
-          <p:nvPr>
-            <p:ph type="sldNum" sz="quarter" idx="10"/>
-          </p:nvPr>
-        </p:nvSpPr>
-        <p:spPr/>
-        <p:txBody>
-          <a:bodyPr/>
-          <a:lstStyle/>
-          <a:p>
-            <a:fld id="{095D0C05-D1F4-4D23-BDF0-C1C9ABA03E33}" type="slidenum">
-              <a:rPr lang="zh-CN" altLang="en-US" smtClean="0"/>
-            </a:fld>
-            <a:endParaRPr lang="zh-CN" altLang="en-US"/>
-          </a:p>
-        </p:txBody>
-      </p:sp>
-    </p:spTree>
-  </p:cSld>
-  <p:clrMapOvr>
-    <a:masterClrMapping/>
-  </p:clrMapOvr>
-</p:notes>
-</file>
-
-<file path=ppt/notesSlides/notesSlide14.xml><?xml version="1.0" encoding="utf-8"?>
 <p:notes xmlns:a="http://schemas.openxmlformats.org/drawingml/2006/main" xmlns:r="http://schemas.openxmlformats.org/officeDocument/2006/relationships" xmlns:p="http://schemas.openxmlformats.org/presentationml/2006/main">
   <p:cSld>
     <p:spTree>
@@ -7477,7 +7398,7 @@
         <p:spPr bwMode="auto">
           <a:xfrm>
             <a:off x="539552" y="267494"/>
-            <a:ext cx="1097280" cy="368300"/>
+            <a:ext cx="1554480" cy="368300"/>
           </a:xfrm>
           <a:prstGeom prst="rect">
             <a:avLst/>
@@ -7634,7 +7555,7 @@
                 <a:latin typeface="微软雅黑" panose="020B0503020204020204" pitchFamily="34" charset="-122"/>
                 <a:ea typeface="微软雅黑" panose="020B0503020204020204" pitchFamily="34" charset="-122"/>
               </a:rPr>
-              <a:t>性能对比</a:t>
+              <a:t>查询引擎对比</a:t>
             </a:r>
             <a:endParaRPr lang="zh-CN" altLang="en-US" dirty="0">
               <a:solidFill>
@@ -8046,602 +7967,6 @@
 </file>
 
 <file path=ppt/slides/slide12.xml><?xml version="1.0" encoding="utf-8"?>
-<p:sld xmlns:a="http://schemas.openxmlformats.org/drawingml/2006/main" xmlns:r="http://schemas.openxmlformats.org/officeDocument/2006/relationships" xmlns:p="http://schemas.openxmlformats.org/presentationml/2006/main">
-  <p:cSld>
-    <p:spTree>
-      <p:nvGrpSpPr>
-        <p:cNvPr id="1" name=""/>
-        <p:cNvGrpSpPr/>
-        <p:nvPr/>
-      </p:nvGrpSpPr>
-      <p:grpSpPr>
-        <a:xfrm>
-          <a:off x="0" y="0"/>
-          <a:ext cx="0" cy="0"/>
-          <a:chOff x="0" y="0"/>
-          <a:chExt cx="0" cy="0"/>
-        </a:xfrm>
-      </p:grpSpPr>
-      <p:sp>
-        <p:nvSpPr>
-          <p:cNvPr id="14" name="TextBox 108"/>
-          <p:cNvSpPr txBox="1">
-            <a:spLocks noChangeArrowheads="1"/>
-          </p:cNvSpPr>
-          <p:nvPr/>
-        </p:nvSpPr>
-        <p:spPr bwMode="auto">
-          <a:xfrm>
-            <a:off x="539552" y="267494"/>
-            <a:ext cx="1097280" cy="368300"/>
-          </a:xfrm>
-          <a:prstGeom prst="rect">
-            <a:avLst/>
-          </a:prstGeom>
-          <a:noFill/>
-          <a:ln>
-            <a:noFill/>
-          </a:ln>
-          <a:extLst>
-            <a:ext uri="{909E8E84-426E-40DD-AFC4-6F175D3DCCD1}">
-              <a14:hiddenFill xmlns:a14="http://schemas.microsoft.com/office/drawing/2010/main">
-                <a:solidFill>
-                  <a:srgbClr val="FFFFFF"/>
-                </a:solidFill>
-              </a14:hiddenFill>
-            </a:ext>
-            <a:ext uri="{91240B29-F687-4F45-9708-019B960494DF}">
-              <a14:hiddenLine xmlns:a14="http://schemas.microsoft.com/office/drawing/2010/main" w="9525">
-                <a:solidFill>
-                  <a:srgbClr val="000000"/>
-                </a:solidFill>
-                <a:miter lim="800000"/>
-                <a:headEnd/>
-                <a:tailEnd/>
-              </a14:hiddenLine>
-            </a:ext>
-          </a:extLst>
-        </p:spPr>
-        <p:txBody>
-          <a:bodyPr wrap="none">
-            <a:spAutoFit/>
-          </a:bodyPr>
-          <a:lstStyle>
-            <a:lvl1pPr>
-              <a:defRPr>
-                <a:solidFill>
-                  <a:schemeClr val="tx1"/>
-                </a:solidFill>
-                <a:latin typeface="Calibri" panose="020F0502020204030204" pitchFamily="34" charset="0"/>
-                <a:ea typeface="宋体" panose="02010600030101010101" pitchFamily="2" charset="-122"/>
-              </a:defRPr>
-            </a:lvl1pPr>
-            <a:lvl2pPr marL="742950" indent="-285750">
-              <a:defRPr>
-                <a:solidFill>
-                  <a:schemeClr val="tx1"/>
-                </a:solidFill>
-                <a:latin typeface="Calibri" panose="020F0502020204030204" pitchFamily="34" charset="0"/>
-                <a:ea typeface="宋体" panose="02010600030101010101" pitchFamily="2" charset="-122"/>
-              </a:defRPr>
-            </a:lvl2pPr>
-            <a:lvl3pPr marL="1143000" indent="-228600">
-              <a:defRPr>
-                <a:solidFill>
-                  <a:schemeClr val="tx1"/>
-                </a:solidFill>
-                <a:latin typeface="Calibri" panose="020F0502020204030204" pitchFamily="34" charset="0"/>
-                <a:ea typeface="宋体" panose="02010600030101010101" pitchFamily="2" charset="-122"/>
-              </a:defRPr>
-            </a:lvl3pPr>
-            <a:lvl4pPr marL="1600200" indent="-228600">
-              <a:defRPr>
-                <a:solidFill>
-                  <a:schemeClr val="tx1"/>
-                </a:solidFill>
-                <a:latin typeface="Calibri" panose="020F0502020204030204" pitchFamily="34" charset="0"/>
-                <a:ea typeface="宋体" panose="02010600030101010101" pitchFamily="2" charset="-122"/>
-              </a:defRPr>
-            </a:lvl4pPr>
-            <a:lvl5pPr marL="2057400" indent="-228600">
-              <a:defRPr>
-                <a:solidFill>
-                  <a:schemeClr val="tx1"/>
-                </a:solidFill>
-                <a:latin typeface="Calibri" panose="020F0502020204030204" pitchFamily="34" charset="0"/>
-                <a:ea typeface="宋体" panose="02010600030101010101" pitchFamily="2" charset="-122"/>
-              </a:defRPr>
-            </a:lvl5pPr>
-            <a:lvl6pPr marL="2514600" indent="-228600" eaLnBrk="0" fontAlgn="base" hangingPunct="0">
-              <a:spcBef>
-                <a:spcPct val="0"/>
-              </a:spcBef>
-              <a:spcAft>
-                <a:spcPct val="0"/>
-              </a:spcAft>
-              <a:defRPr>
-                <a:solidFill>
-                  <a:schemeClr val="tx1"/>
-                </a:solidFill>
-                <a:latin typeface="Calibri" panose="020F0502020204030204" pitchFamily="34" charset="0"/>
-                <a:ea typeface="宋体" panose="02010600030101010101" pitchFamily="2" charset="-122"/>
-              </a:defRPr>
-            </a:lvl6pPr>
-            <a:lvl7pPr marL="2971800" indent="-228600" eaLnBrk="0" fontAlgn="base" hangingPunct="0">
-              <a:spcBef>
-                <a:spcPct val="0"/>
-              </a:spcBef>
-              <a:spcAft>
-                <a:spcPct val="0"/>
-              </a:spcAft>
-              <a:defRPr>
-                <a:solidFill>
-                  <a:schemeClr val="tx1"/>
-                </a:solidFill>
-                <a:latin typeface="Calibri" panose="020F0502020204030204" pitchFamily="34" charset="0"/>
-                <a:ea typeface="宋体" panose="02010600030101010101" pitchFamily="2" charset="-122"/>
-              </a:defRPr>
-            </a:lvl7pPr>
-            <a:lvl8pPr marL="3429000" indent="-228600" eaLnBrk="0" fontAlgn="base" hangingPunct="0">
-              <a:spcBef>
-                <a:spcPct val="0"/>
-              </a:spcBef>
-              <a:spcAft>
-                <a:spcPct val="0"/>
-              </a:spcAft>
-              <a:defRPr>
-                <a:solidFill>
-                  <a:schemeClr val="tx1"/>
-                </a:solidFill>
-                <a:latin typeface="Calibri" panose="020F0502020204030204" pitchFamily="34" charset="0"/>
-                <a:ea typeface="宋体" panose="02010600030101010101" pitchFamily="2" charset="-122"/>
-              </a:defRPr>
-            </a:lvl8pPr>
-            <a:lvl9pPr marL="3886200" indent="-228600" eaLnBrk="0" fontAlgn="base" hangingPunct="0">
-              <a:spcBef>
-                <a:spcPct val="0"/>
-              </a:spcBef>
-              <a:spcAft>
-                <a:spcPct val="0"/>
-              </a:spcAft>
-              <a:defRPr>
-                <a:solidFill>
-                  <a:schemeClr val="tx1"/>
-                </a:solidFill>
-                <a:latin typeface="Calibri" panose="020F0502020204030204" pitchFamily="34" charset="0"/>
-                <a:ea typeface="宋体" panose="02010600030101010101" pitchFamily="2" charset="-122"/>
-              </a:defRPr>
-            </a:lvl9pPr>
-          </a:lstStyle>
-          <a:p>
-            <a:pPr fontAlgn="base">
-              <a:spcBef>
-                <a:spcPct val="0"/>
-              </a:spcBef>
-              <a:spcAft>
-                <a:spcPct val="0"/>
-              </a:spcAft>
-            </a:pPr>
-            <a:r>
-              <a:rPr lang="zh-CN" altLang="en-US" dirty="0">
-                <a:solidFill>
-                  <a:prstClr val="black"/>
-                </a:solidFill>
-                <a:latin typeface="微软雅黑" panose="020B0503020204020204" pitchFamily="34" charset="-122"/>
-                <a:ea typeface="微软雅黑" panose="020B0503020204020204" pitchFamily="34" charset="-122"/>
-              </a:rPr>
-              <a:t>其它对比</a:t>
-            </a:r>
-            <a:endParaRPr lang="zh-CN" altLang="en-US" dirty="0">
-              <a:solidFill>
-                <a:prstClr val="black"/>
-              </a:solidFill>
-              <a:latin typeface="微软雅黑" panose="020B0503020204020204" pitchFamily="34" charset="-122"/>
-              <a:ea typeface="微软雅黑" panose="020B0503020204020204" pitchFamily="34" charset="-122"/>
-            </a:endParaRPr>
-          </a:p>
-        </p:txBody>
-      </p:sp>
-      <p:grpSp>
-        <p:nvGrpSpPr>
-          <p:cNvPr id="15" name="组合 14"/>
-          <p:cNvGrpSpPr/>
-          <p:nvPr/>
-        </p:nvGrpSpPr>
-        <p:grpSpPr>
-          <a:xfrm>
-            <a:off x="107544" y="245001"/>
-            <a:ext cx="360000" cy="360000"/>
-            <a:chOff x="1965186" y="1419622"/>
-            <a:chExt cx="302558" cy="314067"/>
-          </a:xfrm>
-        </p:grpSpPr>
-        <p:sp>
-          <p:nvSpPr>
-            <p:cNvPr id="16" name="矩形 15"/>
-            <p:cNvSpPr/>
-            <p:nvPr userDrawn="1"/>
-          </p:nvSpPr>
-          <p:spPr>
-            <a:xfrm>
-              <a:off x="1965186" y="1419622"/>
-              <a:ext cx="252000" cy="252000"/>
-            </a:xfrm>
-            <a:prstGeom prst="rect">
-              <a:avLst/>
-            </a:prstGeom>
-            <a:solidFill>
-              <a:srgbClr val="414455"/>
-            </a:solidFill>
-            <a:ln>
-              <a:noFill/>
-            </a:ln>
-          </p:spPr>
-          <p:style>
-            <a:lnRef idx="2">
-              <a:schemeClr val="accent1">
-                <a:shade val="50000"/>
-              </a:schemeClr>
-            </a:lnRef>
-            <a:fillRef idx="1">
-              <a:schemeClr val="accent1"/>
-            </a:fillRef>
-            <a:effectRef idx="0">
-              <a:schemeClr val="accent1"/>
-            </a:effectRef>
-            <a:fontRef idx="minor">
-              <a:schemeClr val="lt1"/>
-            </a:fontRef>
-          </p:style>
-          <p:txBody>
-            <a:bodyPr rtlCol="0" anchor="ctr"/>
-            <a:lstStyle/>
-            <a:p>
-              <a:pPr algn="ctr"/>
-              <a:endParaRPr lang="zh-CN" altLang="en-US"/>
-            </a:p>
-          </p:txBody>
-        </p:sp>
-        <p:sp>
-          <p:nvSpPr>
-            <p:cNvPr id="17" name="矩形 16"/>
-            <p:cNvSpPr/>
-            <p:nvPr userDrawn="1"/>
-          </p:nvSpPr>
-          <p:spPr>
-            <a:xfrm>
-              <a:off x="2087744" y="1553689"/>
-              <a:ext cx="180000" cy="180000"/>
-            </a:xfrm>
-            <a:prstGeom prst="rect">
-              <a:avLst/>
-            </a:prstGeom>
-            <a:solidFill>
-              <a:srgbClr val="0E90BE"/>
-            </a:solidFill>
-            <a:ln>
-              <a:noFill/>
-            </a:ln>
-          </p:spPr>
-          <p:style>
-            <a:lnRef idx="2">
-              <a:schemeClr val="accent1">
-                <a:shade val="50000"/>
-              </a:schemeClr>
-            </a:lnRef>
-            <a:fillRef idx="1">
-              <a:schemeClr val="accent1"/>
-            </a:fillRef>
-            <a:effectRef idx="0">
-              <a:schemeClr val="accent1"/>
-            </a:effectRef>
-            <a:fontRef idx="minor">
-              <a:schemeClr val="lt1"/>
-            </a:fontRef>
-          </p:style>
-          <p:txBody>
-            <a:bodyPr rtlCol="0" anchor="ctr"/>
-            <a:lstStyle/>
-            <a:p>
-              <a:pPr algn="ctr"/>
-              <a:endParaRPr lang="zh-CN" altLang="en-US"/>
-            </a:p>
-          </p:txBody>
-        </p:sp>
-      </p:grpSp>
-    </p:spTree>
-  </p:cSld>
-  <p:clrMapOvr>
-    <a:masterClrMapping/>
-  </p:clrMapOvr>
-  <p:transition spd="slow" advTm="0">
-    <p:wipe/>
-  </p:transition>
-  <p:timing>
-    <p:tnLst>
-      <p:par>
-        <p:cTn id="1" dur="indefinite" restart="never" nodeType="tmRoot">
-          <p:childTnLst>
-            <p:seq concurrent="1" nextAc="seek">
-              <p:cTn id="2" dur="indefinite" nodeType="mainSeq">
-                <p:childTnLst>
-                  <p:par>
-                    <p:cTn id="3" fill="hold">
-                      <p:stCondLst>
-                        <p:cond delay="indefinite"/>
-                        <p:cond evt="onBegin" delay="0">
-                          <p:tn val="2"/>
-                        </p:cond>
-                      </p:stCondLst>
-                      <p:childTnLst>
-                        <p:par>
-                          <p:cTn id="4" fill="hold">
-                            <p:stCondLst>
-                              <p:cond delay="0"/>
-                            </p:stCondLst>
-                            <p:childTnLst>
-                              <p:par>
-                                <p:cTn id="5" presetID="23" presetClass="entr" presetSubtype="16" fill="hold" nodeType="withEffect">
-                                  <p:stCondLst>
-                                    <p:cond delay="0"/>
-                                  </p:stCondLst>
-                                  <p:childTnLst>
-                                    <p:set>
-                                      <p:cBhvr>
-                                        <p:cTn id="6" dur="1" fill="hold">
-                                          <p:stCondLst>
-                                            <p:cond delay="0"/>
-                                          </p:stCondLst>
-                                        </p:cTn>
-                                        <p:tgtEl>
-                                          <p:spTgt spid="15"/>
-                                        </p:tgtEl>
-                                        <p:attrNameLst>
-                                          <p:attrName>style.visibility</p:attrName>
-                                        </p:attrNameLst>
-                                      </p:cBhvr>
-                                      <p:to>
-                                        <p:strVal val="visible"/>
-                                      </p:to>
-                                    </p:set>
-                                    <p:anim calcmode="lin" valueType="num">
-                                      <p:cBhvr>
-                                        <p:cTn id="7" dur="350" fill="hold"/>
-                                        <p:tgtEl>
-                                          <p:spTgt spid="15"/>
-                                        </p:tgtEl>
-                                        <p:attrNameLst>
-                                          <p:attrName>ppt_w</p:attrName>
-                                        </p:attrNameLst>
-                                      </p:cBhvr>
-                                      <p:tavLst>
-                                        <p:tav tm="0">
-                                          <p:val>
-                                            <p:fltVal val="0"/>
-                                          </p:val>
-                                        </p:tav>
-                                        <p:tav tm="100000">
-                                          <p:val>
-                                            <p:strVal val="#ppt_w"/>
-                                          </p:val>
-                                        </p:tav>
-                                      </p:tavLst>
-                                    </p:anim>
-                                    <p:anim calcmode="lin" valueType="num">
-                                      <p:cBhvr>
-                                        <p:cTn id="8" dur="350" fill="hold"/>
-                                        <p:tgtEl>
-                                          <p:spTgt spid="15"/>
-                                        </p:tgtEl>
-                                        <p:attrNameLst>
-                                          <p:attrName>ppt_h</p:attrName>
-                                        </p:attrNameLst>
-                                      </p:cBhvr>
-                                      <p:tavLst>
-                                        <p:tav tm="0">
-                                          <p:val>
-                                            <p:fltVal val="0"/>
-                                          </p:val>
-                                        </p:tav>
-                                        <p:tav tm="100000">
-                                          <p:val>
-                                            <p:strVal val="#ppt_h"/>
-                                          </p:val>
-                                        </p:tav>
-                                      </p:tavLst>
-                                    </p:anim>
-                                  </p:childTnLst>
-                                </p:cTn>
-                              </p:par>
-                            </p:childTnLst>
-                          </p:cTn>
-                        </p:par>
-                        <p:par>
-                          <p:cTn id="9" fill="hold">
-                            <p:stCondLst>
-                              <p:cond delay="500"/>
-                            </p:stCondLst>
-                            <p:childTnLst>
-                              <p:par>
-                                <p:cTn id="10" presetID="41" presetClass="entr" presetSubtype="0" fill="hold" grpId="0" nodeType="afterEffect">
-                                  <p:stCondLst>
-                                    <p:cond delay="0"/>
-                                  </p:stCondLst>
-                                  <p:iterate type="lt">
-                                    <p:tmPct val="10000"/>
-                                  </p:iterate>
-                                  <p:childTnLst>
-                                    <p:set>
-                                      <p:cBhvr>
-                                        <p:cTn id="11" dur="1" fill="hold">
-                                          <p:stCondLst>
-                                            <p:cond delay="0"/>
-                                          </p:stCondLst>
-                                        </p:cTn>
-                                        <p:tgtEl>
-                                          <p:spTgt spid="14"/>
-                                        </p:tgtEl>
-                                        <p:attrNameLst>
-                                          <p:attrName>style.visibility</p:attrName>
-                                        </p:attrNameLst>
-                                      </p:cBhvr>
-                                      <p:to>
-                                        <p:strVal val="visible"/>
-                                      </p:to>
-                                    </p:set>
-                                    <p:anim calcmode="lin" valueType="num">
-                                      <p:cBhvr>
-                                        <p:cTn id="12" dur="400" fill="hold"/>
-                                        <p:tgtEl>
-                                          <p:spTgt spid="14"/>
-                                        </p:tgtEl>
-                                        <p:attrNameLst>
-                                          <p:attrName>ppt_x</p:attrName>
-                                        </p:attrNameLst>
-                                      </p:cBhvr>
-                                      <p:tavLst>
-                                        <p:tav tm="0">
-                                          <p:val>
-                                            <p:strVal val="#ppt_x"/>
-                                          </p:val>
-                                        </p:tav>
-                                        <p:tav tm="50000">
-                                          <p:val>
-                                            <p:strVal val="#ppt_x+.1"/>
-                                          </p:val>
-                                        </p:tav>
-                                        <p:tav tm="100000">
-                                          <p:val>
-                                            <p:strVal val="#ppt_x"/>
-                                          </p:val>
-                                        </p:tav>
-                                      </p:tavLst>
-                                    </p:anim>
-                                    <p:anim calcmode="lin" valueType="num">
-                                      <p:cBhvr>
-                                        <p:cTn id="13" dur="400" fill="hold"/>
-                                        <p:tgtEl>
-                                          <p:spTgt spid="14"/>
-                                        </p:tgtEl>
-                                        <p:attrNameLst>
-                                          <p:attrName>ppt_y</p:attrName>
-                                        </p:attrNameLst>
-                                      </p:cBhvr>
-                                      <p:tavLst>
-                                        <p:tav tm="0">
-                                          <p:val>
-                                            <p:strVal val="#ppt_y"/>
-                                          </p:val>
-                                        </p:tav>
-                                        <p:tav tm="100000">
-                                          <p:val>
-                                            <p:strVal val="#ppt_y"/>
-                                          </p:val>
-                                        </p:tav>
-                                      </p:tavLst>
-                                    </p:anim>
-                                    <p:anim calcmode="lin" valueType="num">
-                                      <p:cBhvr>
-                                        <p:cTn id="14" dur="400" fill="hold"/>
-                                        <p:tgtEl>
-                                          <p:spTgt spid="14"/>
-                                        </p:tgtEl>
-                                        <p:attrNameLst>
-                                          <p:attrName>ppt_h</p:attrName>
-                                        </p:attrNameLst>
-                                      </p:cBhvr>
-                                      <p:tavLst>
-                                        <p:tav tm="0">
-                                          <p:val>
-                                            <p:strVal val="#ppt_h/10"/>
-                                          </p:val>
-                                        </p:tav>
-                                        <p:tav tm="50000">
-                                          <p:val>
-                                            <p:strVal val="#ppt_h+.01"/>
-                                          </p:val>
-                                        </p:tav>
-                                        <p:tav tm="100000">
-                                          <p:val>
-                                            <p:strVal val="#ppt_h"/>
-                                          </p:val>
-                                        </p:tav>
-                                      </p:tavLst>
-                                    </p:anim>
-                                    <p:anim calcmode="lin" valueType="num">
-                                      <p:cBhvr>
-                                        <p:cTn id="15" dur="400" fill="hold"/>
-                                        <p:tgtEl>
-                                          <p:spTgt spid="14"/>
-                                        </p:tgtEl>
-                                        <p:attrNameLst>
-                                          <p:attrName>ppt_w</p:attrName>
-                                        </p:attrNameLst>
-                                      </p:cBhvr>
-                                      <p:tavLst>
-                                        <p:tav tm="0">
-                                          <p:val>
-                                            <p:strVal val="#ppt_w/10"/>
-                                          </p:val>
-                                        </p:tav>
-                                        <p:tav tm="50000">
-                                          <p:val>
-                                            <p:strVal val="#ppt_w+.01"/>
-                                          </p:val>
-                                        </p:tav>
-                                        <p:tav tm="100000">
-                                          <p:val>
-                                            <p:strVal val="#ppt_w"/>
-                                          </p:val>
-                                        </p:tav>
-                                      </p:tavLst>
-                                    </p:anim>
-                                    <p:animEffect transition="in" filter="fade">
-                                      <p:cBhvr>
-                                        <p:cTn id="16" dur="400" tmFilter="0,0; .5, 1; 1, 1"/>
-                                        <p:tgtEl>
-                                          <p:spTgt spid="14"/>
-                                        </p:tgtEl>
-                                      </p:cBhvr>
-                                    </p:animEffect>
-                                  </p:childTnLst>
-                                </p:cTn>
-                              </p:par>
-                            </p:childTnLst>
-                          </p:cTn>
-                        </p:par>
-                      </p:childTnLst>
-                    </p:cTn>
-                  </p:par>
-                </p:childTnLst>
-              </p:cTn>
-              <p:prevCondLst>
-                <p:cond evt="onPrev" delay="0">
-                  <p:tgtEl>
-                    <p:sldTgt/>
-                  </p:tgtEl>
-                </p:cond>
-              </p:prevCondLst>
-              <p:nextCondLst>
-                <p:cond evt="onNext" delay="0">
-                  <p:tgtEl>
-                    <p:sldTgt/>
-                  </p:tgtEl>
-                </p:cond>
-              </p:nextCondLst>
-            </p:seq>
-          </p:childTnLst>
-        </p:cTn>
-      </p:par>
-    </p:tnLst>
-    <p:bldLst>
-      <p:bldP spid="14" grpId="0"/>
-    </p:bldLst>
-  </p:timing>
-</p:sld>
-</file>
-
-<file path=ppt/slides/slide13.xml><?xml version="1.0" encoding="utf-8"?>
 <p:sld xmlns:a="http://schemas.openxmlformats.org/drawingml/2006/main" xmlns:r="http://schemas.openxmlformats.org/officeDocument/2006/relationships" xmlns:p="http://schemas.openxmlformats.org/presentationml/2006/main">
   <p:cSld>
     <p:spTree>
@@ -9468,7 +8793,7 @@
 </p:sld>
 </file>
 
-<file path=ppt/slides/slide14.xml><?xml version="1.0" encoding="utf-8"?>
+<file path=ppt/slides/slide13.xml><?xml version="1.0" encoding="utf-8"?>
 <p:sld xmlns:a="http://schemas.openxmlformats.org/drawingml/2006/main" xmlns:r="http://schemas.openxmlformats.org/officeDocument/2006/relationships" xmlns:p="http://schemas.openxmlformats.org/presentationml/2006/main">
   <p:cSld>
     <p:spTree>
@@ -14817,58 +14142,6 @@
           </a:p>
         </p:txBody>
       </p:sp>
-      <p:sp>
-        <p:nvSpPr>
-          <p:cNvPr id="7" name="TextBox 25"/>
-          <p:cNvSpPr txBox="1"/>
-          <p:nvPr/>
-        </p:nvSpPr>
-        <p:spPr>
-          <a:xfrm>
-            <a:off x="3773159" y="2254300"/>
-            <a:ext cx="1062990" cy="283845"/>
-          </a:xfrm>
-          <a:prstGeom prst="rect">
-            <a:avLst/>
-          </a:prstGeom>
-          <a:noFill/>
-        </p:spPr>
-        <p:txBody>
-          <a:bodyPr wrap="none" lIns="68580" tIns="34290" rIns="68580" bIns="34290" rtlCol="0">
-            <a:spAutoFit/>
-          </a:bodyPr>
-          <a:lstStyle/>
-          <a:p>
-            <a:pPr marL="214630" indent="-214630">
-              <a:buFont typeface="Wingdings" panose="05000000000000000000" pitchFamily="2" charset="2"/>
-              <a:buChar char="p"/>
-            </a:pPr>
-            <a:r>
-              <a:rPr lang="zh-CN" altLang="en-US" sz="1400" dirty="0">
-                <a:solidFill>
-                  <a:schemeClr val="tx1">
-                    <a:lumMod val="85000"/>
-                    <a:lumOff val="15000"/>
-                  </a:schemeClr>
-                </a:solidFill>
-                <a:latin typeface="微软雅黑" panose="020B0503020204020204" pitchFamily="34" charset="-122"/>
-                <a:ea typeface="微软雅黑" panose="020B0503020204020204" pitchFamily="34" charset="-122"/>
-              </a:rPr>
-              <a:t>其他对比</a:t>
-            </a:r>
-            <a:endParaRPr lang="zh-CN" altLang="en-US" sz="1400" dirty="0">
-              <a:solidFill>
-                <a:schemeClr val="tx1">
-                  <a:lumMod val="85000"/>
-                  <a:lumOff val="15000"/>
-                </a:schemeClr>
-              </a:solidFill>
-              <a:latin typeface="微软雅黑" panose="020B0503020204020204" pitchFamily="34" charset="-122"/>
-              <a:ea typeface="微软雅黑" panose="020B0503020204020204" pitchFamily="34" charset="-122"/>
-            </a:endParaRPr>
-          </a:p>
-        </p:txBody>
-      </p:sp>
       <p:grpSp>
         <p:nvGrpSpPr>
           <p:cNvPr id="12" name="组合 11"/>
@@ -15093,7 +14366,7 @@
               <a:buChar char="p"/>
             </a:pPr>
             <a:r>
-              <a:rPr lang="zh-CN" altLang="en-US" sz="1400" dirty="0">
+              <a:rPr lang="zh-CN" altLang="zh-CN" sz="1400" dirty="0">
                 <a:solidFill>
                   <a:schemeClr val="tx1">
                     <a:lumMod val="85000"/>
@@ -15103,9 +14376,9 @@
                 <a:latin typeface="微软雅黑" panose="020B0503020204020204" pitchFamily="34" charset="-122"/>
                 <a:ea typeface="微软雅黑" panose="020B0503020204020204" pitchFamily="34" charset="-122"/>
               </a:rPr>
-              <a:t>性能比较</a:t>
+              <a:t>特点对比</a:t>
             </a:r>
-            <a:endParaRPr lang="zh-CN" altLang="en-US" sz="1400" dirty="0">
+            <a:endParaRPr lang="zh-CN" altLang="zh-CN" sz="1400" dirty="0">
               <a:solidFill>
                 <a:schemeClr val="tx1">
                   <a:lumMod val="85000"/>
@@ -15377,85 +14650,12 @@
                               <p:par>
                                 <p:cTn id="20" presetID="2" presetClass="entr" presetSubtype="12" fill="hold" grpId="0" nodeType="withEffect">
                                   <p:stCondLst>
-                                    <p:cond delay="200"/>
+                                    <p:cond delay="300"/>
                                   </p:stCondLst>
                                   <p:childTnLst>
                                     <p:set>
                                       <p:cBhvr>
                                         <p:cTn id="21" dur="1" fill="hold">
-                                          <p:stCondLst>
-                                            <p:cond delay="0"/>
-                                          </p:stCondLst>
-                                        </p:cTn>
-                                        <p:tgtEl>
-                                          <p:spTgt spid="7"/>
-                                        </p:tgtEl>
-                                        <p:attrNameLst>
-                                          <p:attrName>style.visibility</p:attrName>
-                                        </p:attrNameLst>
-                                      </p:cBhvr>
-                                      <p:to>
-                                        <p:strVal val="visible"/>
-                                      </p:to>
-                                    </p:set>
-                                    <p:anim calcmode="lin" valueType="num">
-                                      <p:cBhvr additive="base">
-                                        <p:cTn id="22" dur="500" fill="hold"/>
-                                        <p:tgtEl>
-                                          <p:spTgt spid="7"/>
-                                        </p:tgtEl>
-                                        <p:attrNameLst>
-                                          <p:attrName>ppt_x</p:attrName>
-                                        </p:attrNameLst>
-                                      </p:cBhvr>
-                                      <p:tavLst>
-                                        <p:tav tm="0">
-                                          <p:val>
-                                            <p:strVal val="0-#ppt_w/2"/>
-                                          </p:val>
-                                        </p:tav>
-                                        <p:tav tm="100000">
-                                          <p:val>
-                                            <p:strVal val="#ppt_x"/>
-                                          </p:val>
-                                        </p:tav>
-                                      </p:tavLst>
-                                    </p:anim>
-                                    <p:anim calcmode="lin" valueType="num">
-                                      <p:cBhvr additive="base">
-                                        <p:cTn id="23" dur="500" fill="hold"/>
-                                        <p:tgtEl>
-                                          <p:spTgt spid="7"/>
-                                        </p:tgtEl>
-                                        <p:attrNameLst>
-                                          <p:attrName>ppt_y</p:attrName>
-                                        </p:attrNameLst>
-                                      </p:cBhvr>
-                                      <p:tavLst>
-                                        <p:tav tm="0">
-                                          <p:val>
-                                            <p:strVal val="1+#ppt_h/2"/>
-                                          </p:val>
-                                        </p:tav>
-                                        <p:tav tm="100000">
-                                          <p:val>
-                                            <p:strVal val="#ppt_y"/>
-                                          </p:val>
-                                        </p:tav>
-                                      </p:tavLst>
-                                    </p:anim>
-                                  </p:childTnLst>
-                                </p:cTn>
-                              </p:par>
-                              <p:par>
-                                <p:cTn id="24" presetID="2" presetClass="entr" presetSubtype="12" fill="hold" grpId="0" nodeType="withEffect">
-                                  <p:stCondLst>
-                                    <p:cond delay="300"/>
-                                  </p:stCondLst>
-                                  <p:childTnLst>
-                                    <p:set>
-                                      <p:cBhvr>
-                                        <p:cTn id="25" dur="1" fill="hold">
                                           <p:stCondLst>
                                             <p:cond delay="0"/>
                                           </p:stCondLst>
@@ -15473,7 +14673,7 @@
                                     </p:set>
                                     <p:anim calcmode="lin" valueType="num">
                                       <p:cBhvr additive="base">
-                                        <p:cTn id="26" dur="500" fill="hold"/>
+                                        <p:cTn id="22" dur="500" fill="hold"/>
                                         <p:tgtEl>
                                           <p:spTgt spid="13"/>
                                         </p:tgtEl>
@@ -15496,7 +14696,7 @@
                                     </p:anim>
                                     <p:anim calcmode="lin" valueType="num">
                                       <p:cBhvr additive="base">
-                                        <p:cTn id="27" dur="500" fill="hold"/>
+                                        <p:cTn id="23" dur="500" fill="hold"/>
                                         <p:tgtEl>
                                           <p:spTgt spid="13"/>
                                         </p:tgtEl>
@@ -15524,20 +14724,20 @@
                           </p:cTn>
                         </p:par>
                         <p:par>
-                          <p:cTn id="28" fill="hold">
+                          <p:cTn id="24" fill="hold">
                             <p:stCondLst>
                               <p:cond delay="1000"/>
                             </p:stCondLst>
                             <p:childTnLst>
                               <p:par>
-                                <p:cTn id="29" presetID="22" presetClass="entr" presetSubtype="8" fill="hold" grpId="0" nodeType="afterEffect">
+                                <p:cTn id="25" presetID="22" presetClass="entr" presetSubtype="8" fill="hold" grpId="0" nodeType="afterEffect">
                                   <p:stCondLst>
                                     <p:cond delay="0"/>
                                   </p:stCondLst>
                                   <p:childTnLst>
                                     <p:set>
                                       <p:cBhvr>
-                                        <p:cTn id="30" dur="1" fill="hold">
+                                        <p:cTn id="26" dur="1" fill="hold">
                                           <p:stCondLst>
                                             <p:cond delay="0"/>
                                           </p:stCondLst>
@@ -15555,7 +14755,7 @@
                                     </p:set>
                                     <p:animEffect transition="in" filter="wipe(left)">
                                       <p:cBhvr>
-                                        <p:cTn id="31" dur="500"/>
+                                        <p:cTn id="27" dur="500"/>
                                         <p:tgtEl>
                                           <p:spTgt spid="10"/>
                                         </p:tgtEl>
@@ -15594,7 +14794,6 @@
     <p:bldLst>
       <p:bldP spid="2" grpId="0" bldLvl="0" animBg="1"/>
       <p:bldP spid="6" grpId="0"/>
-      <p:bldP spid="7" grpId="0"/>
       <p:bldP spid="10" grpId="0" bldLvl="0" animBg="1"/>
       <p:bldP spid="11" grpId="0" bldLvl="0" animBg="1"/>
       <p:bldP spid="13" grpId="0"/>

--- a/在线阶段汇报20190606.pptx
+++ b/在线阶段汇报20190606.pptx
@@ -20,7 +20,8 @@
     <p:sldId id="439" r:id="rId13"/>
     <p:sldId id="441" r:id="rId14"/>
     <p:sldId id="405" r:id="rId15"/>
-    <p:sldId id="294" r:id="rId16"/>
+    <p:sldId id="445" r:id="rId16"/>
+    <p:sldId id="294" r:id="rId17"/>
   </p:sldIdLst>
   <p:sldSz cx="9144000" cy="5143500" type="screen16x9"/>
   <p:notesSz cx="6858000" cy="9144000"/>
@@ -782,6 +783,84 @@
 </file>
 
 <file path=ppt/notesSlides/notesSlide13.xml><?xml version="1.0" encoding="utf-8"?>
+<p:notes xmlns:a="http://schemas.openxmlformats.org/drawingml/2006/main" xmlns:r="http://schemas.openxmlformats.org/officeDocument/2006/relationships" xmlns:p="http://schemas.openxmlformats.org/presentationml/2006/main">
+  <p:cSld>
+    <p:spTree>
+      <p:nvGrpSpPr>
+        <p:cNvPr id="1" name=""/>
+        <p:cNvGrpSpPr/>
+        <p:nvPr/>
+      </p:nvGrpSpPr>
+      <p:grpSpPr>
+        <a:xfrm>
+          <a:off x="0" y="0"/>
+          <a:ext cx="0" cy="0"/>
+          <a:chOff x="0" y="0"/>
+          <a:chExt cx="0" cy="0"/>
+        </a:xfrm>
+      </p:grpSpPr>
+      <p:sp>
+        <p:nvSpPr>
+          <p:cNvPr id="2" name="幻灯片图像占位符 1"/>
+          <p:cNvSpPr>
+            <a:spLocks noGrp="1" noRot="1" noChangeAspect="1"/>
+          </p:cNvSpPr>
+          <p:nvPr>
+            <p:ph type="sldImg"/>
+          </p:nvPr>
+        </p:nvSpPr>
+        <p:spPr/>
+      </p:sp>
+      <p:sp>
+        <p:nvSpPr>
+          <p:cNvPr id="3" name="备注占位符 2"/>
+          <p:cNvSpPr>
+            <a:spLocks noGrp="1"/>
+          </p:cNvSpPr>
+          <p:nvPr>
+            <p:ph type="body" idx="1"/>
+          </p:nvPr>
+        </p:nvSpPr>
+        <p:spPr/>
+        <p:txBody>
+          <a:bodyPr/>
+          <a:lstStyle/>
+          <a:p>
+            <a:endParaRPr lang="zh-CN" altLang="en-US"/>
+          </a:p>
+        </p:txBody>
+      </p:sp>
+      <p:sp>
+        <p:nvSpPr>
+          <p:cNvPr id="4" name="灯片编号占位符 3"/>
+          <p:cNvSpPr>
+            <a:spLocks noGrp="1"/>
+          </p:cNvSpPr>
+          <p:nvPr>
+            <p:ph type="sldNum" sz="quarter" idx="10"/>
+          </p:nvPr>
+        </p:nvSpPr>
+        <p:spPr/>
+        <p:txBody>
+          <a:bodyPr/>
+          <a:lstStyle/>
+          <a:p>
+            <a:fld id="{F0F64BE4-6ABB-4DFC-88F2-21DB0926AD8D}" type="slidenum">
+              <a:rPr lang="zh-CN" altLang="en-US" smtClean="0"/>
+            </a:fld>
+            <a:endParaRPr lang="zh-CN" altLang="en-US"/>
+          </a:p>
+        </p:txBody>
+      </p:sp>
+    </p:spTree>
+  </p:cSld>
+  <p:clrMapOvr>
+    <a:masterClrMapping/>
+  </p:clrMapOvr>
+</p:notes>
+</file>
+
+<file path=ppt/notesSlides/notesSlide14.xml><?xml version="1.0" encoding="utf-8"?>
 <p:notes xmlns:a="http://schemas.openxmlformats.org/drawingml/2006/main" xmlns:r="http://schemas.openxmlformats.org/officeDocument/2006/relationships" xmlns:p="http://schemas.openxmlformats.org/presentationml/2006/main">
   <p:cSld>
     <p:spTree>
@@ -6997,7 +7076,7 @@
         </p:nvSpPr>
         <p:spPr>
           <a:xfrm>
-            <a:off x="669290" y="3096260"/>
+            <a:off x="679450" y="3096260"/>
             <a:ext cx="6760210" cy="1168400"/>
           </a:xfrm>
           <a:prstGeom prst="rect">
@@ -7674,6 +7753,987 @@
           </p:txBody>
         </p:sp>
       </p:grpSp>
+      <p:graphicFrame>
+        <p:nvGraphicFramePr>
+          <p:cNvPr id="2" name="表格 1"/>
+          <p:cNvGraphicFramePr>
+            <a:graphicFrameLocks noGrp="1"/>
+          </p:cNvGraphicFramePr>
+          <p:nvPr/>
+        </p:nvGraphicFramePr>
+        <p:xfrm>
+          <a:off x="539750" y="873760"/>
+          <a:ext cx="7885430" cy="3592195"/>
+        </p:xfrm>
+        <a:graphic>
+          <a:graphicData uri="http://schemas.openxmlformats.org/drawingml/2006/table">
+            <a:tbl>
+              <a:tblPr firstRow="1" firstCol="1" bandRow="1">
+                <a:tableStyleId>{5C22544A-7EE6-4342-B048-85BDC9FD1C3A}</a:tableStyleId>
+              </a:tblPr>
+              <a:tblGrid>
+                <a:gridCol w="924560"/>
+                <a:gridCol w="2172335"/>
+                <a:gridCol w="2426335"/>
+                <a:gridCol w="2362200"/>
+              </a:tblGrid>
+              <a:tr h="441325">
+                <a:tc>
+                  <a:txBody>
+                    <a:bodyPr/>
+                    <a:p>
+                      <a:pPr algn="just">
+                        <a:lnSpc>
+                          <a:spcPct val="125000"/>
+                        </a:lnSpc>
+                        <a:spcAft>
+                          <a:spcPts val="0"/>
+                        </a:spcAft>
+                      </a:pPr>
+                      <a:endParaRPr lang="zh-CN" sz="1200" kern="100" dirty="0">
+                        <a:effectLst/>
+                      </a:endParaRPr>
+                    </a:p>
+                    <a:p>
+                      <a:pPr algn="just">
+                        <a:lnSpc>
+                          <a:spcPct val="125000"/>
+                        </a:lnSpc>
+                        <a:spcAft>
+                          <a:spcPts val="0"/>
+                        </a:spcAft>
+                      </a:pPr>
+                      <a:endParaRPr lang="zh-CN" sz="1200" dirty="0">
+                        <a:effectLst/>
+                        <a:latin typeface="Times New Roman" panose="02020603050405020304" pitchFamily="18" charset="0"/>
+                      </a:endParaRPr>
+                    </a:p>
+                  </a:txBody>
+                  <a:tcPr marL="55501" marR="55501" marT="0" marB="0"/>
+                </a:tc>
+                <a:tc>
+                  <a:txBody>
+                    <a:bodyPr/>
+                    <a:p>
+                      <a:pPr algn="just">
+                        <a:lnSpc>
+                          <a:spcPct val="125000"/>
+                        </a:lnSpc>
+                        <a:spcAft>
+                          <a:spcPts val="0"/>
+                        </a:spcAft>
+                      </a:pPr>
+                      <a:r>
+                        <a:rPr lang="en-US" sz="1200" kern="100">
+                          <a:effectLst/>
+                        </a:rPr>
+                        <a:t>Hive</a:t>
+                      </a:r>
+                      <a:endParaRPr lang="en-US" sz="1200" kern="100">
+                        <a:effectLst/>
+                        <a:latin typeface="Times New Roman" panose="02020603050405020304" pitchFamily="18" charset="0"/>
+                        <a:ea typeface="宋体" panose="02010600030101010101" pitchFamily="2" charset="-122"/>
+                      </a:endParaRPr>
+                    </a:p>
+                  </a:txBody>
+                  <a:tcPr marL="55501" marR="55501" marT="0" marB="0"/>
+                </a:tc>
+                <a:tc>
+                  <a:txBody>
+                    <a:bodyPr/>
+                    <a:p>
+                      <a:pPr algn="just">
+                        <a:lnSpc>
+                          <a:spcPct val="125000"/>
+                        </a:lnSpc>
+                        <a:spcAft>
+                          <a:spcPts val="0"/>
+                        </a:spcAft>
+                      </a:pPr>
+                      <a:r>
+                        <a:rPr lang="en-US" sz="1200" kern="100">
+                          <a:effectLst/>
+                        </a:rPr>
+                        <a:t>Presto</a:t>
+                      </a:r>
+                      <a:endParaRPr lang="en-US" sz="1200" kern="100">
+                        <a:effectLst/>
+                        <a:latin typeface="Times New Roman" panose="02020603050405020304" pitchFamily="18" charset="0"/>
+                        <a:ea typeface="宋体" panose="02010600030101010101" pitchFamily="2" charset="-122"/>
+                      </a:endParaRPr>
+                    </a:p>
+                  </a:txBody>
+                  <a:tcPr marL="55501" marR="55501" marT="0" marB="0"/>
+                </a:tc>
+                <a:tc>
+                  <a:txBody>
+                    <a:bodyPr/>
+                    <a:p>
+                      <a:pPr algn="just">
+                        <a:lnSpc>
+                          <a:spcPct val="125000"/>
+                        </a:lnSpc>
+                        <a:spcAft>
+                          <a:spcPts val="0"/>
+                        </a:spcAft>
+                      </a:pPr>
+                      <a:r>
+                        <a:rPr lang="en-US" sz="1200" kern="100">
+                          <a:effectLst/>
+                        </a:rPr>
+                        <a:t>Druid</a:t>
+                      </a:r>
+                      <a:endParaRPr lang="en-US" sz="1200" kern="100">
+                        <a:effectLst/>
+                        <a:latin typeface="Times New Roman" panose="02020603050405020304" pitchFamily="18" charset="0"/>
+                        <a:ea typeface="宋体" panose="02010600030101010101" pitchFamily="2" charset="-122"/>
+                      </a:endParaRPr>
+                    </a:p>
+                  </a:txBody>
+                  <a:tcPr marL="55501" marR="55501" marT="0" marB="0"/>
+                </a:tc>
+              </a:tr>
+              <a:tr h="457200">
+                <a:tc>
+                  <a:txBody>
+                    <a:bodyPr/>
+                    <a:p>
+                      <a:pPr algn="just">
+                        <a:lnSpc>
+                          <a:spcPct val="125000"/>
+                        </a:lnSpc>
+                        <a:spcAft>
+                          <a:spcPts val="0"/>
+                        </a:spcAft>
+                      </a:pPr>
+                      <a:r>
+                        <a:rPr lang="en-US" sz="1200" kern="100">
+                          <a:effectLst/>
+                        </a:rPr>
+                        <a:t>SQL</a:t>
+                      </a:r>
+                      <a:endParaRPr lang="en-US" sz="1200" kern="100">
+                        <a:effectLst/>
+                        <a:latin typeface="Times New Roman" panose="02020603050405020304" pitchFamily="18" charset="0"/>
+                        <a:ea typeface="宋体" panose="02010600030101010101" pitchFamily="2" charset="-122"/>
+                      </a:endParaRPr>
+                    </a:p>
+                  </a:txBody>
+                  <a:tcPr marL="55501" marR="55501" marT="0" marB="0"/>
+                </a:tc>
+                <a:tc>
+                  <a:txBody>
+                    <a:bodyPr/>
+                    <a:p>
+                      <a:pPr algn="just">
+                        <a:lnSpc>
+                          <a:spcPct val="125000"/>
+                        </a:lnSpc>
+                        <a:spcAft>
+                          <a:spcPts val="0"/>
+                        </a:spcAft>
+                      </a:pPr>
+                      <a:r>
+                        <a:rPr lang="en-US" sz="1200" kern="100">
+                          <a:effectLst/>
+                        </a:rPr>
+                        <a:t>HQL</a:t>
+                      </a:r>
+                      <a:endParaRPr lang="en-US" sz="1200" kern="100">
+                        <a:effectLst/>
+                        <a:latin typeface="Times New Roman" panose="02020603050405020304" pitchFamily="18" charset="0"/>
+                        <a:ea typeface="宋体" panose="02010600030101010101" pitchFamily="2" charset="-122"/>
+                      </a:endParaRPr>
+                    </a:p>
+                  </a:txBody>
+                  <a:tcPr marL="55501" marR="55501" marT="0" marB="0"/>
+                </a:tc>
+                <a:tc>
+                  <a:txBody>
+                    <a:bodyPr/>
+                    <a:p>
+                      <a:pPr algn="just">
+                        <a:lnSpc>
+                          <a:spcPct val="125000"/>
+                        </a:lnSpc>
+                        <a:spcAft>
+                          <a:spcPts val="0"/>
+                        </a:spcAft>
+                      </a:pPr>
+                      <a:r>
+                        <a:rPr lang="en-US" sz="1200" kern="100">
+                          <a:effectLst/>
+                        </a:rPr>
+                        <a:t>ANSI SQL</a:t>
+                      </a:r>
+                      <a:endParaRPr lang="en-US" sz="1200" kern="100">
+                        <a:effectLst/>
+                        <a:latin typeface="Times New Roman" panose="02020603050405020304" pitchFamily="18" charset="0"/>
+                        <a:ea typeface="宋体" panose="02010600030101010101" pitchFamily="2" charset="-122"/>
+                      </a:endParaRPr>
+                    </a:p>
+                  </a:txBody>
+                  <a:tcPr marL="55501" marR="55501" marT="0" marB="0"/>
+                </a:tc>
+                <a:tc>
+                  <a:txBody>
+                    <a:bodyPr/>
+                    <a:p>
+                      <a:pPr algn="just">
+                        <a:lnSpc>
+                          <a:spcPct val="125000"/>
+                        </a:lnSpc>
+                        <a:spcAft>
+                          <a:spcPts val="0"/>
+                        </a:spcAft>
+                      </a:pPr>
+                      <a:r>
+                        <a:rPr lang="zh-CN" sz="1200" kern="100">
+                          <a:effectLst/>
+                        </a:rPr>
+                        <a:t>部分</a:t>
+                      </a:r>
+                      <a:r>
+                        <a:rPr lang="en-US" sz="1200" kern="100">
+                          <a:effectLst/>
+                        </a:rPr>
+                        <a:t>SQL</a:t>
+                      </a:r>
+                      <a:endParaRPr lang="zh-CN" sz="1200" kern="100">
+                        <a:effectLst/>
+                        <a:latin typeface="Times New Roman" panose="02020603050405020304" pitchFamily="18" charset="0"/>
+                        <a:ea typeface="宋体" panose="02010600030101010101" pitchFamily="2" charset="-122"/>
+                      </a:endParaRPr>
+                    </a:p>
+                  </a:txBody>
+                  <a:tcPr marL="55501" marR="55501" marT="0" marB="0"/>
+                </a:tc>
+              </a:tr>
+              <a:tr h="504825">
+                <a:tc>
+                  <a:txBody>
+                    <a:bodyPr/>
+                    <a:p>
+                      <a:pPr algn="just">
+                        <a:lnSpc>
+                          <a:spcPct val="125000"/>
+                        </a:lnSpc>
+                        <a:spcAft>
+                          <a:spcPts val="0"/>
+                        </a:spcAft>
+                      </a:pPr>
+                      <a:r>
+                        <a:rPr lang="zh-CN" sz="1200" kern="100">
+                          <a:effectLst/>
+                        </a:rPr>
+                        <a:t>数据源</a:t>
+                      </a:r>
+                      <a:endParaRPr lang="zh-CN" sz="1200" kern="100">
+                        <a:effectLst/>
+                        <a:latin typeface="Times New Roman" panose="02020603050405020304" pitchFamily="18" charset="0"/>
+                        <a:ea typeface="宋体" panose="02010600030101010101" pitchFamily="2" charset="-122"/>
+                      </a:endParaRPr>
+                    </a:p>
+                  </a:txBody>
+                  <a:tcPr marL="55501" marR="55501" marT="0" marB="0"/>
+                </a:tc>
+                <a:tc>
+                  <a:txBody>
+                    <a:bodyPr/>
+                    <a:p>
+                      <a:pPr algn="just">
+                        <a:lnSpc>
+                          <a:spcPct val="125000"/>
+                        </a:lnSpc>
+                        <a:spcAft>
+                          <a:spcPts val="0"/>
+                        </a:spcAft>
+                      </a:pPr>
+                      <a:r>
+                        <a:rPr lang="en-US" sz="1200" kern="100">
+                          <a:effectLst/>
+                        </a:rPr>
+                        <a:t>HDFS\RDB</a:t>
+                      </a:r>
+                      <a:endParaRPr lang="en-US" sz="1200" kern="100">
+                        <a:effectLst/>
+                        <a:latin typeface="Times New Roman" panose="02020603050405020304" pitchFamily="18" charset="0"/>
+                        <a:ea typeface="宋体" panose="02010600030101010101" pitchFamily="2" charset="-122"/>
+                      </a:endParaRPr>
+                    </a:p>
+                  </a:txBody>
+                  <a:tcPr marL="55501" marR="55501" marT="0" marB="0"/>
+                </a:tc>
+                <a:tc>
+                  <a:txBody>
+                    <a:bodyPr/>
+                    <a:p>
+                      <a:pPr algn="just">
+                        <a:lnSpc>
+                          <a:spcPct val="125000"/>
+                        </a:lnSpc>
+                        <a:spcAft>
+                          <a:spcPts val="0"/>
+                        </a:spcAft>
+                      </a:pPr>
+                      <a:r>
+                        <a:rPr lang="en-US" sz="1200" kern="100">
+                          <a:effectLst/>
+                        </a:rPr>
+                        <a:t>Hive/RDB/</a:t>
+                      </a:r>
+                      <a:endParaRPr lang="zh-CN" sz="1200" kern="100">
+                        <a:effectLst/>
+                      </a:endParaRPr>
+                    </a:p>
+                    <a:p>
+                      <a:pPr algn="just">
+                        <a:lnSpc>
+                          <a:spcPct val="125000"/>
+                        </a:lnSpc>
+                        <a:spcAft>
+                          <a:spcPts val="0"/>
+                        </a:spcAft>
+                      </a:pPr>
+                      <a:r>
+                        <a:rPr lang="en-US" sz="1200" kern="100">
+                          <a:effectLst/>
+                        </a:rPr>
+                        <a:t>NoSQL/kafka</a:t>
+                      </a:r>
+                      <a:endParaRPr lang="zh-CN" sz="1200" kern="100">
+                        <a:effectLst/>
+                        <a:latin typeface="Times New Roman" panose="02020603050405020304" pitchFamily="18" charset="0"/>
+                        <a:ea typeface="宋体" panose="02010600030101010101" pitchFamily="2" charset="-122"/>
+                      </a:endParaRPr>
+                    </a:p>
+                  </a:txBody>
+                  <a:tcPr marL="55501" marR="55501" marT="0" marB="0"/>
+                </a:tc>
+                <a:tc>
+                  <a:txBody>
+                    <a:bodyPr/>
+                    <a:p>
+                      <a:pPr algn="just">
+                        <a:lnSpc>
+                          <a:spcPct val="125000"/>
+                        </a:lnSpc>
+                        <a:spcAft>
+                          <a:spcPts val="0"/>
+                        </a:spcAft>
+                      </a:pPr>
+                      <a:r>
+                        <a:rPr lang="en-US" sz="1200" kern="100">
+                          <a:effectLst/>
+                        </a:rPr>
+                        <a:t>Kafka</a:t>
+                      </a:r>
+                      <a:r>
+                        <a:rPr lang="zh-CN" sz="1200" kern="100">
+                          <a:effectLst/>
+                        </a:rPr>
+                        <a:t>等流数据</a:t>
+                      </a:r>
+                      <a:endParaRPr lang="zh-CN" sz="1200" kern="100">
+                        <a:effectLst/>
+                        <a:latin typeface="Times New Roman" panose="02020603050405020304" pitchFamily="18" charset="0"/>
+                        <a:ea typeface="宋体" panose="02010600030101010101" pitchFamily="2" charset="-122"/>
+                      </a:endParaRPr>
+                    </a:p>
+                  </a:txBody>
+                  <a:tcPr marL="55501" marR="55501" marT="0" marB="0"/>
+                </a:tc>
+              </a:tr>
+              <a:tr h="513080">
+                <a:tc>
+                  <a:txBody>
+                    <a:bodyPr/>
+                    <a:p>
+                      <a:pPr algn="just">
+                        <a:lnSpc>
+                          <a:spcPct val="125000"/>
+                        </a:lnSpc>
+                        <a:spcAft>
+                          <a:spcPts val="0"/>
+                        </a:spcAft>
+                      </a:pPr>
+                      <a:r>
+                        <a:rPr lang="zh-CN" sz="1200" kern="100">
+                          <a:effectLst/>
+                        </a:rPr>
+                        <a:t>核心思想</a:t>
+                      </a:r>
+                      <a:endParaRPr lang="zh-CN" sz="1200" kern="100">
+                        <a:effectLst/>
+                        <a:latin typeface="Times New Roman" panose="02020603050405020304" pitchFamily="18" charset="0"/>
+                        <a:ea typeface="宋体" panose="02010600030101010101" pitchFamily="2" charset="-122"/>
+                      </a:endParaRPr>
+                    </a:p>
+                  </a:txBody>
+                  <a:tcPr marL="55501" marR="55501" marT="0" marB="0"/>
+                </a:tc>
+                <a:tc>
+                  <a:txBody>
+                    <a:bodyPr/>
+                    <a:p>
+                      <a:pPr algn="just">
+                        <a:lnSpc>
+                          <a:spcPct val="125000"/>
+                        </a:lnSpc>
+                        <a:spcAft>
+                          <a:spcPts val="0"/>
+                        </a:spcAft>
+                      </a:pPr>
+                      <a:r>
+                        <a:rPr lang="zh-CN" sz="1200" kern="100">
+                          <a:effectLst/>
+                        </a:rPr>
+                        <a:t>表</a:t>
+                      </a:r>
+                      <a:endParaRPr lang="zh-CN" sz="1200" kern="100">
+                        <a:effectLst/>
+                        <a:latin typeface="Times New Roman" panose="02020603050405020304" pitchFamily="18" charset="0"/>
+                        <a:ea typeface="宋体" panose="02010600030101010101" pitchFamily="2" charset="-122"/>
+                      </a:endParaRPr>
+                    </a:p>
+                  </a:txBody>
+                  <a:tcPr marL="55501" marR="55501" marT="0" marB="0"/>
+                </a:tc>
+                <a:tc>
+                  <a:txBody>
+                    <a:bodyPr/>
+                    <a:p>
+                      <a:pPr algn="just">
+                        <a:lnSpc>
+                          <a:spcPct val="125000"/>
+                        </a:lnSpc>
+                        <a:spcAft>
+                          <a:spcPts val="0"/>
+                        </a:spcAft>
+                      </a:pPr>
+                      <a:r>
+                        <a:rPr lang="zh-CN" sz="1200" kern="100">
+                          <a:effectLst/>
+                        </a:rPr>
+                        <a:t>基于内存，拉数据、不做存储</a:t>
+                      </a:r>
+                      <a:endParaRPr lang="zh-CN" sz="1200" kern="100">
+                        <a:effectLst/>
+                        <a:latin typeface="Times New Roman" panose="02020603050405020304" pitchFamily="18" charset="0"/>
+                        <a:ea typeface="宋体" panose="02010600030101010101" pitchFamily="2" charset="-122"/>
+                      </a:endParaRPr>
+                    </a:p>
+                  </a:txBody>
+                  <a:tcPr marL="55501" marR="55501" marT="0" marB="0"/>
+                </a:tc>
+                <a:tc>
+                  <a:txBody>
+                    <a:bodyPr/>
+                    <a:p>
+                      <a:pPr algn="just">
+                        <a:lnSpc>
+                          <a:spcPct val="125000"/>
+                        </a:lnSpc>
+                        <a:spcAft>
+                          <a:spcPts val="0"/>
+                        </a:spcAft>
+                      </a:pPr>
+                      <a:r>
+                        <a:rPr lang="zh-CN" sz="1200" kern="100">
+                          <a:effectLst/>
+                        </a:rPr>
+                        <a:t>基于时序数据存储、查询</a:t>
+                      </a:r>
+                      <a:endParaRPr lang="zh-CN" sz="1200" kern="100">
+                        <a:effectLst/>
+                        <a:latin typeface="Times New Roman" panose="02020603050405020304" pitchFamily="18" charset="0"/>
+                        <a:ea typeface="宋体" panose="02010600030101010101" pitchFamily="2" charset="-122"/>
+                      </a:endParaRPr>
+                    </a:p>
+                  </a:txBody>
+                  <a:tcPr marL="55501" marR="55501" marT="0" marB="0"/>
+                </a:tc>
+              </a:tr>
+              <a:tr h="401955">
+                <a:tc>
+                  <a:txBody>
+                    <a:bodyPr/>
+                    <a:p>
+                      <a:pPr algn="just">
+                        <a:lnSpc>
+                          <a:spcPct val="125000"/>
+                        </a:lnSpc>
+                        <a:spcAft>
+                          <a:spcPts val="0"/>
+                        </a:spcAft>
+                      </a:pPr>
+                      <a:r>
+                        <a:rPr lang="zh-CN" sz="1200" kern="100">
+                          <a:effectLst/>
+                        </a:rPr>
+                        <a:t>计算框架</a:t>
+                      </a:r>
+                      <a:endParaRPr lang="zh-CN" sz="1200" kern="100">
+                        <a:effectLst/>
+                        <a:latin typeface="Times New Roman" panose="02020603050405020304" pitchFamily="18" charset="0"/>
+                        <a:ea typeface="宋体" panose="02010600030101010101" pitchFamily="2" charset="-122"/>
+                      </a:endParaRPr>
+                    </a:p>
+                  </a:txBody>
+                  <a:tcPr marL="55501" marR="55501" marT="0" marB="0"/>
+                </a:tc>
+                <a:tc>
+                  <a:txBody>
+                    <a:bodyPr/>
+                    <a:p>
+                      <a:pPr algn="just">
+                        <a:lnSpc>
+                          <a:spcPct val="125000"/>
+                        </a:lnSpc>
+                        <a:spcAft>
+                          <a:spcPts val="0"/>
+                        </a:spcAft>
+                      </a:pPr>
+                      <a:r>
+                        <a:rPr lang="en-US" sz="1200" kern="100">
+                          <a:effectLst/>
+                        </a:rPr>
+                        <a:t>MR</a:t>
+                      </a:r>
+                      <a:endParaRPr lang="en-US" sz="1200" kern="100">
+                        <a:effectLst/>
+                        <a:latin typeface="Times New Roman" panose="02020603050405020304" pitchFamily="18" charset="0"/>
+                        <a:ea typeface="宋体" panose="02010600030101010101" pitchFamily="2" charset="-122"/>
+                      </a:endParaRPr>
+                    </a:p>
+                  </a:txBody>
+                  <a:tcPr marL="55501" marR="55501" marT="0" marB="0"/>
+                </a:tc>
+                <a:tc>
+                  <a:txBody>
+                    <a:bodyPr/>
+                    <a:p>
+                      <a:pPr algn="just">
+                        <a:lnSpc>
+                          <a:spcPct val="125000"/>
+                        </a:lnSpc>
+                        <a:spcAft>
+                          <a:spcPts val="0"/>
+                        </a:spcAft>
+                      </a:pPr>
+                      <a:r>
+                        <a:rPr lang="zh-CN" sz="1200" kern="100">
+                          <a:effectLst/>
+                        </a:rPr>
+                        <a:t>自行</a:t>
+                      </a:r>
+                      <a:endParaRPr lang="zh-CN" sz="1200" kern="100">
+                        <a:effectLst/>
+                        <a:latin typeface="Times New Roman" panose="02020603050405020304" pitchFamily="18" charset="0"/>
+                        <a:ea typeface="宋体" panose="02010600030101010101" pitchFamily="2" charset="-122"/>
+                      </a:endParaRPr>
+                    </a:p>
+                  </a:txBody>
+                  <a:tcPr marL="55501" marR="55501" marT="0" marB="0"/>
+                </a:tc>
+                <a:tc>
+                  <a:txBody>
+                    <a:bodyPr/>
+                    <a:p>
+                      <a:pPr algn="just">
+                        <a:lnSpc>
+                          <a:spcPct val="125000"/>
+                        </a:lnSpc>
+                        <a:spcAft>
+                          <a:spcPts val="0"/>
+                        </a:spcAft>
+                      </a:pPr>
+                      <a:r>
+                        <a:rPr lang="zh-CN" sz="1200" kern="100">
+                          <a:effectLst/>
+                        </a:rPr>
+                        <a:t>自行</a:t>
+                      </a:r>
+                      <a:endParaRPr lang="zh-CN" sz="1200" kern="100">
+                        <a:effectLst/>
+                        <a:latin typeface="Times New Roman" panose="02020603050405020304" pitchFamily="18" charset="0"/>
+                        <a:ea typeface="宋体" panose="02010600030101010101" pitchFamily="2" charset="-122"/>
+                      </a:endParaRPr>
+                    </a:p>
+                  </a:txBody>
+                  <a:tcPr marL="55501" marR="55501" marT="0" marB="0"/>
+                </a:tc>
+              </a:tr>
+              <a:tr h="450215">
+                <a:tc>
+                  <a:txBody>
+                    <a:bodyPr/>
+                    <a:p>
+                      <a:pPr algn="just">
+                        <a:lnSpc>
+                          <a:spcPct val="125000"/>
+                        </a:lnSpc>
+                        <a:spcAft>
+                          <a:spcPts val="0"/>
+                        </a:spcAft>
+                      </a:pPr>
+                      <a:r>
+                        <a:rPr lang="zh-CN" sz="1200" kern="100">
+                          <a:effectLst/>
+                        </a:rPr>
+                        <a:t>亮点</a:t>
+                      </a:r>
+                      <a:endParaRPr lang="zh-CN" sz="1200" kern="100">
+                        <a:effectLst/>
+                        <a:latin typeface="Times New Roman" panose="02020603050405020304" pitchFamily="18" charset="0"/>
+                        <a:ea typeface="宋体" panose="02010600030101010101" pitchFamily="2" charset="-122"/>
+                      </a:endParaRPr>
+                    </a:p>
+                  </a:txBody>
+                  <a:tcPr marL="55501" marR="55501" marT="0" marB="0"/>
+                </a:tc>
+                <a:tc>
+                  <a:txBody>
+                    <a:bodyPr/>
+                    <a:p>
+                      <a:pPr algn="just">
+                        <a:lnSpc>
+                          <a:spcPct val="125000"/>
+                        </a:lnSpc>
+                        <a:spcAft>
+                          <a:spcPts val="0"/>
+                        </a:spcAft>
+                      </a:pPr>
+                      <a:r>
+                        <a:rPr lang="en-US" sz="1200" kern="100">
+                          <a:effectLst/>
+                        </a:rPr>
+                        <a:t>Hive on Tez/Spark</a:t>
+                      </a:r>
+                      <a:r>
+                        <a:rPr lang="zh-CN" sz="1200" kern="100">
+                          <a:effectLst/>
+                        </a:rPr>
+                        <a:t>、依托</a:t>
+                      </a:r>
+                      <a:r>
+                        <a:rPr lang="en-US" sz="1200" kern="100">
+                          <a:effectLst/>
+                        </a:rPr>
+                        <a:t>hadoop</a:t>
+                      </a:r>
+                      <a:endParaRPr lang="zh-CN" sz="1200" kern="100">
+                        <a:effectLst/>
+                        <a:latin typeface="Times New Roman" panose="02020603050405020304" pitchFamily="18" charset="0"/>
+                        <a:ea typeface="宋体" panose="02010600030101010101" pitchFamily="2" charset="-122"/>
+                      </a:endParaRPr>
+                    </a:p>
+                  </a:txBody>
+                  <a:tcPr marL="55501" marR="55501" marT="0" marB="0"/>
+                </a:tc>
+                <a:tc>
+                  <a:txBody>
+                    <a:bodyPr/>
+                    <a:p>
+                      <a:pPr algn="just">
+                        <a:lnSpc>
+                          <a:spcPct val="125000"/>
+                        </a:lnSpc>
+                        <a:spcAft>
+                          <a:spcPts val="0"/>
+                        </a:spcAft>
+                      </a:pPr>
+                      <a:r>
+                        <a:rPr lang="zh-CN" sz="1200" kern="100">
+                          <a:effectLst/>
+                        </a:rPr>
+                        <a:t>即席查询，较快</a:t>
+                      </a:r>
+                      <a:endParaRPr lang="zh-CN" sz="1200" kern="100">
+                        <a:effectLst/>
+                        <a:latin typeface="Times New Roman" panose="02020603050405020304" pitchFamily="18" charset="0"/>
+                        <a:ea typeface="宋体" panose="02010600030101010101" pitchFamily="2" charset="-122"/>
+                      </a:endParaRPr>
+                    </a:p>
+                  </a:txBody>
+                  <a:tcPr marL="55501" marR="55501" marT="0" marB="0"/>
+                </a:tc>
+                <a:tc>
+                  <a:txBody>
+                    <a:bodyPr/>
+                    <a:p>
+                      <a:pPr algn="just">
+                        <a:lnSpc>
+                          <a:spcPct val="125000"/>
+                        </a:lnSpc>
+                        <a:spcAft>
+                          <a:spcPts val="0"/>
+                        </a:spcAft>
+                      </a:pPr>
+                      <a:r>
+                        <a:rPr lang="zh-CN" sz="1200" kern="100">
+                          <a:effectLst/>
+                        </a:rPr>
+                        <a:t>离线</a:t>
+                      </a:r>
+                      <a:r>
+                        <a:rPr lang="en-US" sz="1200" kern="100">
+                          <a:effectLst/>
+                        </a:rPr>
+                        <a:t>+</a:t>
+                      </a:r>
+                      <a:r>
+                        <a:rPr lang="zh-CN" sz="1200" kern="100">
+                          <a:effectLst/>
+                        </a:rPr>
+                        <a:t>近实时</a:t>
+                      </a:r>
+                      <a:endParaRPr lang="zh-CN" sz="1200" kern="100">
+                        <a:effectLst/>
+                        <a:latin typeface="Times New Roman" panose="02020603050405020304" pitchFamily="18" charset="0"/>
+                        <a:ea typeface="宋体" panose="02010600030101010101" pitchFamily="2" charset="-122"/>
+                      </a:endParaRPr>
+                    </a:p>
+                  </a:txBody>
+                  <a:tcPr marL="55501" marR="55501" marT="0" marB="0"/>
+                </a:tc>
+              </a:tr>
+              <a:tr h="398145">
+                <a:tc>
+                  <a:txBody>
+                    <a:bodyPr/>
+                    <a:p>
+                      <a:pPr algn="just">
+                        <a:lnSpc>
+                          <a:spcPct val="125000"/>
+                        </a:lnSpc>
+                        <a:spcAft>
+                          <a:spcPts val="0"/>
+                        </a:spcAft>
+                      </a:pPr>
+                      <a:r>
+                        <a:rPr lang="zh-CN" sz="1200" kern="100">
+                          <a:effectLst/>
+                        </a:rPr>
+                        <a:t>弊端</a:t>
+                      </a:r>
+                      <a:endParaRPr lang="zh-CN" sz="1200" kern="100">
+                        <a:effectLst/>
+                        <a:latin typeface="Times New Roman" panose="02020603050405020304" pitchFamily="18" charset="0"/>
+                        <a:ea typeface="宋体" panose="02010600030101010101" pitchFamily="2" charset="-122"/>
+                      </a:endParaRPr>
+                    </a:p>
+                  </a:txBody>
+                  <a:tcPr marL="55501" marR="55501" marT="0" marB="0"/>
+                </a:tc>
+                <a:tc>
+                  <a:txBody>
+                    <a:bodyPr/>
+                    <a:p>
+                      <a:pPr algn="just">
+                        <a:lnSpc>
+                          <a:spcPct val="125000"/>
+                        </a:lnSpc>
+                        <a:spcAft>
+                          <a:spcPts val="0"/>
+                        </a:spcAft>
+                      </a:pPr>
+                      <a:r>
+                        <a:rPr lang="zh-CN" sz="1200" kern="100">
+                          <a:effectLst/>
+                        </a:rPr>
+                        <a:t>慢</a:t>
+                      </a:r>
+                      <a:endParaRPr lang="zh-CN" sz="1200" kern="100">
+                        <a:effectLst/>
+                        <a:latin typeface="Times New Roman" panose="02020603050405020304" pitchFamily="18" charset="0"/>
+                        <a:ea typeface="宋体" panose="02010600030101010101" pitchFamily="2" charset="-122"/>
+                      </a:endParaRPr>
+                    </a:p>
+                  </a:txBody>
+                  <a:tcPr marL="55501" marR="55501" marT="0" marB="0"/>
+                </a:tc>
+                <a:tc>
+                  <a:txBody>
+                    <a:bodyPr/>
+                    <a:p>
+                      <a:pPr algn="just">
+                        <a:lnSpc>
+                          <a:spcPct val="125000"/>
+                        </a:lnSpc>
+                        <a:spcAft>
+                          <a:spcPts val="0"/>
+                        </a:spcAft>
+                      </a:pPr>
+                      <a:r>
+                        <a:rPr lang="zh-CN" sz="1200" kern="100" dirty="0">
+                          <a:effectLst/>
+                        </a:rPr>
+                        <a:t>耗内存、容错差</a:t>
+                      </a:r>
+                      <a:endParaRPr lang="zh-CN" sz="1200" kern="100" dirty="0">
+                        <a:effectLst/>
+                        <a:latin typeface="Times New Roman" panose="02020603050405020304" pitchFamily="18" charset="0"/>
+                        <a:ea typeface="宋体" panose="02010600030101010101" pitchFamily="2" charset="-122"/>
+                      </a:endParaRPr>
+                    </a:p>
+                  </a:txBody>
+                  <a:tcPr marL="55501" marR="55501" marT="0" marB="0"/>
+                </a:tc>
+                <a:tc>
+                  <a:txBody>
+                    <a:bodyPr/>
+                    <a:p>
+                      <a:pPr algn="just">
+                        <a:lnSpc>
+                          <a:spcPct val="125000"/>
+                        </a:lnSpc>
+                        <a:spcAft>
+                          <a:spcPts val="0"/>
+                        </a:spcAft>
+                      </a:pPr>
+                      <a:r>
+                        <a:rPr lang="zh-CN" sz="1200" kern="100">
+                          <a:effectLst/>
+                        </a:rPr>
+                        <a:t>缺乏</a:t>
+                      </a:r>
+                      <a:r>
+                        <a:rPr lang="en-US" sz="1200" kern="100">
+                          <a:effectLst/>
+                        </a:rPr>
+                        <a:t>SQL</a:t>
+                      </a:r>
+                      <a:r>
+                        <a:rPr lang="zh-CN" sz="1200" kern="100">
+                          <a:effectLst/>
+                        </a:rPr>
+                        <a:t>支持</a:t>
+                      </a:r>
+                      <a:endParaRPr lang="zh-CN" sz="1200" kern="100">
+                        <a:effectLst/>
+                        <a:latin typeface="Times New Roman" panose="02020603050405020304" pitchFamily="18" charset="0"/>
+                        <a:ea typeface="宋体" panose="02010600030101010101" pitchFamily="2" charset="-122"/>
+                      </a:endParaRPr>
+                    </a:p>
+                  </a:txBody>
+                  <a:tcPr marL="55501" marR="55501" marT="0" marB="0"/>
+                </a:tc>
+              </a:tr>
+              <a:tr h="409575">
+                <a:tc>
+                  <a:txBody>
+                    <a:bodyPr/>
+                    <a:p>
+                      <a:pPr algn="just">
+                        <a:lnSpc>
+                          <a:spcPct val="125000"/>
+                        </a:lnSpc>
+                        <a:spcAft>
+                          <a:spcPts val="0"/>
+                        </a:spcAft>
+                      </a:pPr>
+                      <a:r>
+                        <a:rPr lang="zh-CN" sz="1200" kern="100">
+                          <a:effectLst/>
+                        </a:rPr>
+                        <a:t>结论</a:t>
+                      </a:r>
+                      <a:endParaRPr lang="zh-CN" sz="1200" kern="100">
+                        <a:effectLst/>
+                        <a:latin typeface="Times New Roman" panose="02020603050405020304" pitchFamily="18" charset="0"/>
+                        <a:ea typeface="宋体" panose="02010600030101010101" pitchFamily="2" charset="-122"/>
+                      </a:endParaRPr>
+                    </a:p>
+                  </a:txBody>
+                  <a:tcPr marL="55501" marR="55501" marT="0" marB="0"/>
+                </a:tc>
+                <a:tc>
+                  <a:txBody>
+                    <a:bodyPr/>
+                    <a:p>
+                      <a:pPr algn="just">
+                        <a:lnSpc>
+                          <a:spcPct val="125000"/>
+                        </a:lnSpc>
+                        <a:spcAft>
+                          <a:spcPts val="0"/>
+                        </a:spcAft>
+                      </a:pPr>
+                      <a:r>
+                        <a:rPr lang="zh-CN" sz="1200" kern="100">
+                          <a:effectLst/>
+                        </a:rPr>
+                        <a:t>暂时无法替代</a:t>
+                      </a:r>
+                      <a:endParaRPr lang="zh-CN" sz="1200" kern="100">
+                        <a:effectLst/>
+                        <a:latin typeface="Times New Roman" panose="02020603050405020304" pitchFamily="18" charset="0"/>
+                        <a:ea typeface="宋体" panose="02010600030101010101" pitchFamily="2" charset="-122"/>
+                      </a:endParaRPr>
+                    </a:p>
+                  </a:txBody>
+                  <a:tcPr marL="55501" marR="55501" marT="0" marB="0"/>
+                </a:tc>
+                <a:tc>
+                  <a:txBody>
+                    <a:bodyPr/>
+                    <a:p>
+                      <a:pPr algn="just">
+                        <a:lnSpc>
+                          <a:spcPct val="125000"/>
+                        </a:lnSpc>
+                        <a:spcAft>
+                          <a:spcPts val="0"/>
+                        </a:spcAft>
+                      </a:pPr>
+                      <a:r>
+                        <a:rPr lang="zh-CN" sz="1200" kern="100">
+                          <a:effectLst/>
+                        </a:rPr>
+                        <a:t>可做即席查询、测试工作</a:t>
+                      </a:r>
+                      <a:endParaRPr lang="zh-CN" sz="1200" kern="100">
+                        <a:effectLst/>
+                        <a:latin typeface="Times New Roman" panose="02020603050405020304" pitchFamily="18" charset="0"/>
+                        <a:ea typeface="宋体" panose="02010600030101010101" pitchFamily="2" charset="-122"/>
+                      </a:endParaRPr>
+                    </a:p>
+                  </a:txBody>
+                  <a:tcPr marL="55501" marR="55501" marT="0" marB="0"/>
+                </a:tc>
+                <a:tc>
+                  <a:txBody>
+                    <a:bodyPr/>
+                    <a:p>
+                      <a:pPr algn="just">
+                        <a:lnSpc>
+                          <a:spcPct val="125000"/>
+                        </a:lnSpc>
+                        <a:spcAft>
+                          <a:spcPts val="0"/>
+                        </a:spcAft>
+                      </a:pPr>
+                      <a:r>
+                        <a:rPr lang="zh-CN" sz="1200" kern="100">
+                          <a:effectLst/>
+                        </a:rPr>
+                        <a:t>可试用</a:t>
+                      </a:r>
+                      <a:endParaRPr lang="zh-CN" sz="1200" kern="100">
+                        <a:effectLst/>
+                        <a:latin typeface="Times New Roman" panose="02020603050405020304" pitchFamily="18" charset="0"/>
+                        <a:ea typeface="宋体" panose="02010600030101010101" pitchFamily="2" charset="-122"/>
+                      </a:endParaRPr>
+                    </a:p>
+                  </a:txBody>
+                  <a:tcPr marL="55501" marR="55501" marT="0" marB="0"/>
+                </a:tc>
+              </a:tr>
+            </a:tbl>
+          </a:graphicData>
+        </a:graphic>
+      </p:graphicFrame>
     </p:spTree>
   </p:cSld>
   <p:clrMapOvr>
@@ -8071,58 +9131,6 @@
           </a:p>
         </p:txBody>
       </p:sp>
-      <p:sp>
-        <p:nvSpPr>
-          <p:cNvPr id="5" name="TextBox 23"/>
-          <p:cNvSpPr txBox="1"/>
-          <p:nvPr/>
-        </p:nvSpPr>
-        <p:spPr>
-          <a:xfrm>
-            <a:off x="3773158" y="1826932"/>
-            <a:ext cx="1240790" cy="283845"/>
-          </a:xfrm>
-          <a:prstGeom prst="rect">
-            <a:avLst/>
-          </a:prstGeom>
-          <a:noFill/>
-        </p:spPr>
-        <p:txBody>
-          <a:bodyPr wrap="none" lIns="68580" tIns="34290" rIns="68580" bIns="34290" rtlCol="0">
-            <a:spAutoFit/>
-          </a:bodyPr>
-          <a:lstStyle/>
-          <a:p>
-            <a:pPr marL="214630" indent="-214630">
-              <a:buFont typeface="Wingdings" panose="05000000000000000000" pitchFamily="2" charset="2"/>
-              <a:buChar char="p"/>
-            </a:pPr>
-            <a:r>
-              <a:rPr lang="zh-CN" altLang="en-US" sz="1400" dirty="0">
-                <a:solidFill>
-                  <a:schemeClr val="tx1">
-                    <a:lumMod val="85000"/>
-                    <a:lumOff val="15000"/>
-                  </a:schemeClr>
-                </a:solidFill>
-                <a:latin typeface="微软雅黑" panose="020B0503020204020204" pitchFamily="34" charset="-122"/>
-                <a:ea typeface="微软雅黑" panose="020B0503020204020204" pitchFamily="34" charset="-122"/>
-              </a:rPr>
-              <a:t>方案与结论</a:t>
-            </a:r>
-            <a:endParaRPr lang="zh-CN" altLang="en-US" sz="1400" dirty="0">
-              <a:solidFill>
-                <a:schemeClr val="tx1">
-                  <a:lumMod val="85000"/>
-                  <a:lumOff val="15000"/>
-                </a:schemeClr>
-              </a:solidFill>
-              <a:latin typeface="微软雅黑" panose="020B0503020204020204" pitchFamily="34" charset="-122"/>
-              <a:ea typeface="微软雅黑" panose="020B0503020204020204" pitchFamily="34" charset="-122"/>
-            </a:endParaRPr>
-          </a:p>
-        </p:txBody>
-      </p:sp>
       <p:grpSp>
         <p:nvGrpSpPr>
           <p:cNvPr id="12" name="组合 11"/>
@@ -8318,58 +9326,6 @@
           <a:p>
             <a:pPr algn="ctr"/>
             <a:endParaRPr lang="zh-CN" altLang="en-US" dirty="0"/>
-          </a:p>
-        </p:txBody>
-      </p:sp>
-      <p:sp>
-        <p:nvSpPr>
-          <p:cNvPr id="13" name="TextBox 23"/>
-          <p:cNvSpPr txBox="1"/>
-          <p:nvPr/>
-        </p:nvSpPr>
-        <p:spPr>
-          <a:xfrm>
-            <a:off x="5895604" y="1860940"/>
-            <a:ext cx="1240790" cy="283845"/>
-          </a:xfrm>
-          <a:prstGeom prst="rect">
-            <a:avLst/>
-          </a:prstGeom>
-          <a:noFill/>
-        </p:spPr>
-        <p:txBody>
-          <a:bodyPr wrap="none" lIns="68580" tIns="34290" rIns="68580" bIns="34290" rtlCol="0">
-            <a:spAutoFit/>
-          </a:bodyPr>
-          <a:lstStyle/>
-          <a:p>
-            <a:pPr marL="214630" indent="-214630">
-              <a:buFont typeface="Wingdings" panose="05000000000000000000" pitchFamily="2" charset="2"/>
-              <a:buChar char="p"/>
-            </a:pPr>
-            <a:r>
-              <a:rPr lang="zh-CN" altLang="en-US" sz="1400" dirty="0">
-                <a:solidFill>
-                  <a:schemeClr val="tx1">
-                    <a:lumMod val="85000"/>
-                    <a:lumOff val="15000"/>
-                  </a:schemeClr>
-                </a:solidFill>
-                <a:latin typeface="微软雅黑" panose="020B0503020204020204" pitchFamily="34" charset="-122"/>
-                <a:ea typeface="微软雅黑" panose="020B0503020204020204" pitchFamily="34" charset="-122"/>
-              </a:rPr>
-              <a:t>下一步计划</a:t>
-            </a:r>
-            <a:endParaRPr lang="zh-CN" altLang="en-US" sz="1400" dirty="0">
-              <a:solidFill>
-                <a:schemeClr val="tx1">
-                  <a:lumMod val="85000"/>
-                  <a:lumOff val="15000"/>
-                </a:schemeClr>
-              </a:solidFill>
-              <a:latin typeface="微软雅黑" panose="020B0503020204020204" pitchFamily="34" charset="-122"/>
-              <a:ea typeface="微软雅黑" panose="020B0503020204020204" pitchFamily="34" charset="-122"/>
-            </a:endParaRPr>
           </a:p>
         </p:txBody>
       </p:sp>
@@ -8566,7 +9522,7 @@
                             </p:stCondLst>
                             <p:childTnLst>
                               <p:par>
-                                <p:cTn id="17" presetID="2" presetClass="entr" presetSubtype="12" fill="hold" grpId="0" nodeType="afterEffect">
+                                <p:cTn id="17" presetID="22" presetClass="entr" presetSubtype="8" fill="hold" grpId="0" nodeType="afterEffect">
                                   <p:stCondLst>
                                     <p:cond delay="0"/>
                                   </p:stCondLst>
@@ -8574,161 +9530,6 @@
                                     <p:set>
                                       <p:cBhvr>
                                         <p:cTn id="18" dur="1" fill="hold">
-                                          <p:stCondLst>
-                                            <p:cond delay="0"/>
-                                          </p:stCondLst>
-                                        </p:cTn>
-                                        <p:tgtEl>
-                                          <p:spTgt spid="5"/>
-                                        </p:tgtEl>
-                                        <p:attrNameLst>
-                                          <p:attrName>style.visibility</p:attrName>
-                                        </p:attrNameLst>
-                                      </p:cBhvr>
-                                      <p:to>
-                                        <p:strVal val="visible"/>
-                                      </p:to>
-                                    </p:set>
-                                    <p:anim calcmode="lin" valueType="num">
-                                      <p:cBhvr additive="base">
-                                        <p:cTn id="19" dur="500" fill="hold"/>
-                                        <p:tgtEl>
-                                          <p:spTgt spid="5"/>
-                                        </p:tgtEl>
-                                        <p:attrNameLst>
-                                          <p:attrName>ppt_x</p:attrName>
-                                        </p:attrNameLst>
-                                      </p:cBhvr>
-                                      <p:tavLst>
-                                        <p:tav tm="0">
-                                          <p:val>
-                                            <p:strVal val="0-#ppt_w/2"/>
-                                          </p:val>
-                                        </p:tav>
-                                        <p:tav tm="100000">
-                                          <p:val>
-                                            <p:strVal val="#ppt_x"/>
-                                          </p:val>
-                                        </p:tav>
-                                      </p:tavLst>
-                                    </p:anim>
-                                    <p:anim calcmode="lin" valueType="num">
-                                      <p:cBhvr additive="base">
-                                        <p:cTn id="20" dur="500" fill="hold"/>
-                                        <p:tgtEl>
-                                          <p:spTgt spid="5"/>
-                                        </p:tgtEl>
-                                        <p:attrNameLst>
-                                          <p:attrName>ppt_y</p:attrName>
-                                        </p:attrNameLst>
-                                      </p:cBhvr>
-                                      <p:tavLst>
-                                        <p:tav tm="0">
-                                          <p:val>
-                                            <p:strVal val="1+#ppt_h/2"/>
-                                          </p:val>
-                                        </p:tav>
-                                        <p:tav tm="100000">
-                                          <p:val>
-                                            <p:strVal val="#ppt_y"/>
-                                          </p:val>
-                                        </p:tav>
-                                      </p:tavLst>
-                                    </p:anim>
-                                  </p:childTnLst>
-                                </p:cTn>
-                              </p:par>
-                              <p:par>
-                                <p:cTn id="21" presetID="2" presetClass="entr" presetSubtype="12" fill="hold" grpId="0" nodeType="withEffect">
-                                  <p:stCondLst>
-                                    <p:cond delay="300"/>
-                                  </p:stCondLst>
-                                  <p:childTnLst>
-                                    <p:set>
-                                      <p:cBhvr>
-                                        <p:cTn id="22" dur="1" fill="hold">
-                                          <p:stCondLst>
-                                            <p:cond delay="0"/>
-                                          </p:stCondLst>
-                                        </p:cTn>
-                                        <p:tgtEl>
-                                          <p:spTgt spid="13"/>
-                                        </p:tgtEl>
-                                        <p:attrNameLst>
-                                          <p:attrName>style.visibility</p:attrName>
-                                        </p:attrNameLst>
-                                      </p:cBhvr>
-                                      <p:to>
-                                        <p:strVal val="visible"/>
-                                      </p:to>
-                                    </p:set>
-                                    <p:anim calcmode="lin" valueType="num">
-                                      <p:cBhvr additive="base">
-                                        <p:cTn id="23" dur="500" fill="hold"/>
-                                        <p:tgtEl>
-                                          <p:spTgt spid="13"/>
-                                        </p:tgtEl>
-                                        <p:attrNameLst>
-                                          <p:attrName>ppt_x</p:attrName>
-                                        </p:attrNameLst>
-                                      </p:cBhvr>
-                                      <p:tavLst>
-                                        <p:tav tm="0">
-                                          <p:val>
-                                            <p:strVal val="0-#ppt_w/2"/>
-                                          </p:val>
-                                        </p:tav>
-                                        <p:tav tm="100000">
-                                          <p:val>
-                                            <p:strVal val="#ppt_x"/>
-                                          </p:val>
-                                        </p:tav>
-                                      </p:tavLst>
-                                    </p:anim>
-                                    <p:anim calcmode="lin" valueType="num">
-                                      <p:cBhvr additive="base">
-                                        <p:cTn id="24" dur="500" fill="hold"/>
-                                        <p:tgtEl>
-                                          <p:spTgt spid="13"/>
-                                        </p:tgtEl>
-                                        <p:attrNameLst>
-                                          <p:attrName>ppt_y</p:attrName>
-                                        </p:attrNameLst>
-                                      </p:cBhvr>
-                                      <p:tavLst>
-                                        <p:tav tm="0">
-                                          <p:val>
-                                            <p:strVal val="1+#ppt_h/2"/>
-                                          </p:val>
-                                        </p:tav>
-                                        <p:tav tm="100000">
-                                          <p:val>
-                                            <p:strVal val="#ppt_y"/>
-                                          </p:val>
-                                        </p:tav>
-                                      </p:tavLst>
-                                    </p:anim>
-                                  </p:childTnLst>
-                                </p:cTn>
-                              </p:par>
-                            </p:childTnLst>
-                          </p:cTn>
-                        </p:par>
-                        <p:par>
-                          <p:cTn id="25" fill="hold">
-                            <p:stCondLst>
-                              <p:cond delay="1500"/>
-                            </p:stCondLst>
-                            <p:childTnLst>
-                              <p:par>
-                                <p:cTn id="26" presetID="22" presetClass="entr" presetSubtype="8" fill="hold" grpId="0" nodeType="afterEffect">
-                                  <p:stCondLst>
-                                    <p:cond delay="0"/>
-                                  </p:stCondLst>
-                                  <p:childTnLst>
-                                    <p:set>
-                                      <p:cBhvr>
-                                        <p:cTn id="27" dur="1" fill="hold">
                                           <p:stCondLst>
                                             <p:cond delay="0"/>
                                           </p:stCondLst>
@@ -8746,7 +9547,7 @@
                                     </p:set>
                                     <p:animEffect transition="in" filter="wipe(left)">
                                       <p:cBhvr>
-                                        <p:cTn id="28" dur="500"/>
+                                        <p:cTn id="19" dur="500"/>
                                         <p:tgtEl>
                                           <p:spTgt spid="10"/>
                                         </p:tgtEl>
@@ -8784,16 +9585,1117 @@
     </p:tnLst>
     <p:bldLst>
       <p:bldP spid="2" grpId="0" bldLvl="0" animBg="1"/>
-      <p:bldP spid="5" grpId="0"/>
       <p:bldP spid="10" grpId="0" bldLvl="0" animBg="1"/>
       <p:bldP spid="11" grpId="0" bldLvl="0" animBg="1"/>
-      <p:bldP spid="13" grpId="0"/>
     </p:bldLst>
   </p:timing>
 </p:sld>
 </file>
 
 <file path=ppt/slides/slide13.xml><?xml version="1.0" encoding="utf-8"?>
+<p:sld xmlns:a="http://schemas.openxmlformats.org/drawingml/2006/main" xmlns:r="http://schemas.openxmlformats.org/officeDocument/2006/relationships" xmlns:p="http://schemas.openxmlformats.org/presentationml/2006/main">
+  <p:cSld>
+    <p:spTree>
+      <p:nvGrpSpPr>
+        <p:cNvPr id="1" name=""/>
+        <p:cNvGrpSpPr/>
+        <p:nvPr/>
+      </p:nvGrpSpPr>
+      <p:grpSpPr>
+        <a:xfrm>
+          <a:off x="0" y="0"/>
+          <a:ext cx="0" cy="0"/>
+          <a:chOff x="0" y="0"/>
+          <a:chExt cx="0" cy="0"/>
+        </a:xfrm>
+      </p:grpSpPr>
+      <p:sp>
+        <p:nvSpPr>
+          <p:cNvPr id="14" name="TextBox 108"/>
+          <p:cNvSpPr txBox="1">
+            <a:spLocks noChangeArrowheads="1"/>
+          </p:cNvSpPr>
+          <p:nvPr/>
+        </p:nvSpPr>
+        <p:spPr bwMode="auto">
+          <a:xfrm>
+            <a:off x="539552" y="267494"/>
+            <a:ext cx="640080" cy="368300"/>
+          </a:xfrm>
+          <a:prstGeom prst="rect">
+            <a:avLst/>
+          </a:prstGeom>
+          <a:noFill/>
+          <a:ln>
+            <a:noFill/>
+          </a:ln>
+          <a:extLst>
+            <a:ext uri="{909E8E84-426E-40DD-AFC4-6F175D3DCCD1}">
+              <a14:hiddenFill xmlns:a14="http://schemas.microsoft.com/office/drawing/2010/main">
+                <a:solidFill>
+                  <a:srgbClr val="FFFFFF"/>
+                </a:solidFill>
+              </a14:hiddenFill>
+            </a:ext>
+            <a:ext uri="{91240B29-F687-4F45-9708-019B960494DF}">
+              <a14:hiddenLine xmlns:a14="http://schemas.microsoft.com/office/drawing/2010/main" w="9525">
+                <a:solidFill>
+                  <a:srgbClr val="000000"/>
+                </a:solidFill>
+                <a:miter lim="800000"/>
+                <a:headEnd/>
+                <a:tailEnd/>
+              </a14:hiddenLine>
+            </a:ext>
+          </a:extLst>
+        </p:spPr>
+        <p:txBody>
+          <a:bodyPr wrap="none">
+            <a:spAutoFit/>
+          </a:bodyPr>
+          <a:lstStyle>
+            <a:lvl1pPr>
+              <a:defRPr>
+                <a:solidFill>
+                  <a:schemeClr val="tx1"/>
+                </a:solidFill>
+                <a:latin typeface="Calibri" panose="020F0502020204030204" pitchFamily="34" charset="0"/>
+                <a:ea typeface="宋体" panose="02010600030101010101" pitchFamily="2" charset="-122"/>
+              </a:defRPr>
+            </a:lvl1pPr>
+            <a:lvl2pPr marL="742950" indent="-285750">
+              <a:defRPr>
+                <a:solidFill>
+                  <a:schemeClr val="tx1"/>
+                </a:solidFill>
+                <a:latin typeface="Calibri" panose="020F0502020204030204" pitchFamily="34" charset="0"/>
+                <a:ea typeface="宋体" panose="02010600030101010101" pitchFamily="2" charset="-122"/>
+              </a:defRPr>
+            </a:lvl2pPr>
+            <a:lvl3pPr marL="1143000" indent="-228600">
+              <a:defRPr>
+                <a:solidFill>
+                  <a:schemeClr val="tx1"/>
+                </a:solidFill>
+                <a:latin typeface="Calibri" panose="020F0502020204030204" pitchFamily="34" charset="0"/>
+                <a:ea typeface="宋体" panose="02010600030101010101" pitchFamily="2" charset="-122"/>
+              </a:defRPr>
+            </a:lvl3pPr>
+            <a:lvl4pPr marL="1600200" indent="-228600">
+              <a:defRPr>
+                <a:solidFill>
+                  <a:schemeClr val="tx1"/>
+                </a:solidFill>
+                <a:latin typeface="Calibri" panose="020F0502020204030204" pitchFamily="34" charset="0"/>
+                <a:ea typeface="宋体" panose="02010600030101010101" pitchFamily="2" charset="-122"/>
+              </a:defRPr>
+            </a:lvl4pPr>
+            <a:lvl5pPr marL="2057400" indent="-228600">
+              <a:defRPr>
+                <a:solidFill>
+                  <a:schemeClr val="tx1"/>
+                </a:solidFill>
+                <a:latin typeface="Calibri" panose="020F0502020204030204" pitchFamily="34" charset="0"/>
+                <a:ea typeface="宋体" panose="02010600030101010101" pitchFamily="2" charset="-122"/>
+              </a:defRPr>
+            </a:lvl5pPr>
+            <a:lvl6pPr marL="2514600" indent="-228600" eaLnBrk="0" fontAlgn="base" hangingPunct="0">
+              <a:spcBef>
+                <a:spcPct val="0"/>
+              </a:spcBef>
+              <a:spcAft>
+                <a:spcPct val="0"/>
+              </a:spcAft>
+              <a:defRPr>
+                <a:solidFill>
+                  <a:schemeClr val="tx1"/>
+                </a:solidFill>
+                <a:latin typeface="Calibri" panose="020F0502020204030204" pitchFamily="34" charset="0"/>
+                <a:ea typeface="宋体" panose="02010600030101010101" pitchFamily="2" charset="-122"/>
+              </a:defRPr>
+            </a:lvl6pPr>
+            <a:lvl7pPr marL="2971800" indent="-228600" eaLnBrk="0" fontAlgn="base" hangingPunct="0">
+              <a:spcBef>
+                <a:spcPct val="0"/>
+              </a:spcBef>
+              <a:spcAft>
+                <a:spcPct val="0"/>
+              </a:spcAft>
+              <a:defRPr>
+                <a:solidFill>
+                  <a:schemeClr val="tx1"/>
+                </a:solidFill>
+                <a:latin typeface="Calibri" panose="020F0502020204030204" pitchFamily="34" charset="0"/>
+                <a:ea typeface="宋体" panose="02010600030101010101" pitchFamily="2" charset="-122"/>
+              </a:defRPr>
+            </a:lvl7pPr>
+            <a:lvl8pPr marL="3429000" indent="-228600" eaLnBrk="0" fontAlgn="base" hangingPunct="0">
+              <a:spcBef>
+                <a:spcPct val="0"/>
+              </a:spcBef>
+              <a:spcAft>
+                <a:spcPct val="0"/>
+              </a:spcAft>
+              <a:defRPr>
+                <a:solidFill>
+                  <a:schemeClr val="tx1"/>
+                </a:solidFill>
+                <a:latin typeface="Calibri" panose="020F0502020204030204" pitchFamily="34" charset="0"/>
+                <a:ea typeface="宋体" panose="02010600030101010101" pitchFamily="2" charset="-122"/>
+              </a:defRPr>
+            </a:lvl8pPr>
+            <a:lvl9pPr marL="3886200" indent="-228600" eaLnBrk="0" fontAlgn="base" hangingPunct="0">
+              <a:spcBef>
+                <a:spcPct val="0"/>
+              </a:spcBef>
+              <a:spcAft>
+                <a:spcPct val="0"/>
+              </a:spcAft>
+              <a:defRPr>
+                <a:solidFill>
+                  <a:schemeClr val="tx1"/>
+                </a:solidFill>
+                <a:latin typeface="Calibri" panose="020F0502020204030204" pitchFamily="34" charset="0"/>
+                <a:ea typeface="宋体" panose="02010600030101010101" pitchFamily="2" charset="-122"/>
+              </a:defRPr>
+            </a:lvl9pPr>
+          </a:lstStyle>
+          <a:p>
+            <a:pPr fontAlgn="base">
+              <a:spcBef>
+                <a:spcPct val="0"/>
+              </a:spcBef>
+              <a:spcAft>
+                <a:spcPct val="0"/>
+              </a:spcAft>
+            </a:pPr>
+            <a:r>
+              <a:rPr lang="zh-CN" dirty="0">
+                <a:solidFill>
+                  <a:prstClr val="black"/>
+                </a:solidFill>
+                <a:latin typeface="微软雅黑" panose="020B0503020204020204" pitchFamily="34" charset="-122"/>
+                <a:ea typeface="微软雅黑" panose="020B0503020204020204" pitchFamily="34" charset="-122"/>
+              </a:rPr>
+              <a:t>结论</a:t>
+            </a:r>
+            <a:endParaRPr lang="zh-CN" dirty="0">
+              <a:solidFill>
+                <a:prstClr val="black"/>
+              </a:solidFill>
+              <a:latin typeface="微软雅黑" panose="020B0503020204020204" pitchFamily="34" charset="-122"/>
+              <a:ea typeface="微软雅黑" panose="020B0503020204020204" pitchFamily="34" charset="-122"/>
+            </a:endParaRPr>
+          </a:p>
+        </p:txBody>
+      </p:sp>
+      <p:grpSp>
+        <p:nvGrpSpPr>
+          <p:cNvPr id="15" name="组合 14"/>
+          <p:cNvGrpSpPr/>
+          <p:nvPr/>
+        </p:nvGrpSpPr>
+        <p:grpSpPr>
+          <a:xfrm>
+            <a:off x="107544" y="245001"/>
+            <a:ext cx="360000" cy="360000"/>
+            <a:chOff x="1965186" y="1419622"/>
+            <a:chExt cx="302558" cy="314067"/>
+          </a:xfrm>
+        </p:grpSpPr>
+        <p:sp>
+          <p:nvSpPr>
+            <p:cNvPr id="16" name="矩形 15"/>
+            <p:cNvSpPr/>
+            <p:nvPr userDrawn="1"/>
+          </p:nvSpPr>
+          <p:spPr>
+            <a:xfrm>
+              <a:off x="1965186" y="1419622"/>
+              <a:ext cx="252000" cy="252000"/>
+            </a:xfrm>
+            <a:prstGeom prst="rect">
+              <a:avLst/>
+            </a:prstGeom>
+            <a:solidFill>
+              <a:srgbClr val="414455"/>
+            </a:solidFill>
+            <a:ln>
+              <a:noFill/>
+            </a:ln>
+          </p:spPr>
+          <p:style>
+            <a:lnRef idx="2">
+              <a:schemeClr val="accent1">
+                <a:shade val="50000"/>
+              </a:schemeClr>
+            </a:lnRef>
+            <a:fillRef idx="1">
+              <a:schemeClr val="accent1"/>
+            </a:fillRef>
+            <a:effectRef idx="0">
+              <a:schemeClr val="accent1"/>
+            </a:effectRef>
+            <a:fontRef idx="minor">
+              <a:schemeClr val="lt1"/>
+            </a:fontRef>
+          </p:style>
+          <p:txBody>
+            <a:bodyPr rtlCol="0" anchor="ctr"/>
+            <a:lstStyle/>
+            <a:p>
+              <a:pPr algn="ctr"/>
+              <a:endParaRPr lang="zh-CN" altLang="en-US"/>
+            </a:p>
+          </p:txBody>
+        </p:sp>
+        <p:sp>
+          <p:nvSpPr>
+            <p:cNvPr id="17" name="矩形 16"/>
+            <p:cNvSpPr/>
+            <p:nvPr userDrawn="1"/>
+          </p:nvSpPr>
+          <p:spPr>
+            <a:xfrm>
+              <a:off x="2087744" y="1553689"/>
+              <a:ext cx="180000" cy="180000"/>
+            </a:xfrm>
+            <a:prstGeom prst="rect">
+              <a:avLst/>
+            </a:prstGeom>
+            <a:solidFill>
+              <a:srgbClr val="0E90BE"/>
+            </a:solidFill>
+            <a:ln>
+              <a:noFill/>
+            </a:ln>
+          </p:spPr>
+          <p:style>
+            <a:lnRef idx="2">
+              <a:schemeClr val="accent1">
+                <a:shade val="50000"/>
+              </a:schemeClr>
+            </a:lnRef>
+            <a:fillRef idx="1">
+              <a:schemeClr val="accent1"/>
+            </a:fillRef>
+            <a:effectRef idx="0">
+              <a:schemeClr val="accent1"/>
+            </a:effectRef>
+            <a:fontRef idx="minor">
+              <a:schemeClr val="lt1"/>
+            </a:fontRef>
+          </p:style>
+          <p:txBody>
+            <a:bodyPr rtlCol="0" anchor="ctr"/>
+            <a:lstStyle/>
+            <a:p>
+              <a:pPr algn="ctr"/>
+              <a:endParaRPr lang="zh-CN" altLang="en-US"/>
+            </a:p>
+          </p:txBody>
+        </p:sp>
+      </p:grpSp>
+      <p:sp>
+        <p:nvSpPr>
+          <p:cNvPr id="74" name="TextBox 53"/>
+          <p:cNvSpPr txBox="1"/>
+          <p:nvPr/>
+        </p:nvSpPr>
+        <p:spPr>
+          <a:xfrm>
+            <a:off x="668655" y="751840"/>
+            <a:ext cx="6760210" cy="1814830"/>
+          </a:xfrm>
+          <a:prstGeom prst="rect">
+            <a:avLst/>
+          </a:prstGeom>
+          <a:noFill/>
+        </p:spPr>
+        <p:txBody>
+          <a:bodyPr wrap="square" rtlCol="0">
+            <a:spAutoFit/>
+          </a:bodyPr>
+          <a:p>
+            <a:pPr marL="285750" indent="-285750">
+              <a:buFont typeface="Wingdings" panose="05000000000000000000" pitchFamily="2" charset="2"/>
+              <a:buChar char="u"/>
+            </a:pPr>
+            <a:r>
+              <a:rPr lang="en-US" altLang="zh-CN" sz="1400" dirty="0"/>
+              <a:t>Hive</a:t>
+            </a:r>
+            <a:r>
+              <a:rPr lang="zh-CN" altLang="en-US" sz="1400" dirty="0"/>
+              <a:t>不可替代，基本所有大数据部门离线数据的存储和分析都依托</a:t>
+            </a:r>
+            <a:r>
+              <a:rPr lang="en-US" altLang="zh-CN" sz="1400" dirty="0"/>
+              <a:t>hive</a:t>
+            </a:r>
+            <a:r>
+              <a:rPr lang="zh-CN" altLang="en-US" sz="1400" dirty="0"/>
+              <a:t>，不同的是少数公司已经开始进行</a:t>
+            </a:r>
+            <a:r>
+              <a:rPr lang="en-US" altLang="zh-CN" sz="1400" dirty="0"/>
+              <a:t>hive on spark</a:t>
+            </a:r>
+            <a:r>
+              <a:rPr lang="zh-CN" altLang="en-US" sz="1400" dirty="0"/>
+              <a:t>的迁移，包括百度、有赞、携程，但同时也是一部踩坑记，不计划进行迁移</a:t>
+            </a:r>
+            <a:endParaRPr lang="en-US" altLang="zh-CN" sz="1400" dirty="0"/>
+          </a:p>
+          <a:p>
+            <a:pPr marL="285750" indent="-285750">
+              <a:buFont typeface="Wingdings" panose="05000000000000000000" pitchFamily="2" charset="2"/>
+              <a:buChar char="u"/>
+            </a:pPr>
+            <a:endParaRPr lang="en-US" altLang="zh-CN" sz="1400" dirty="0"/>
+          </a:p>
+          <a:p>
+            <a:pPr marL="285750" indent="-285750">
+              <a:buFont typeface="Wingdings" panose="05000000000000000000" pitchFamily="2" charset="2"/>
+              <a:buChar char="u"/>
+            </a:pPr>
+            <a:r>
+              <a:rPr lang="en-US" altLang="zh-CN" sz="1400" dirty="0"/>
+              <a:t>Presto</a:t>
+            </a:r>
+            <a:r>
+              <a:rPr lang="zh-CN" altLang="en-US" sz="1400" dirty="0"/>
+              <a:t>做即席查询再适合不过可以在公司内推广，京东、每日优鲜、美团</a:t>
+            </a:r>
+            <a:endParaRPr lang="zh-CN" altLang="en-US" sz="1400" dirty="0"/>
+          </a:p>
+          <a:p>
+            <a:pPr marL="285750" indent="-285750">
+              <a:buFont typeface="Wingdings" panose="05000000000000000000" pitchFamily="2" charset="2"/>
+              <a:buChar char="u"/>
+            </a:pPr>
+            <a:endParaRPr lang="zh-CN" altLang="zh-CN" sz="1400" dirty="0"/>
+          </a:p>
+          <a:p>
+            <a:pPr marL="285750" indent="-285750">
+              <a:buFont typeface="Wingdings" panose="05000000000000000000" pitchFamily="2" charset="2"/>
+              <a:buChar char="u"/>
+            </a:pPr>
+            <a:r>
+              <a:rPr lang="en-US" sz="1400" dirty="0"/>
+              <a:t>Druid</a:t>
+            </a:r>
+            <a:r>
+              <a:rPr lang="zh-CN" altLang="en-US" sz="1400" dirty="0"/>
+              <a:t>最大的亮点是实时数据的摄取</a:t>
+            </a:r>
+            <a:r>
+              <a:rPr lang="en-US" altLang="zh-CN" sz="1400" dirty="0"/>
+              <a:t>+</a:t>
+            </a:r>
+            <a:r>
+              <a:rPr lang="zh-CN" altLang="en-US" sz="1400" dirty="0"/>
+              <a:t>查询，如果今后有需求不仅仅要求相应速度快，还要求是实时的数据那么</a:t>
+            </a:r>
+            <a:r>
+              <a:rPr lang="en-US" altLang="zh-CN" sz="1400" dirty="0"/>
+              <a:t>Druid</a:t>
+            </a:r>
+            <a:r>
+              <a:rPr lang="zh-CN" altLang="en-US" sz="1400" dirty="0"/>
+              <a:t>可以是一个很好的选择，小米、有赞</a:t>
+            </a:r>
+            <a:endParaRPr lang="zh-CN" altLang="en-US" sz="1400" dirty="0"/>
+          </a:p>
+        </p:txBody>
+      </p:sp>
+      <p:sp>
+        <p:nvSpPr>
+          <p:cNvPr id="2" name="TextBox 108"/>
+          <p:cNvSpPr txBox="1">
+            <a:spLocks noChangeArrowheads="1"/>
+          </p:cNvSpPr>
+          <p:nvPr/>
+        </p:nvSpPr>
+        <p:spPr bwMode="auto">
+          <a:xfrm>
+            <a:off x="668457" y="2716689"/>
+            <a:ext cx="640080" cy="368300"/>
+          </a:xfrm>
+          <a:prstGeom prst="rect">
+            <a:avLst/>
+          </a:prstGeom>
+          <a:noFill/>
+          <a:ln>
+            <a:noFill/>
+          </a:ln>
+          <a:extLst>
+            <a:ext uri="{909E8E84-426E-40DD-AFC4-6F175D3DCCD1}">
+              <a14:hiddenFill xmlns:a14="http://schemas.microsoft.com/office/drawing/2010/main">
+                <a:solidFill>
+                  <a:srgbClr val="FFFFFF"/>
+                </a:solidFill>
+              </a14:hiddenFill>
+            </a:ext>
+            <a:ext uri="{91240B29-F687-4F45-9708-019B960494DF}">
+              <a14:hiddenLine xmlns:a14="http://schemas.microsoft.com/office/drawing/2010/main" w="9525">
+                <a:solidFill>
+                  <a:srgbClr val="000000"/>
+                </a:solidFill>
+                <a:miter lim="800000"/>
+                <a:headEnd/>
+                <a:tailEnd/>
+              </a14:hiddenLine>
+            </a:ext>
+          </a:extLst>
+        </p:spPr>
+        <p:txBody>
+          <a:bodyPr wrap="none">
+            <a:spAutoFit/>
+          </a:bodyPr>
+          <a:lstStyle>
+            <a:lvl1pPr>
+              <a:defRPr>
+                <a:solidFill>
+                  <a:schemeClr val="tx1"/>
+                </a:solidFill>
+                <a:latin typeface="Calibri" panose="020F0502020204030204" pitchFamily="34" charset="0"/>
+                <a:ea typeface="宋体" panose="02010600030101010101" pitchFamily="2" charset="-122"/>
+              </a:defRPr>
+            </a:lvl1pPr>
+            <a:lvl2pPr marL="742950" indent="-285750">
+              <a:defRPr>
+                <a:solidFill>
+                  <a:schemeClr val="tx1"/>
+                </a:solidFill>
+                <a:latin typeface="Calibri" panose="020F0502020204030204" pitchFamily="34" charset="0"/>
+                <a:ea typeface="宋体" panose="02010600030101010101" pitchFamily="2" charset="-122"/>
+              </a:defRPr>
+            </a:lvl2pPr>
+            <a:lvl3pPr marL="1143000" indent="-228600">
+              <a:defRPr>
+                <a:solidFill>
+                  <a:schemeClr val="tx1"/>
+                </a:solidFill>
+                <a:latin typeface="Calibri" panose="020F0502020204030204" pitchFamily="34" charset="0"/>
+                <a:ea typeface="宋体" panose="02010600030101010101" pitchFamily="2" charset="-122"/>
+              </a:defRPr>
+            </a:lvl3pPr>
+            <a:lvl4pPr marL="1600200" indent="-228600">
+              <a:defRPr>
+                <a:solidFill>
+                  <a:schemeClr val="tx1"/>
+                </a:solidFill>
+                <a:latin typeface="Calibri" panose="020F0502020204030204" pitchFamily="34" charset="0"/>
+                <a:ea typeface="宋体" panose="02010600030101010101" pitchFamily="2" charset="-122"/>
+              </a:defRPr>
+            </a:lvl4pPr>
+            <a:lvl5pPr marL="2057400" indent="-228600">
+              <a:defRPr>
+                <a:solidFill>
+                  <a:schemeClr val="tx1"/>
+                </a:solidFill>
+                <a:latin typeface="Calibri" panose="020F0502020204030204" pitchFamily="34" charset="0"/>
+                <a:ea typeface="宋体" panose="02010600030101010101" pitchFamily="2" charset="-122"/>
+              </a:defRPr>
+            </a:lvl5pPr>
+            <a:lvl6pPr marL="2514600" indent="-228600" eaLnBrk="0" fontAlgn="base" hangingPunct="0">
+              <a:spcBef>
+                <a:spcPct val="0"/>
+              </a:spcBef>
+              <a:spcAft>
+                <a:spcPct val="0"/>
+              </a:spcAft>
+              <a:defRPr>
+                <a:solidFill>
+                  <a:schemeClr val="tx1"/>
+                </a:solidFill>
+                <a:latin typeface="Calibri" panose="020F0502020204030204" pitchFamily="34" charset="0"/>
+                <a:ea typeface="宋体" panose="02010600030101010101" pitchFamily="2" charset="-122"/>
+              </a:defRPr>
+            </a:lvl6pPr>
+            <a:lvl7pPr marL="2971800" indent="-228600" eaLnBrk="0" fontAlgn="base" hangingPunct="0">
+              <a:spcBef>
+                <a:spcPct val="0"/>
+              </a:spcBef>
+              <a:spcAft>
+                <a:spcPct val="0"/>
+              </a:spcAft>
+              <a:defRPr>
+                <a:solidFill>
+                  <a:schemeClr val="tx1"/>
+                </a:solidFill>
+                <a:latin typeface="Calibri" panose="020F0502020204030204" pitchFamily="34" charset="0"/>
+                <a:ea typeface="宋体" panose="02010600030101010101" pitchFamily="2" charset="-122"/>
+              </a:defRPr>
+            </a:lvl7pPr>
+            <a:lvl8pPr marL="3429000" indent="-228600" eaLnBrk="0" fontAlgn="base" hangingPunct="0">
+              <a:spcBef>
+                <a:spcPct val="0"/>
+              </a:spcBef>
+              <a:spcAft>
+                <a:spcPct val="0"/>
+              </a:spcAft>
+              <a:defRPr>
+                <a:solidFill>
+                  <a:schemeClr val="tx1"/>
+                </a:solidFill>
+                <a:latin typeface="Calibri" panose="020F0502020204030204" pitchFamily="34" charset="0"/>
+                <a:ea typeface="宋体" panose="02010600030101010101" pitchFamily="2" charset="-122"/>
+              </a:defRPr>
+            </a:lvl8pPr>
+            <a:lvl9pPr marL="3886200" indent="-228600" eaLnBrk="0" fontAlgn="base" hangingPunct="0">
+              <a:spcBef>
+                <a:spcPct val="0"/>
+              </a:spcBef>
+              <a:spcAft>
+                <a:spcPct val="0"/>
+              </a:spcAft>
+              <a:defRPr>
+                <a:solidFill>
+                  <a:schemeClr val="tx1"/>
+                </a:solidFill>
+                <a:latin typeface="Calibri" panose="020F0502020204030204" pitchFamily="34" charset="0"/>
+                <a:ea typeface="宋体" panose="02010600030101010101" pitchFamily="2" charset="-122"/>
+              </a:defRPr>
+            </a:lvl9pPr>
+          </a:lstStyle>
+          <a:p>
+            <a:pPr fontAlgn="base">
+              <a:spcBef>
+                <a:spcPct val="0"/>
+              </a:spcBef>
+              <a:spcAft>
+                <a:spcPct val="0"/>
+              </a:spcAft>
+            </a:pPr>
+            <a:r>
+              <a:rPr lang="zh-CN" dirty="0">
+                <a:solidFill>
+                  <a:prstClr val="black"/>
+                </a:solidFill>
+                <a:latin typeface="微软雅黑" panose="020B0503020204020204" pitchFamily="34" charset="-122"/>
+                <a:ea typeface="微软雅黑" panose="020B0503020204020204" pitchFamily="34" charset="-122"/>
+              </a:rPr>
+              <a:t>展望</a:t>
+            </a:r>
+            <a:endParaRPr lang="zh-CN" dirty="0">
+              <a:solidFill>
+                <a:prstClr val="black"/>
+              </a:solidFill>
+              <a:latin typeface="微软雅黑" panose="020B0503020204020204" pitchFamily="34" charset="-122"/>
+              <a:ea typeface="微软雅黑" panose="020B0503020204020204" pitchFamily="34" charset="-122"/>
+            </a:endParaRPr>
+          </a:p>
+        </p:txBody>
+      </p:sp>
+      <p:sp>
+        <p:nvSpPr>
+          <p:cNvPr id="3" name="TextBox 53"/>
+          <p:cNvSpPr txBox="1"/>
+          <p:nvPr/>
+        </p:nvSpPr>
+        <p:spPr>
+          <a:xfrm>
+            <a:off x="668655" y="3234055"/>
+            <a:ext cx="6760210" cy="1383665"/>
+          </a:xfrm>
+          <a:prstGeom prst="rect">
+            <a:avLst/>
+          </a:prstGeom>
+          <a:noFill/>
+        </p:spPr>
+        <p:txBody>
+          <a:bodyPr wrap="square" rtlCol="0">
+            <a:spAutoFit/>
+          </a:bodyPr>
+          <a:p>
+            <a:pPr marL="285750" indent="-285750">
+              <a:buFont typeface="Wingdings" panose="05000000000000000000" charset="0"/>
+              <a:buChar char="u"/>
+            </a:pPr>
+            <a:r>
+              <a:rPr lang="zh-CN" sz="1400" dirty="0"/>
+              <a:t>数据中台这个词现在非常火，包括阿里、快手等都在建设自己的数据中台，数据中台可以简单认为三层：数据模型、数据服务、数据开发，我们处于初级数据模型和简单的数据服务层，今后提升数据平台的数据服务能力，统一数据获取、可视化等，然后再对数据进行开发分析（</a:t>
+            </a:r>
+            <a:r>
+              <a:rPr lang="en-US" altLang="zh-CN" sz="1400" dirty="0"/>
+              <a:t>DMP</a:t>
+            </a:r>
+            <a:r>
+              <a:rPr lang="zh-CN" sz="1400" dirty="0"/>
+              <a:t>），对整个公司提供全方位的数据支持。</a:t>
+            </a:r>
+            <a:endParaRPr lang="zh-CN" sz="1400" dirty="0"/>
+          </a:p>
+          <a:p>
+            <a:pPr marL="285750" indent="-285750">
+              <a:buFont typeface="Wingdings" panose="05000000000000000000" charset="0"/>
+              <a:buChar char="u"/>
+            </a:pPr>
+            <a:endParaRPr lang="zh-CN" sz="1400" dirty="0"/>
+          </a:p>
+          <a:p>
+            <a:pPr marL="285750" indent="-285750">
+              <a:buFont typeface="Wingdings" panose="05000000000000000000" charset="0"/>
+              <a:buChar char="u"/>
+            </a:pPr>
+            <a:r>
+              <a:rPr lang="zh-CN" sz="1400" dirty="0"/>
+              <a:t>对于数据中台我也是初窥门径，任重而道远。</a:t>
+            </a:r>
+            <a:endParaRPr lang="zh-CN" sz="1400" dirty="0"/>
+          </a:p>
+        </p:txBody>
+      </p:sp>
+    </p:spTree>
+  </p:cSld>
+  <p:clrMapOvr>
+    <a:masterClrMapping/>
+  </p:clrMapOvr>
+  <p:transition spd="slow" advTm="0">
+    <p:wipe/>
+  </p:transition>
+  <p:timing>
+    <p:tnLst>
+      <p:par>
+        <p:cTn id="1" dur="indefinite" restart="never" nodeType="tmRoot">
+          <p:childTnLst>
+            <p:seq concurrent="1" nextAc="seek">
+              <p:cTn id="2" dur="indefinite" nodeType="mainSeq">
+                <p:childTnLst>
+                  <p:par>
+                    <p:cTn id="3" fill="hold">
+                      <p:stCondLst>
+                        <p:cond delay="indefinite"/>
+                        <p:cond evt="onBegin" delay="0">
+                          <p:tn val="2"/>
+                        </p:cond>
+                      </p:stCondLst>
+                      <p:childTnLst>
+                        <p:par>
+                          <p:cTn id="4" fill="hold">
+                            <p:stCondLst>
+                              <p:cond delay="0"/>
+                            </p:stCondLst>
+                            <p:childTnLst>
+                              <p:par>
+                                <p:cTn id="5" presetID="23" presetClass="entr" presetSubtype="16" fill="hold" nodeType="withEffect">
+                                  <p:stCondLst>
+                                    <p:cond delay="0"/>
+                                  </p:stCondLst>
+                                  <p:childTnLst>
+                                    <p:set>
+                                      <p:cBhvr>
+                                        <p:cTn id="6" dur="1" fill="hold">
+                                          <p:stCondLst>
+                                            <p:cond delay="0"/>
+                                          </p:stCondLst>
+                                        </p:cTn>
+                                        <p:tgtEl>
+                                          <p:spTgt spid="15"/>
+                                        </p:tgtEl>
+                                        <p:attrNameLst>
+                                          <p:attrName>style.visibility</p:attrName>
+                                        </p:attrNameLst>
+                                      </p:cBhvr>
+                                      <p:to>
+                                        <p:strVal val="visible"/>
+                                      </p:to>
+                                    </p:set>
+                                    <p:anim calcmode="lin" valueType="num">
+                                      <p:cBhvr>
+                                        <p:cTn id="7" dur="350" fill="hold"/>
+                                        <p:tgtEl>
+                                          <p:spTgt spid="15"/>
+                                        </p:tgtEl>
+                                        <p:attrNameLst>
+                                          <p:attrName>ppt_w</p:attrName>
+                                        </p:attrNameLst>
+                                      </p:cBhvr>
+                                      <p:tavLst>
+                                        <p:tav tm="0">
+                                          <p:val>
+                                            <p:fltVal val="0"/>
+                                          </p:val>
+                                        </p:tav>
+                                        <p:tav tm="100000">
+                                          <p:val>
+                                            <p:strVal val="#ppt_w"/>
+                                          </p:val>
+                                        </p:tav>
+                                      </p:tavLst>
+                                    </p:anim>
+                                    <p:anim calcmode="lin" valueType="num">
+                                      <p:cBhvr>
+                                        <p:cTn id="8" dur="350" fill="hold"/>
+                                        <p:tgtEl>
+                                          <p:spTgt spid="15"/>
+                                        </p:tgtEl>
+                                        <p:attrNameLst>
+                                          <p:attrName>ppt_h</p:attrName>
+                                        </p:attrNameLst>
+                                      </p:cBhvr>
+                                      <p:tavLst>
+                                        <p:tav tm="0">
+                                          <p:val>
+                                            <p:fltVal val="0"/>
+                                          </p:val>
+                                        </p:tav>
+                                        <p:tav tm="100000">
+                                          <p:val>
+                                            <p:strVal val="#ppt_h"/>
+                                          </p:val>
+                                        </p:tav>
+                                      </p:tavLst>
+                                    </p:anim>
+                                  </p:childTnLst>
+                                </p:cTn>
+                              </p:par>
+                            </p:childTnLst>
+                          </p:cTn>
+                        </p:par>
+                        <p:par>
+                          <p:cTn id="9" fill="hold">
+                            <p:stCondLst>
+                              <p:cond delay="500"/>
+                            </p:stCondLst>
+                            <p:childTnLst>
+                              <p:par>
+                                <p:cTn id="10" presetID="41" presetClass="entr" presetSubtype="0" fill="hold" grpId="0" nodeType="afterEffect">
+                                  <p:stCondLst>
+                                    <p:cond delay="0"/>
+                                  </p:stCondLst>
+                                  <p:iterate type="lt">
+                                    <p:tmPct val="10000"/>
+                                  </p:iterate>
+                                  <p:childTnLst>
+                                    <p:set>
+                                      <p:cBhvr>
+                                        <p:cTn id="11" dur="1" fill="hold">
+                                          <p:stCondLst>
+                                            <p:cond delay="0"/>
+                                          </p:stCondLst>
+                                        </p:cTn>
+                                        <p:tgtEl>
+                                          <p:spTgt spid="14"/>
+                                        </p:tgtEl>
+                                        <p:attrNameLst>
+                                          <p:attrName>style.visibility</p:attrName>
+                                        </p:attrNameLst>
+                                      </p:cBhvr>
+                                      <p:to>
+                                        <p:strVal val="visible"/>
+                                      </p:to>
+                                    </p:set>
+                                    <p:anim calcmode="lin" valueType="num">
+                                      <p:cBhvr>
+                                        <p:cTn id="12" dur="400" fill="hold"/>
+                                        <p:tgtEl>
+                                          <p:spTgt spid="14"/>
+                                        </p:tgtEl>
+                                        <p:attrNameLst>
+                                          <p:attrName>ppt_x</p:attrName>
+                                        </p:attrNameLst>
+                                      </p:cBhvr>
+                                      <p:tavLst>
+                                        <p:tav tm="0">
+                                          <p:val>
+                                            <p:strVal val="#ppt_x"/>
+                                          </p:val>
+                                        </p:tav>
+                                        <p:tav tm="50000">
+                                          <p:val>
+                                            <p:strVal val="#ppt_x+.1"/>
+                                          </p:val>
+                                        </p:tav>
+                                        <p:tav tm="100000">
+                                          <p:val>
+                                            <p:strVal val="#ppt_x"/>
+                                          </p:val>
+                                        </p:tav>
+                                      </p:tavLst>
+                                    </p:anim>
+                                    <p:anim calcmode="lin" valueType="num">
+                                      <p:cBhvr>
+                                        <p:cTn id="13" dur="400" fill="hold"/>
+                                        <p:tgtEl>
+                                          <p:spTgt spid="14"/>
+                                        </p:tgtEl>
+                                        <p:attrNameLst>
+                                          <p:attrName>ppt_y</p:attrName>
+                                        </p:attrNameLst>
+                                      </p:cBhvr>
+                                      <p:tavLst>
+                                        <p:tav tm="0">
+                                          <p:val>
+                                            <p:strVal val="#ppt_y"/>
+                                          </p:val>
+                                        </p:tav>
+                                        <p:tav tm="100000">
+                                          <p:val>
+                                            <p:strVal val="#ppt_y"/>
+                                          </p:val>
+                                        </p:tav>
+                                      </p:tavLst>
+                                    </p:anim>
+                                    <p:anim calcmode="lin" valueType="num">
+                                      <p:cBhvr>
+                                        <p:cTn id="14" dur="400" fill="hold"/>
+                                        <p:tgtEl>
+                                          <p:spTgt spid="14"/>
+                                        </p:tgtEl>
+                                        <p:attrNameLst>
+                                          <p:attrName>ppt_h</p:attrName>
+                                        </p:attrNameLst>
+                                      </p:cBhvr>
+                                      <p:tavLst>
+                                        <p:tav tm="0">
+                                          <p:val>
+                                            <p:strVal val="#ppt_h/10"/>
+                                          </p:val>
+                                        </p:tav>
+                                        <p:tav tm="50000">
+                                          <p:val>
+                                            <p:strVal val="#ppt_h+.01"/>
+                                          </p:val>
+                                        </p:tav>
+                                        <p:tav tm="100000">
+                                          <p:val>
+                                            <p:strVal val="#ppt_h"/>
+                                          </p:val>
+                                        </p:tav>
+                                      </p:tavLst>
+                                    </p:anim>
+                                    <p:anim calcmode="lin" valueType="num">
+                                      <p:cBhvr>
+                                        <p:cTn id="15" dur="400" fill="hold"/>
+                                        <p:tgtEl>
+                                          <p:spTgt spid="14"/>
+                                        </p:tgtEl>
+                                        <p:attrNameLst>
+                                          <p:attrName>ppt_w</p:attrName>
+                                        </p:attrNameLst>
+                                      </p:cBhvr>
+                                      <p:tavLst>
+                                        <p:tav tm="0">
+                                          <p:val>
+                                            <p:strVal val="#ppt_w/10"/>
+                                          </p:val>
+                                        </p:tav>
+                                        <p:tav tm="50000">
+                                          <p:val>
+                                            <p:strVal val="#ppt_w+.01"/>
+                                          </p:val>
+                                        </p:tav>
+                                        <p:tav tm="100000">
+                                          <p:val>
+                                            <p:strVal val="#ppt_w"/>
+                                          </p:val>
+                                        </p:tav>
+                                      </p:tavLst>
+                                    </p:anim>
+                                    <p:animEffect transition="in" filter="fade">
+                                      <p:cBhvr>
+                                        <p:cTn id="16" dur="400" tmFilter="0,0; .5, 1; 1, 1"/>
+                                        <p:tgtEl>
+                                          <p:spTgt spid="14"/>
+                                        </p:tgtEl>
+                                      </p:cBhvr>
+                                    </p:animEffect>
+                                  </p:childTnLst>
+                                </p:cTn>
+                              </p:par>
+                            </p:childTnLst>
+                          </p:cTn>
+                        </p:par>
+                        <p:par>
+                          <p:cTn id="17" fill="hold">
+                            <p:stCondLst>
+                              <p:cond delay="439"/>
+                            </p:stCondLst>
+                            <p:childTnLst>
+                              <p:par>
+                                <p:cTn id="18" presetID="41" presetClass="entr" presetSubtype="0" fill="hold" grpId="0" nodeType="afterEffect">
+                                  <p:stCondLst>
+                                    <p:cond delay="0"/>
+                                  </p:stCondLst>
+                                  <p:iterate type="lt">
+                                    <p:tmPct val="10000"/>
+                                  </p:iterate>
+                                  <p:childTnLst>
+                                    <p:set>
+                                      <p:cBhvr>
+                                        <p:cTn id="19" dur="1" fill="hold">
+                                          <p:stCondLst>
+                                            <p:cond delay="0"/>
+                                          </p:stCondLst>
+                                        </p:cTn>
+                                        <p:tgtEl>
+                                          <p:spTgt spid="2"/>
+                                        </p:tgtEl>
+                                        <p:attrNameLst>
+                                          <p:attrName>style.visibility</p:attrName>
+                                        </p:attrNameLst>
+                                      </p:cBhvr>
+                                      <p:to>
+                                        <p:strVal val="visible"/>
+                                      </p:to>
+                                    </p:set>
+                                    <p:anim calcmode="lin" valueType="num">
+                                      <p:cBhvr>
+                                        <p:cTn id="20" dur="400" fill="hold"/>
+                                        <p:tgtEl>
+                                          <p:spTgt spid="2"/>
+                                        </p:tgtEl>
+                                        <p:attrNameLst>
+                                          <p:attrName>ppt_x</p:attrName>
+                                        </p:attrNameLst>
+                                      </p:cBhvr>
+                                      <p:tavLst>
+                                        <p:tav tm="0">
+                                          <p:val>
+                                            <p:strVal val="#ppt_x"/>
+                                          </p:val>
+                                        </p:tav>
+                                        <p:tav tm="50000">
+                                          <p:val>
+                                            <p:strVal val="#ppt_x+.1"/>
+                                          </p:val>
+                                        </p:tav>
+                                        <p:tav tm="100000">
+                                          <p:val>
+                                            <p:strVal val="#ppt_x"/>
+                                          </p:val>
+                                        </p:tav>
+                                      </p:tavLst>
+                                    </p:anim>
+                                    <p:anim calcmode="lin" valueType="num">
+                                      <p:cBhvr>
+                                        <p:cTn id="21" dur="400" fill="hold"/>
+                                        <p:tgtEl>
+                                          <p:spTgt spid="2"/>
+                                        </p:tgtEl>
+                                        <p:attrNameLst>
+                                          <p:attrName>ppt_y</p:attrName>
+                                        </p:attrNameLst>
+                                      </p:cBhvr>
+                                      <p:tavLst>
+                                        <p:tav tm="0">
+                                          <p:val>
+                                            <p:strVal val="#ppt_y"/>
+                                          </p:val>
+                                        </p:tav>
+                                        <p:tav tm="100000">
+                                          <p:val>
+                                            <p:strVal val="#ppt_y"/>
+                                          </p:val>
+                                        </p:tav>
+                                      </p:tavLst>
+                                    </p:anim>
+                                    <p:anim calcmode="lin" valueType="num">
+                                      <p:cBhvr>
+                                        <p:cTn id="22" dur="400" fill="hold"/>
+                                        <p:tgtEl>
+                                          <p:spTgt spid="2"/>
+                                        </p:tgtEl>
+                                        <p:attrNameLst>
+                                          <p:attrName>ppt_h</p:attrName>
+                                        </p:attrNameLst>
+                                      </p:cBhvr>
+                                      <p:tavLst>
+                                        <p:tav tm="0">
+                                          <p:val>
+                                            <p:strVal val="#ppt_h/10"/>
+                                          </p:val>
+                                        </p:tav>
+                                        <p:tav tm="50000">
+                                          <p:val>
+                                            <p:strVal val="#ppt_h+.01"/>
+                                          </p:val>
+                                        </p:tav>
+                                        <p:tav tm="100000">
+                                          <p:val>
+                                            <p:strVal val="#ppt_h"/>
+                                          </p:val>
+                                        </p:tav>
+                                      </p:tavLst>
+                                    </p:anim>
+                                    <p:anim calcmode="lin" valueType="num">
+                                      <p:cBhvr>
+                                        <p:cTn id="23" dur="400" fill="hold"/>
+                                        <p:tgtEl>
+                                          <p:spTgt spid="2"/>
+                                        </p:tgtEl>
+                                        <p:attrNameLst>
+                                          <p:attrName>ppt_w</p:attrName>
+                                        </p:attrNameLst>
+                                      </p:cBhvr>
+                                      <p:tavLst>
+                                        <p:tav tm="0">
+                                          <p:val>
+                                            <p:strVal val="#ppt_w/10"/>
+                                          </p:val>
+                                        </p:tav>
+                                        <p:tav tm="50000">
+                                          <p:val>
+                                            <p:strVal val="#ppt_w+.01"/>
+                                          </p:val>
+                                        </p:tav>
+                                        <p:tav tm="100000">
+                                          <p:val>
+                                            <p:strVal val="#ppt_w"/>
+                                          </p:val>
+                                        </p:tav>
+                                      </p:tavLst>
+                                    </p:anim>
+                                    <p:animEffect transition="in" filter="fade">
+                                      <p:cBhvr>
+                                        <p:cTn id="24" dur="400" tmFilter="0,0; .5, 1; 1, 1"/>
+                                        <p:tgtEl>
+                                          <p:spTgt spid="2"/>
+                                        </p:tgtEl>
+                                      </p:cBhvr>
+                                    </p:animEffect>
+                                  </p:childTnLst>
+                                </p:cTn>
+                              </p:par>
+                            </p:childTnLst>
+                          </p:cTn>
+                        </p:par>
+                      </p:childTnLst>
+                    </p:cTn>
+                  </p:par>
+                </p:childTnLst>
+              </p:cTn>
+              <p:prevCondLst>
+                <p:cond evt="onPrev" delay="0">
+                  <p:tgtEl>
+                    <p:sldTgt/>
+                  </p:tgtEl>
+                </p:cond>
+              </p:prevCondLst>
+              <p:nextCondLst>
+                <p:cond evt="onNext" delay="0">
+                  <p:tgtEl>
+                    <p:sldTgt/>
+                  </p:tgtEl>
+                </p:cond>
+              </p:nextCondLst>
+            </p:seq>
+          </p:childTnLst>
+        </p:cTn>
+      </p:par>
+    </p:tnLst>
+    <p:bldLst>
+      <p:bldP spid="14" grpId="0"/>
+      <p:bldP spid="2" grpId="0"/>
+    </p:bldLst>
+  </p:timing>
+</p:sld>
+</file>
+
+<file path=ppt/slides/slide14.xml><?xml version="1.0" encoding="utf-8"?>
 <p:sld xmlns:a="http://schemas.openxmlformats.org/drawingml/2006/main" xmlns:r="http://schemas.openxmlformats.org/officeDocument/2006/relationships" xmlns:p="http://schemas.openxmlformats.org/presentationml/2006/main">
   <p:cSld>
     <p:spTree>

--- a/在线阶段汇报20190606.pptx
+++ b/在线阶段汇报20190606.pptx
@@ -7077,7 +7077,7 @@
         <p:spPr>
           <a:xfrm>
             <a:off x="679450" y="3096260"/>
-            <a:ext cx="6760210" cy="1168400"/>
+            <a:ext cx="6760210" cy="1599565"/>
           </a:xfrm>
           <a:prstGeom prst="rect">
             <a:avLst/>
@@ -7131,7 +7131,7 @@
             </a:pPr>
             <a:r>
               <a:rPr lang="zh-CN" altLang="en-US" sz="1400" dirty="0"/>
-              <a:t>索引</a:t>
+              <a:t>自动创建索引</a:t>
             </a:r>
             <a:r>
               <a:rPr lang="en-US" altLang="zh-CN" sz="1400" dirty="0"/>
@@ -7145,10 +7145,20 @@
               <a:rPr lang="en-US" altLang="zh-CN" sz="1400" dirty="0"/>
               <a:t>)</a:t>
             </a:r>
-            <a:r>
-              <a:rPr lang="en-US" altLang="zh-CN" sz="1400" dirty="0"/>
-              <a:t>+</a:t>
-            </a:r>
+            <a:endParaRPr lang="en-US" altLang="zh-CN" sz="1400" dirty="0"/>
+          </a:p>
+          <a:p>
+            <a:pPr marL="285750" indent="-285750">
+              <a:buFont typeface="Wingdings" panose="05000000000000000000" pitchFamily="2" charset="2"/>
+              <a:buChar char="u"/>
+            </a:pPr>
+            <a:endParaRPr lang="zh-CN" altLang="en-US" sz="1400" dirty="0"/>
+          </a:p>
+          <a:p>
+            <a:pPr marL="285750" indent="-285750">
+              <a:buFont typeface="Wingdings" panose="05000000000000000000" pitchFamily="2" charset="2"/>
+              <a:buChar char="u"/>
+            </a:pPr>
             <a:r>
               <a:rPr lang="zh-CN" altLang="en-US" sz="1400" dirty="0"/>
               <a:t>缓存</a:t>
@@ -7421,6 +7431,112 @@
                       </p:childTnLst>
                     </p:cTn>
                   </p:par>
+                  <p:par>
+                    <p:cTn id="17" fill="hold">
+                      <p:stCondLst>
+                        <p:cond delay="indefinite"/>
+                      </p:stCondLst>
+                      <p:childTnLst>
+                        <p:par>
+                          <p:cTn id="18" fill="hold">
+                            <p:stCondLst>
+                              <p:cond delay="0"/>
+                            </p:stCondLst>
+                            <p:childTnLst>
+                              <p:par>
+                                <p:cTn id="19" presetID="3" presetClass="entr" presetSubtype="10" fill="hold" nodeType="clickEffect">
+                                  <p:stCondLst>
+                                    <p:cond delay="0"/>
+                                  </p:stCondLst>
+                                  <p:childTnLst>
+                                    <p:set>
+                                      <p:cBhvr>
+                                        <p:cTn id="20" dur="1" fill="hold">
+                                          <p:stCondLst>
+                                            <p:cond delay="0"/>
+                                          </p:stCondLst>
+                                        </p:cTn>
+                                        <p:tgtEl>
+                                          <p:spTgt spid="8"/>
+                                        </p:tgtEl>
+                                        <p:attrNameLst>
+                                          <p:attrName>style.visibility</p:attrName>
+                                        </p:attrNameLst>
+                                      </p:cBhvr>
+                                      <p:to>
+                                        <p:strVal val="visible"/>
+                                      </p:to>
+                                    </p:set>
+                                    <p:animEffect transition="in" filter="blinds(horizontal)">
+                                      <p:cBhvr>
+                                        <p:cTn id="21" dur="500"/>
+                                        <p:tgtEl>
+                                          <p:spTgt spid="8"/>
+                                        </p:tgtEl>
+                                      </p:cBhvr>
+                                    </p:animEffect>
+                                  </p:childTnLst>
+                                </p:cTn>
+                              </p:par>
+                            </p:childTnLst>
+                          </p:cTn>
+                        </p:par>
+                      </p:childTnLst>
+                    </p:cTn>
+                  </p:par>
+                  <p:par>
+                    <p:cTn id="22" fill="hold">
+                      <p:stCondLst>
+                        <p:cond delay="indefinite"/>
+                      </p:stCondLst>
+                      <p:childTnLst>
+                        <p:par>
+                          <p:cTn id="23" fill="hold">
+                            <p:stCondLst>
+                              <p:cond delay="0"/>
+                            </p:stCondLst>
+                            <p:childTnLst>
+                              <p:par>
+                                <p:cTn id="24" presetID="3" presetClass="entr" presetSubtype="10" fill="hold" grpId="0" nodeType="clickEffect">
+                                  <p:stCondLst>
+                                    <p:cond delay="0"/>
+                                  </p:stCondLst>
+                                  <p:childTnLst>
+                                    <p:set>
+                                      <p:cBhvr>
+                                        <p:cTn id="25" dur="1" fill="hold">
+                                          <p:stCondLst>
+                                            <p:cond delay="0"/>
+                                          </p:stCondLst>
+                                        </p:cTn>
+                                        <p:tgtEl>
+                                          <p:spTgt spid="74"/>
+                                        </p:tgtEl>
+                                        <p:attrNameLst>
+                                          <p:attrName>style.visibility</p:attrName>
+                                        </p:attrNameLst>
+                                      </p:cBhvr>
+                                      <p:to>
+                                        <p:strVal val="visible"/>
+                                      </p:to>
+                                    </p:set>
+                                    <p:animEffect transition="in" filter="blinds(horizontal)">
+                                      <p:cBhvr>
+                                        <p:cTn id="26" dur="500"/>
+                                        <p:tgtEl>
+                                          <p:spTgt spid="74"/>
+                                        </p:tgtEl>
+                                      </p:cBhvr>
+                                    </p:animEffect>
+                                  </p:childTnLst>
+                                </p:cTn>
+                              </p:par>
+                            </p:childTnLst>
+                          </p:cTn>
+                        </p:par>
+                      </p:childTnLst>
+                    </p:cTn>
+                  </p:par>
                 </p:childTnLst>
               </p:cTn>
               <p:prevCondLst>
@@ -7444,6 +7560,7 @@
     </p:tnLst>
     <p:bldLst>
       <p:bldP spid="14" grpId="0"/>
+      <p:bldP spid="74" grpId="0"/>
     </p:bldLst>
   </p:timing>
 </p:sld>
@@ -8053,7 +8170,7 @@
                         <a:rPr lang="en-US" sz="1200" kern="100">
                           <a:effectLst/>
                         </a:rPr>
-                        <a:t>HDFS\RDB</a:t>
+                        <a:t>HDFS</a:t>
                       </a:r>
                       <a:endParaRPr lang="en-US" sz="1200" kern="100">
                         <a:effectLst/>
@@ -8080,28 +8197,15 @@
                         <a:rPr lang="en-US" sz="1200" kern="100">
                           <a:effectLst/>
                         </a:rPr>
-                        <a:t>Hive/RDB/</a:t>
+                        <a:t>Hive/RDB/NoSQL/Redis</a:t>
                       </a:r>
-                      <a:endParaRPr lang="zh-CN" sz="1200" kern="100">
-                        <a:effectLst/>
-                      </a:endParaRPr>
-                    </a:p>
-                    <a:p>
-                      <a:pPr algn="just">
-                        <a:lnSpc>
-                          <a:spcPct val="125000"/>
-                        </a:lnSpc>
-                        <a:spcAft>
-                          <a:spcPts val="0"/>
-                        </a:spcAft>
-                      </a:pPr>
                       <a:r>
-                        <a:rPr lang="en-US" sz="1200" kern="100">
+                        <a:rPr lang="zh-CN" altLang="en-US" sz="1200" kern="100">
                           <a:effectLst/>
                         </a:rPr>
-                        <a:t>NoSQL/kafka</a:t>
+                        <a:t>等</a:t>
                       </a:r>
-                      <a:endParaRPr lang="zh-CN" sz="1200" kern="100">
+                      <a:endParaRPr lang="zh-CN" altLang="en-US" sz="1200" kern="100">
                         <a:effectLst/>
                         <a:latin typeface="Times New Roman" panose="02020603050405020304" pitchFamily="18" charset="0"/>
                         <a:ea typeface="宋体" panose="02010600030101010101" pitchFamily="2" charset="-122"/>
@@ -8188,9 +8292,21 @@
                         <a:rPr lang="zh-CN" sz="1200" kern="100">
                           <a:effectLst/>
                         </a:rPr>
-                        <a:t>表</a:t>
+                        <a:t>表与</a:t>
                       </a:r>
-                      <a:endParaRPr lang="zh-CN" sz="1200" kern="100">
+                      <a:r>
+                        <a:rPr lang="en-US" altLang="zh-CN" sz="1200" kern="100">
+                          <a:effectLst/>
+                        </a:rPr>
+                        <a:t>HDFS</a:t>
+                      </a:r>
+                      <a:r>
+                        <a:rPr lang="zh-CN" altLang="en-US" sz="1200" kern="100">
+                          <a:effectLst/>
+                        </a:rPr>
+                        <a:t>的映射</a:t>
+                      </a:r>
+                      <a:endParaRPr lang="zh-CN" altLang="en-US" sz="1200" kern="100">
                         <a:effectLst/>
                         <a:latin typeface="Times New Roman" panose="02020603050405020304" pitchFamily="18" charset="0"/>
                         <a:ea typeface="宋体" panose="02010600030101010101" pitchFamily="2" charset="-122"/>
@@ -8325,7 +8441,7 @@
                         <a:rPr lang="zh-CN" sz="1200" kern="100">
                           <a:effectLst/>
                         </a:rPr>
-                        <a:t>自行</a:t>
+                        <a:t>自带</a:t>
                       </a:r>
                       <a:endParaRPr lang="zh-CN" sz="1200" kern="100">
                         <a:effectLst/>
@@ -8352,7 +8468,7 @@
                         <a:rPr lang="zh-CN" sz="1200" kern="100">
                           <a:effectLst/>
                         </a:rPr>
-                        <a:t>自行</a:t>
+                        <a:t>自带</a:t>
                       </a:r>
                       <a:endParaRPr lang="zh-CN" sz="1200" kern="100">
                         <a:effectLst/>
@@ -8691,7 +8807,7 @@
                         <a:rPr lang="zh-CN" sz="1200" kern="100">
                           <a:effectLst/>
                         </a:rPr>
-                        <a:t>可做即席查询、测试工作</a:t>
+                        <a:t>即席查询</a:t>
                       </a:r>
                       <a:endParaRPr lang="zh-CN" sz="1200" kern="100">
                         <a:effectLst/>
@@ -8718,7 +8834,7 @@
                         <a:rPr lang="zh-CN" sz="1200" kern="100">
                           <a:effectLst/>
                         </a:rPr>
-                        <a:t>可试用</a:t>
+                        <a:t>实时数据查询</a:t>
                       </a:r>
                       <a:endParaRPr lang="zh-CN" sz="1200" kern="100">
                         <a:effectLst/>
@@ -8986,6 +9102,59 @@
                                         <p:cTn id="16" dur="400" tmFilter="0,0; .5, 1; 1, 1"/>
                                         <p:tgtEl>
                                           <p:spTgt spid="14"/>
+                                        </p:tgtEl>
+                                      </p:cBhvr>
+                                    </p:animEffect>
+                                  </p:childTnLst>
+                                </p:cTn>
+                              </p:par>
+                            </p:childTnLst>
+                          </p:cTn>
+                        </p:par>
+                      </p:childTnLst>
+                    </p:cTn>
+                  </p:par>
+                  <p:par>
+                    <p:cTn id="17" fill="hold">
+                      <p:stCondLst>
+                        <p:cond delay="indefinite"/>
+                      </p:stCondLst>
+                      <p:childTnLst>
+                        <p:par>
+                          <p:cTn id="18" fill="hold">
+                            <p:stCondLst>
+                              <p:cond delay="0"/>
+                            </p:stCondLst>
+                            <p:childTnLst>
+                              <p:par>
+                                <p:cTn id="19" presetID="3" presetClass="entr" presetSubtype="10" fill="hold" nodeType="clickEffect">
+                                  <p:stCondLst>
+                                    <p:cond delay="0"/>
+                                  </p:stCondLst>
+                                  <p:childTnLst>
+                                    <p:set>
+                                      <p:cBhvr>
+                                        <p:cTn id="20" dur="1" fill="hold">
+                                          <p:stCondLst>
+                                            <p:cond delay="0"/>
+                                          </p:stCondLst>
+                                        </p:cTn>
+                                        <p:tgtEl>
+                                          <p:spTgt spid="2"/>
+                                        </p:tgtEl>
+                                        <p:attrNameLst>
+                                          <p:attrName>style.visibility</p:attrName>
+                                        </p:attrNameLst>
+                                      </p:cBhvr>
+                                      <p:to>
+                                        <p:strVal val="visible"/>
+                                      </p:to>
+                                    </p:set>
+                                    <p:animEffect transition="in" filter="blinds(horizontal)">
+                                      <p:cBhvr>
+                                        <p:cTn id="21" dur="500"/>
+                                        <p:tgtEl>
+                                          <p:spTgt spid="2"/>
                                         </p:tgtEl>
                                       </p:cBhvr>
                                     </p:animEffect>
@@ -10198,7 +10367,7 @@
         <p:spPr>
           <a:xfrm>
             <a:off x="668655" y="3234055"/>
-            <a:ext cx="6760210" cy="1383665"/>
+            <a:ext cx="6760210" cy="1814830"/>
           </a:xfrm>
           <a:prstGeom prst="rect">
             <a:avLst/>
@@ -10242,9 +10411,17 @@
             </a:pPr>
             <a:r>
               <a:rPr lang="zh-CN" sz="1400" dirty="0"/>
-              <a:t>对于数据中台我也是初窥门径，任重而道远。</a:t>
+              <a:t>对于数据中台我也是初窥门径，任重而道远。现阶段的规划是做一个可以不用写</a:t>
             </a:r>
-            <a:endParaRPr lang="zh-CN" sz="1400" dirty="0"/>
+            <a:r>
+              <a:rPr lang="en-US" altLang="zh-CN" sz="1400" dirty="0"/>
+              <a:t>sql</a:t>
+            </a:r>
+            <a:r>
+              <a:rPr lang="zh-CN" altLang="en-US" sz="1400" dirty="0"/>
+              <a:t>或者代码，鼠标点点就可以查询仓库中的数据。</a:t>
+            </a:r>
+            <a:endParaRPr lang="zh-CN" altLang="en-US" sz="1400" dirty="0"/>
           </a:p>
         </p:txBody>
       </p:sp>
@@ -10509,14 +10686,76 @@
                             </p:childTnLst>
                           </p:cTn>
                         </p:par>
+                      </p:childTnLst>
+                    </p:cTn>
+                  </p:par>
+                  <p:par>
+                    <p:cTn id="17" fill="hold">
+                      <p:stCondLst>
+                        <p:cond delay="indefinite"/>
+                      </p:stCondLst>
+                      <p:childTnLst>
                         <p:par>
-                          <p:cTn id="17" fill="hold">
+                          <p:cTn id="18" fill="hold">
                             <p:stCondLst>
-                              <p:cond delay="439"/>
+                              <p:cond delay="0"/>
                             </p:stCondLst>
                             <p:childTnLst>
                               <p:par>
-                                <p:cTn id="18" presetID="41" presetClass="entr" presetSubtype="0" fill="hold" grpId="0" nodeType="afterEffect">
+                                <p:cTn id="19" presetID="3" presetClass="entr" presetSubtype="10" fill="hold" grpId="0" nodeType="clickEffect">
+                                  <p:stCondLst>
+                                    <p:cond delay="0"/>
+                                  </p:stCondLst>
+                                  <p:childTnLst>
+                                    <p:set>
+                                      <p:cBhvr>
+                                        <p:cTn id="20" dur="1" fill="hold">
+                                          <p:stCondLst>
+                                            <p:cond delay="0"/>
+                                          </p:stCondLst>
+                                        </p:cTn>
+                                        <p:tgtEl>
+                                          <p:spTgt spid="74"/>
+                                        </p:tgtEl>
+                                        <p:attrNameLst>
+                                          <p:attrName>style.visibility</p:attrName>
+                                        </p:attrNameLst>
+                                      </p:cBhvr>
+                                      <p:to>
+                                        <p:strVal val="visible"/>
+                                      </p:to>
+                                    </p:set>
+                                    <p:animEffect transition="in" filter="blinds(horizontal)">
+                                      <p:cBhvr>
+                                        <p:cTn id="21" dur="500"/>
+                                        <p:tgtEl>
+                                          <p:spTgt spid="74"/>
+                                        </p:tgtEl>
+                                      </p:cBhvr>
+                                    </p:animEffect>
+                                  </p:childTnLst>
+                                </p:cTn>
+                              </p:par>
+                            </p:childTnLst>
+                          </p:cTn>
+                        </p:par>
+                      </p:childTnLst>
+                    </p:cTn>
+                  </p:par>
+                  <p:par>
+                    <p:cTn id="22" fill="hold">
+                      <p:stCondLst>
+                        <p:cond delay="indefinite"/>
+                      </p:stCondLst>
+                      <p:childTnLst>
+                        <p:par>
+                          <p:cTn id="23" fill="hold">
+                            <p:stCondLst>
+                              <p:cond delay="0"/>
+                            </p:stCondLst>
+                            <p:childTnLst>
+                              <p:par>
+                                <p:cTn id="24" presetID="41" presetClass="entr" presetSubtype="0" fill="hold" grpId="0" nodeType="clickEffect">
                                   <p:stCondLst>
                                     <p:cond delay="0"/>
                                   </p:stCondLst>
@@ -10526,7 +10765,7 @@
                                   <p:childTnLst>
                                     <p:set>
                                       <p:cBhvr>
-                                        <p:cTn id="19" dur="1" fill="hold">
+                                        <p:cTn id="25" dur="1" fill="hold">
                                           <p:stCondLst>
                                             <p:cond delay="0"/>
                                           </p:stCondLst>
@@ -10544,7 +10783,7 @@
                                     </p:set>
                                     <p:anim calcmode="lin" valueType="num">
                                       <p:cBhvr>
-                                        <p:cTn id="20" dur="400" fill="hold"/>
+                                        <p:cTn id="26" dur="500" fill="hold"/>
                                         <p:tgtEl>
                                           <p:spTgt spid="2"/>
                                         </p:tgtEl>
@@ -10572,7 +10811,7 @@
                                     </p:anim>
                                     <p:anim calcmode="lin" valueType="num">
                                       <p:cBhvr>
-                                        <p:cTn id="21" dur="400" fill="hold"/>
+                                        <p:cTn id="27" dur="500" fill="hold"/>
                                         <p:tgtEl>
                                           <p:spTgt spid="2"/>
                                         </p:tgtEl>
@@ -10595,7 +10834,7 @@
                                     </p:anim>
                                     <p:anim calcmode="lin" valueType="num">
                                       <p:cBhvr>
-                                        <p:cTn id="22" dur="400" fill="hold"/>
+                                        <p:cTn id="28" dur="500" fill="hold"/>
                                         <p:tgtEl>
                                           <p:spTgt spid="2"/>
                                         </p:tgtEl>
@@ -10623,7 +10862,7 @@
                                     </p:anim>
                                     <p:anim calcmode="lin" valueType="num">
                                       <p:cBhvr>
-                                        <p:cTn id="23" dur="400" fill="hold"/>
+                                        <p:cTn id="29" dur="500" fill="hold"/>
                                         <p:tgtEl>
                                           <p:spTgt spid="2"/>
                                         </p:tgtEl>
@@ -10651,9 +10890,62 @@
                                     </p:anim>
                                     <p:animEffect transition="in" filter="fade">
                                       <p:cBhvr>
-                                        <p:cTn id="24" dur="400" tmFilter="0,0; .5, 1; 1, 1"/>
+                                        <p:cTn id="30" dur="500" tmFilter="0,0; .5, 1; 1, 1"/>
                                         <p:tgtEl>
                                           <p:spTgt spid="2"/>
+                                        </p:tgtEl>
+                                      </p:cBhvr>
+                                    </p:animEffect>
+                                  </p:childTnLst>
+                                </p:cTn>
+                              </p:par>
+                            </p:childTnLst>
+                          </p:cTn>
+                        </p:par>
+                      </p:childTnLst>
+                    </p:cTn>
+                  </p:par>
+                  <p:par>
+                    <p:cTn id="31" fill="hold">
+                      <p:stCondLst>
+                        <p:cond delay="indefinite"/>
+                      </p:stCondLst>
+                      <p:childTnLst>
+                        <p:par>
+                          <p:cTn id="32" fill="hold">
+                            <p:stCondLst>
+                              <p:cond delay="0"/>
+                            </p:stCondLst>
+                            <p:childTnLst>
+                              <p:par>
+                                <p:cTn id="33" presetID="3" presetClass="entr" presetSubtype="10" fill="hold" grpId="0" nodeType="clickEffect">
+                                  <p:stCondLst>
+                                    <p:cond delay="0"/>
+                                  </p:stCondLst>
+                                  <p:childTnLst>
+                                    <p:set>
+                                      <p:cBhvr>
+                                        <p:cTn id="34" dur="1" fill="hold">
+                                          <p:stCondLst>
+                                            <p:cond delay="0"/>
+                                          </p:stCondLst>
+                                        </p:cTn>
+                                        <p:tgtEl>
+                                          <p:spTgt spid="3"/>
+                                        </p:tgtEl>
+                                        <p:attrNameLst>
+                                          <p:attrName>style.visibility</p:attrName>
+                                        </p:attrNameLst>
+                                      </p:cBhvr>
+                                      <p:to>
+                                        <p:strVal val="visible"/>
+                                      </p:to>
+                                    </p:set>
+                                    <p:animEffect transition="in" filter="blinds(horizontal)">
+                                      <p:cBhvr>
+                                        <p:cTn id="35" dur="500"/>
+                                        <p:tgtEl>
+                                          <p:spTgt spid="3"/>
                                         </p:tgtEl>
                                       </p:cBhvr>
                                     </p:animEffect>
@@ -10689,7 +10981,9 @@
     </p:tnLst>
     <p:bldLst>
       <p:bldP spid="14" grpId="0"/>
+      <p:bldP spid="74" grpId="0"/>
       <p:bldP spid="2" grpId="0"/>
+      <p:bldP spid="3" grpId="0"/>
     </p:bldLst>
   </p:timing>
 </p:sld>
@@ -10836,7 +11130,7 @@
         <p:spPr>
           <a:xfrm>
             <a:off x="2268855" y="896620"/>
-            <a:ext cx="4983480" cy="368300"/>
+            <a:ext cx="3840480" cy="368300"/>
           </a:xfrm>
           <a:prstGeom prst="rect">
             <a:avLst/>
@@ -10850,7 +11144,7 @@
           <a:p>
             <a:r>
               <a:rPr lang="zh-CN" altLang="en-US"/>
-              <a:t>感谢各位领导、同事对我们工作的支持和帮助！</a:t>
+              <a:t>感谢各位领导、同事的支持和帮助！</a:t>
             </a:r>
             <a:endParaRPr lang="zh-CN" altLang="en-US"/>
           </a:p>
@@ -28839,7 +29133,7 @@
         </p:blipFill>
         <p:spPr>
           <a:xfrm>
-            <a:off x="5513705" y="2680970"/>
+            <a:off x="5513705" y="2708275"/>
             <a:ext cx="2117725" cy="2045970"/>
           </a:xfrm>
           <a:prstGeom prst="rect">
@@ -29372,6 +29666,112 @@
                                         </p:tav>
                                       </p:tavLst>
                                     </p:anim>
+                                  </p:childTnLst>
+                                </p:cTn>
+                              </p:par>
+                            </p:childTnLst>
+                          </p:cTn>
+                        </p:par>
+                      </p:childTnLst>
+                    </p:cTn>
+                  </p:par>
+                  <p:par>
+                    <p:cTn id="32" fill="hold">
+                      <p:stCondLst>
+                        <p:cond delay="indefinite"/>
+                      </p:stCondLst>
+                      <p:childTnLst>
+                        <p:par>
+                          <p:cTn id="33" fill="hold">
+                            <p:stCondLst>
+                              <p:cond delay="0"/>
+                            </p:stCondLst>
+                            <p:childTnLst>
+                              <p:par>
+                                <p:cTn id="34" presetID="3" presetClass="entr" presetSubtype="10" fill="hold" nodeType="clickEffect">
+                                  <p:stCondLst>
+                                    <p:cond delay="0"/>
+                                  </p:stCondLst>
+                                  <p:childTnLst>
+                                    <p:set>
+                                      <p:cBhvr>
+                                        <p:cTn id="35" dur="1" fill="hold">
+                                          <p:stCondLst>
+                                            <p:cond delay="0"/>
+                                          </p:stCondLst>
+                                        </p:cTn>
+                                        <p:tgtEl>
+                                          <p:spTgt spid="117"/>
+                                        </p:tgtEl>
+                                        <p:attrNameLst>
+                                          <p:attrName>style.visibility</p:attrName>
+                                        </p:attrNameLst>
+                                      </p:cBhvr>
+                                      <p:to>
+                                        <p:strVal val="visible"/>
+                                      </p:to>
+                                    </p:set>
+                                    <p:animEffect transition="in" filter="blinds(horizontal)">
+                                      <p:cBhvr>
+                                        <p:cTn id="36" dur="500"/>
+                                        <p:tgtEl>
+                                          <p:spTgt spid="117"/>
+                                        </p:tgtEl>
+                                      </p:cBhvr>
+                                    </p:animEffect>
+                                  </p:childTnLst>
+                                </p:cTn>
+                              </p:par>
+                            </p:childTnLst>
+                          </p:cTn>
+                        </p:par>
+                      </p:childTnLst>
+                    </p:cTn>
+                  </p:par>
+                  <p:par>
+                    <p:cTn id="37" fill="hold">
+                      <p:stCondLst>
+                        <p:cond delay="indefinite"/>
+                      </p:stCondLst>
+                      <p:childTnLst>
+                        <p:par>
+                          <p:cTn id="38" fill="hold">
+                            <p:stCondLst>
+                              <p:cond delay="0"/>
+                            </p:stCondLst>
+                            <p:childTnLst>
+                              <p:par>
+                                <p:cTn id="39" presetID="3" presetClass="entr" presetSubtype="10" fill="hold" nodeType="clickEffect">
+                                  <p:stCondLst>
+                                    <p:cond delay="0"/>
+                                  </p:stCondLst>
+                                  <p:childTnLst>
+                                    <p:set>
+                                      <p:cBhvr>
+                                        <p:cTn id="40" dur="1" fill="hold">
+                                          <p:stCondLst>
+                                            <p:cond delay="0"/>
+                                          </p:stCondLst>
+                                        </p:cTn>
+                                        <p:tgtEl>
+                                          <p:spTgt spid="116"/>
+                                        </p:tgtEl>
+                                        <p:attrNameLst>
+                                          <p:attrName>style.visibility</p:attrName>
+                                        </p:attrNameLst>
+                                      </p:cBhvr>
+                                      <p:to>
+                                        <p:strVal val="visible"/>
+                                      </p:to>
+                                    </p:set>
+                                    <p:animEffect transition="in" filter="blinds(horizontal)">
+                                      <p:cBhvr>
+                                        <p:cTn id="41" dur="500"/>
+                                        <p:tgtEl>
+                                          <p:spTgt spid="116"/>
+                                        </p:tgtEl>
+                                      </p:cBhvr>
+                                    </p:animEffect>
                                   </p:childTnLst>
                                 </p:cTn>
                               </p:par>
@@ -30158,6 +30558,112 @@
                       </p:childTnLst>
                     </p:cTn>
                   </p:par>
+                  <p:par>
+                    <p:cTn id="17" fill="hold">
+                      <p:stCondLst>
+                        <p:cond delay="indefinite"/>
+                      </p:stCondLst>
+                      <p:childTnLst>
+                        <p:par>
+                          <p:cTn id="18" fill="hold">
+                            <p:stCondLst>
+                              <p:cond delay="0"/>
+                            </p:stCondLst>
+                            <p:childTnLst>
+                              <p:par>
+                                <p:cTn id="19" presetID="3" presetClass="entr" presetSubtype="10" fill="hold" nodeType="clickEffect">
+                                  <p:stCondLst>
+                                    <p:cond delay="0"/>
+                                  </p:stCondLst>
+                                  <p:childTnLst>
+                                    <p:set>
+                                      <p:cBhvr>
+                                        <p:cTn id="20" dur="1" fill="hold">
+                                          <p:stCondLst>
+                                            <p:cond delay="0"/>
+                                          </p:stCondLst>
+                                        </p:cTn>
+                                        <p:tgtEl>
+                                          <p:spTgt spid="3"/>
+                                        </p:tgtEl>
+                                        <p:attrNameLst>
+                                          <p:attrName>style.visibility</p:attrName>
+                                        </p:attrNameLst>
+                                      </p:cBhvr>
+                                      <p:to>
+                                        <p:strVal val="visible"/>
+                                      </p:to>
+                                    </p:set>
+                                    <p:animEffect transition="in" filter="blinds(horizontal)">
+                                      <p:cBhvr>
+                                        <p:cTn id="21" dur="500"/>
+                                        <p:tgtEl>
+                                          <p:spTgt spid="3"/>
+                                        </p:tgtEl>
+                                      </p:cBhvr>
+                                    </p:animEffect>
+                                  </p:childTnLst>
+                                </p:cTn>
+                              </p:par>
+                            </p:childTnLst>
+                          </p:cTn>
+                        </p:par>
+                      </p:childTnLst>
+                    </p:cTn>
+                  </p:par>
+                  <p:par>
+                    <p:cTn id="22" fill="hold">
+                      <p:stCondLst>
+                        <p:cond delay="indefinite"/>
+                      </p:stCondLst>
+                      <p:childTnLst>
+                        <p:par>
+                          <p:cTn id="23" fill="hold">
+                            <p:stCondLst>
+                              <p:cond delay="0"/>
+                            </p:stCondLst>
+                            <p:childTnLst>
+                              <p:par>
+                                <p:cTn id="24" presetID="3" presetClass="entr" presetSubtype="10" fill="hold" grpId="0" nodeType="clickEffect">
+                                  <p:stCondLst>
+                                    <p:cond delay="0"/>
+                                  </p:stCondLst>
+                                  <p:childTnLst>
+                                    <p:set>
+                                      <p:cBhvr>
+                                        <p:cTn id="25" dur="1" fill="hold">
+                                          <p:stCondLst>
+                                            <p:cond delay="0"/>
+                                          </p:stCondLst>
+                                        </p:cTn>
+                                        <p:tgtEl>
+                                          <p:spTgt spid="74"/>
+                                        </p:tgtEl>
+                                        <p:attrNameLst>
+                                          <p:attrName>style.visibility</p:attrName>
+                                        </p:attrNameLst>
+                                      </p:cBhvr>
+                                      <p:to>
+                                        <p:strVal val="visible"/>
+                                      </p:to>
+                                    </p:set>
+                                    <p:animEffect transition="in" filter="blinds(horizontal)">
+                                      <p:cBhvr>
+                                        <p:cTn id="26" dur="500"/>
+                                        <p:tgtEl>
+                                          <p:spTgt spid="74"/>
+                                        </p:tgtEl>
+                                      </p:cBhvr>
+                                    </p:animEffect>
+                                  </p:childTnLst>
+                                </p:cTn>
+                              </p:par>
+                            </p:childTnLst>
+                          </p:cTn>
+                        </p:par>
+                      </p:childTnLst>
+                    </p:cTn>
+                  </p:par>
                 </p:childTnLst>
               </p:cTn>
               <p:prevCondLst>
@@ -30181,6 +30687,7 @@
     </p:tnLst>
     <p:bldLst>
       <p:bldP spid="14" grpId="0"/>
+      <p:bldP spid="74" grpId="0"/>
     </p:bldLst>
   </p:timing>
 </p:sld>
@@ -30947,6 +31454,165 @@
                       </p:childTnLst>
                     </p:cTn>
                   </p:par>
+                  <p:par>
+                    <p:cTn id="17" fill="hold">
+                      <p:stCondLst>
+                        <p:cond delay="indefinite"/>
+                      </p:stCondLst>
+                      <p:childTnLst>
+                        <p:par>
+                          <p:cTn id="18" fill="hold">
+                            <p:stCondLst>
+                              <p:cond delay="0"/>
+                            </p:stCondLst>
+                            <p:childTnLst>
+                              <p:par>
+                                <p:cTn id="19" presetID="3" presetClass="entr" presetSubtype="10" fill="hold" nodeType="clickEffect">
+                                  <p:stCondLst>
+                                    <p:cond delay="0"/>
+                                  </p:stCondLst>
+                                  <p:childTnLst>
+                                    <p:set>
+                                      <p:cBhvr>
+                                        <p:cTn id="20" dur="1" fill="hold">
+                                          <p:stCondLst>
+                                            <p:cond delay="0"/>
+                                          </p:stCondLst>
+                                        </p:cTn>
+                                        <p:tgtEl>
+                                          <p:spTgt spid="29"/>
+                                        </p:tgtEl>
+                                        <p:attrNameLst>
+                                          <p:attrName>style.visibility</p:attrName>
+                                        </p:attrNameLst>
+                                      </p:cBhvr>
+                                      <p:to>
+                                        <p:strVal val="visible"/>
+                                      </p:to>
+                                    </p:set>
+                                    <p:animEffect transition="in" filter="blinds(horizontal)">
+                                      <p:cBhvr>
+                                        <p:cTn id="21" dur="500"/>
+                                        <p:tgtEl>
+                                          <p:spTgt spid="29"/>
+                                        </p:tgtEl>
+                                      </p:cBhvr>
+                                    </p:animEffect>
+                                  </p:childTnLst>
+                                </p:cTn>
+                              </p:par>
+                            </p:childTnLst>
+                          </p:cTn>
+                        </p:par>
+                      </p:childTnLst>
+                    </p:cTn>
+                  </p:par>
+                  <p:par>
+                    <p:cTn id="22" fill="hold">
+                      <p:stCondLst>
+                        <p:cond delay="indefinite"/>
+                      </p:stCondLst>
+                      <p:childTnLst>
+                        <p:par>
+                          <p:cTn id="23" fill="hold">
+                            <p:stCondLst>
+                              <p:cond delay="0"/>
+                            </p:stCondLst>
+                            <p:childTnLst>
+                              <p:par>
+                                <p:cTn id="24" presetID="3" presetClass="entr" presetSubtype="10" fill="hold" nodeType="clickEffect">
+                                  <p:stCondLst>
+                                    <p:cond delay="0"/>
+                                  </p:stCondLst>
+                                  <p:childTnLst>
+                                    <p:set>
+                                      <p:cBhvr>
+                                        <p:cTn id="25" dur="1" fill="hold">
+                                          <p:stCondLst>
+                                            <p:cond delay="0"/>
+                                          </p:stCondLst>
+                                        </p:cTn>
+                                        <p:tgtEl>
+                                          <p:spTgt spid="24"/>
+                                        </p:tgtEl>
+                                        <p:attrNameLst>
+                                          <p:attrName>style.visibility</p:attrName>
+                                        </p:attrNameLst>
+                                      </p:cBhvr>
+                                      <p:to>
+                                        <p:strVal val="visible"/>
+                                      </p:to>
+                                    </p:set>
+                                    <p:animEffect transition="in" filter="blinds(horizontal)">
+                                      <p:cBhvr>
+                                        <p:cTn id="26" dur="500"/>
+                                        <p:tgtEl>
+                                          <p:spTgt spid="24"/>
+                                        </p:tgtEl>
+                                      </p:cBhvr>
+                                    </p:animEffect>
+                                  </p:childTnLst>
+                                </p:cTn>
+                              </p:par>
+                            </p:childTnLst>
+                          </p:cTn>
+                        </p:par>
+                      </p:childTnLst>
+                    </p:cTn>
+                  </p:par>
+                  <p:par>
+                    <p:cTn id="27" fill="hold">
+                      <p:stCondLst>
+                        <p:cond delay="indefinite"/>
+                      </p:stCondLst>
+                      <p:childTnLst>
+                        <p:par>
+                          <p:cTn id="28" fill="hold">
+                            <p:stCondLst>
+                              <p:cond delay="0"/>
+                            </p:stCondLst>
+                            <p:childTnLst>
+                              <p:par>
+                                <p:cTn id="29" presetID="3" presetClass="entr" presetSubtype="10" fill="hold" grpId="0" nodeType="clickEffect">
+                                  <p:stCondLst>
+                                    <p:cond delay="0"/>
+                                  </p:stCondLst>
+                                  <p:childTnLst>
+                                    <p:set>
+                                      <p:cBhvr>
+                                        <p:cTn id="30" dur="1" fill="hold">
+                                          <p:stCondLst>
+                                            <p:cond delay="0"/>
+                                          </p:stCondLst>
+                                        </p:cTn>
+                                        <p:tgtEl>
+                                          <p:spTgt spid="74"/>
+                                        </p:tgtEl>
+                                        <p:attrNameLst>
+                                          <p:attrName>style.visibility</p:attrName>
+                                        </p:attrNameLst>
+                                      </p:cBhvr>
+                                      <p:to>
+                                        <p:strVal val="visible"/>
+                                      </p:to>
+                                    </p:set>
+                                    <p:animEffect transition="in" filter="blinds(horizontal)">
+                                      <p:cBhvr>
+                                        <p:cTn id="31" dur="500"/>
+                                        <p:tgtEl>
+                                          <p:spTgt spid="74"/>
+                                        </p:tgtEl>
+                                      </p:cBhvr>
+                                    </p:animEffect>
+                                  </p:childTnLst>
+                                </p:cTn>
+                              </p:par>
+                            </p:childTnLst>
+                          </p:cTn>
+                        </p:par>
+                      </p:childTnLst>
+                    </p:cTn>
+                  </p:par>
                 </p:childTnLst>
               </p:cTn>
               <p:prevCondLst>
@@ -30970,6 +31636,7 @@
     </p:tnLst>
     <p:bldLst>
       <p:bldP spid="14" grpId="0"/>
+      <p:bldP spid="74" grpId="0"/>
     </p:bldLst>
   </p:timing>
 </p:sld>

--- a/在线阶段汇报20190606.pptx
+++ b/在线阶段汇报20190606.pptx
@@ -17,7 +17,7 @@
     <p:sldId id="403" r:id="rId10"/>
     <p:sldId id="438" r:id="rId11"/>
     <p:sldId id="440" r:id="rId12"/>
-    <p:sldId id="439" r:id="rId13"/>
+    <p:sldId id="447" r:id="rId13"/>
     <p:sldId id="441" r:id="rId14"/>
     <p:sldId id="405" r:id="rId15"/>
     <p:sldId id="445" r:id="rId16"/>
@@ -5935,7 +5935,7 @@
         </p:nvSpPr>
         <p:spPr>
           <a:xfrm>
-            <a:off x="4104257" y="3416960"/>
+            <a:off x="4176012" y="3416960"/>
             <a:ext cx="4788631" cy="414655"/>
           </a:xfrm>
           <a:prstGeom prst="rect">
@@ -6028,7 +6028,7 @@
                   <a:schemeClr val="bg1"/>
                 </a:solidFill>
               </a:rPr>
-              <a:t>04</a:t>
+              <a:t>06</a:t>
             </a:r>
             <a:r>
               <a:rPr lang="zh-CN" altLang="en-US" sz="1500" dirty="0" smtClean="0">
@@ -6879,7 +6879,7 @@
             </a:lvl9pPr>
           </a:lstStyle>
           <a:p>
-            <a:pPr fontAlgn="base">
+            <a:pPr algn="l" fontAlgn="base">
               <a:spcBef>
                 <a:spcPct val="0"/>
               </a:spcBef>
@@ -6894,6 +6894,7 @@
                 </a:solidFill>
                 <a:latin typeface="微软雅黑" panose="020B0503020204020204" pitchFamily="34" charset="-122"/>
                 <a:ea typeface="微软雅黑" panose="020B0503020204020204" pitchFamily="34" charset="-122"/>
+                <a:sym typeface="+mn-ea"/>
               </a:rPr>
               <a:t>Druid</a:t>
             </a:r>
@@ -6904,6 +6905,7 @@
                 </a:solidFill>
                 <a:latin typeface="微软雅黑" panose="020B0503020204020204" pitchFamily="34" charset="-122"/>
                 <a:ea typeface="微软雅黑" panose="020B0503020204020204" pitchFamily="34" charset="-122"/>
+                <a:sym typeface="+mn-ea"/>
               </a:rPr>
               <a:t>（唯一强调实时导入、查询，类</a:t>
             </a:r>
@@ -6914,6 +6916,7 @@
                 </a:solidFill>
                 <a:latin typeface="微软雅黑" panose="020B0503020204020204" pitchFamily="34" charset="-122"/>
                 <a:ea typeface="微软雅黑" panose="020B0503020204020204" pitchFamily="34" charset="-122"/>
+                <a:sym typeface="+mn-ea"/>
               </a:rPr>
               <a:t>ES</a:t>
             </a:r>
@@ -6924,6 +6927,7 @@
                 </a:solidFill>
                 <a:latin typeface="微软雅黑" panose="020B0503020204020204" pitchFamily="34" charset="-122"/>
                 <a:ea typeface="微软雅黑" panose="020B0503020204020204" pitchFamily="34" charset="-122"/>
+                <a:sym typeface="+mn-ea"/>
               </a:rPr>
               <a:t>）</a:t>
             </a:r>
@@ -7044,6 +7048,504 @@
           </p:txBody>
         </p:sp>
       </p:grpSp>
+      <p:grpSp>
+        <p:nvGrpSpPr>
+          <p:cNvPr id="26" name="组合 25"/>
+          <p:cNvGrpSpPr/>
+          <p:nvPr/>
+        </p:nvGrpSpPr>
+        <p:grpSpPr>
+          <a:xfrm>
+            <a:off x="539750" y="3101975"/>
+            <a:ext cx="3949065" cy="2005330"/>
+            <a:chOff x="3347864" y="1152444"/>
+            <a:chExt cx="4752528" cy="369631"/>
+          </a:xfrm>
+        </p:grpSpPr>
+        <p:sp>
+          <p:nvSpPr>
+            <p:cNvPr id="27" name="矩形 26"/>
+            <p:cNvSpPr/>
+            <p:nvPr/>
+          </p:nvSpPr>
+          <p:spPr>
+            <a:xfrm>
+              <a:off x="3347864" y="1152444"/>
+              <a:ext cx="4752528" cy="67586"/>
+            </a:xfrm>
+            <a:prstGeom prst="rect">
+              <a:avLst/>
+            </a:prstGeom>
+            <a:solidFill>
+              <a:srgbClr val="0E90BE"/>
+            </a:solidFill>
+            <a:ln>
+              <a:noFill/>
+            </a:ln>
+          </p:spPr>
+          <p:style>
+            <a:lnRef idx="2">
+              <a:schemeClr val="accent1">
+                <a:shade val="50000"/>
+              </a:schemeClr>
+            </a:lnRef>
+            <a:fillRef idx="1">
+              <a:schemeClr val="accent1"/>
+            </a:fillRef>
+            <a:effectRef idx="0">
+              <a:schemeClr val="accent1"/>
+            </a:effectRef>
+            <a:fontRef idx="minor">
+              <a:schemeClr val="lt1"/>
+            </a:fontRef>
+          </p:style>
+          <p:txBody>
+            <a:bodyPr rtlCol="0" anchor="ctr"/>
+            <a:p>
+              <a:pPr algn="l"/>
+              <a:r>
+                <a:rPr lang="zh-CN" altLang="en-US" sz="1400" b="1" dirty="0" smtClean="0">
+                  <a:solidFill>
+                    <a:schemeClr val="bg1"/>
+                  </a:solidFill>
+                  <a:latin typeface="微软雅黑" panose="020B0503020204020204" pitchFamily="34" charset="-122"/>
+                  <a:ea typeface="微软雅黑" panose="020B0503020204020204" pitchFamily="34" charset="-122"/>
+                  <a:cs typeface="Segoe UI" panose="020B0502040204020203" pitchFamily="34" charset="0"/>
+                </a:rPr>
+                <a:t>计算流程：</a:t>
+              </a:r>
+              <a:endParaRPr lang="zh-CN" altLang="en-US" sz="1400" b="1" dirty="0" smtClean="0">
+                <a:solidFill>
+                  <a:schemeClr val="bg1"/>
+                </a:solidFill>
+                <a:latin typeface="微软雅黑" panose="020B0503020204020204" pitchFamily="34" charset="-122"/>
+                <a:ea typeface="微软雅黑" panose="020B0503020204020204" pitchFamily="34" charset="-122"/>
+                <a:cs typeface="Segoe UI" panose="020B0502040204020203" pitchFamily="34" charset="0"/>
+              </a:endParaRPr>
+            </a:p>
+          </p:txBody>
+        </p:sp>
+        <p:sp>
+          <p:nvSpPr>
+            <p:cNvPr id="28" name="矩形 27"/>
+            <p:cNvSpPr/>
+            <p:nvPr/>
+          </p:nvSpPr>
+          <p:spPr>
+            <a:xfrm>
+              <a:off x="3347864" y="1219971"/>
+              <a:ext cx="4752528" cy="302104"/>
+            </a:xfrm>
+            <a:prstGeom prst="rect">
+              <a:avLst/>
+            </a:prstGeom>
+            <a:solidFill>
+              <a:schemeClr val="bg1">
+                <a:lumMod val="85000"/>
+              </a:schemeClr>
+            </a:solidFill>
+            <a:ln>
+              <a:noFill/>
+            </a:ln>
+            <a:effectLst/>
+          </p:spPr>
+          <p:style>
+            <a:lnRef idx="2">
+              <a:schemeClr val="accent1">
+                <a:shade val="50000"/>
+              </a:schemeClr>
+            </a:lnRef>
+            <a:fillRef idx="1">
+              <a:schemeClr val="accent1"/>
+            </a:fillRef>
+            <a:effectRef idx="0">
+              <a:schemeClr val="accent1"/>
+            </a:effectRef>
+            <a:fontRef idx="minor">
+              <a:schemeClr val="lt1"/>
+            </a:fontRef>
+          </p:style>
+          <p:txBody>
+            <a:bodyPr rtlCol="0" anchor="ctr"/>
+            <a:p>
+              <a:pPr marL="285750" indent="-285750">
+                <a:buFont typeface="Wingdings" panose="05000000000000000000" pitchFamily="2" charset="2"/>
+                <a:buChar char="u"/>
+              </a:pPr>
+              <a:r>
+                <a:rPr lang="en-US" altLang="zh-CN" sz="1400" dirty="0">
+                  <a:solidFill>
+                    <a:schemeClr val="tx1"/>
+                  </a:solidFill>
+                  <a:latin typeface="微软雅黑" panose="020B0503020204020204" pitchFamily="34" charset="-122"/>
+                  <a:ea typeface="微软雅黑" panose="020B0503020204020204" pitchFamily="34" charset="-122"/>
+                  <a:cs typeface="微软雅黑" panose="020B0503020204020204" pitchFamily="34" charset="-122"/>
+                  <a:sym typeface="+mn-ea"/>
+                </a:rPr>
+                <a:t>Source</a:t>
+              </a:r>
+              <a:r>
+                <a:rPr lang="zh-CN" altLang="en-US" sz="1400" dirty="0">
+                  <a:solidFill>
+                    <a:schemeClr val="tx1"/>
+                  </a:solidFill>
+                  <a:latin typeface="微软雅黑" panose="020B0503020204020204" pitchFamily="34" charset="-122"/>
+                  <a:ea typeface="微软雅黑" panose="020B0503020204020204" pitchFamily="34" charset="-122"/>
+                  <a:cs typeface="微软雅黑" panose="020B0503020204020204" pitchFamily="34" charset="-122"/>
+                  <a:sym typeface="+mn-ea"/>
+                </a:rPr>
+                <a:t>：离线和实时</a:t>
+              </a:r>
+              <a:endParaRPr lang="en-US" altLang="zh-CN" sz="1400" dirty="0">
+                <a:solidFill>
+                  <a:schemeClr val="tx1"/>
+                </a:solidFill>
+                <a:latin typeface="微软雅黑" panose="020B0503020204020204" pitchFamily="34" charset="-122"/>
+                <a:ea typeface="微软雅黑" panose="020B0503020204020204" pitchFamily="34" charset="-122"/>
+                <a:cs typeface="微软雅黑" panose="020B0503020204020204" pitchFamily="34" charset="-122"/>
+              </a:endParaRPr>
+            </a:p>
+            <a:p>
+              <a:pPr marL="285750" indent="-285750">
+                <a:buFont typeface="Wingdings" panose="05000000000000000000" pitchFamily="2" charset="2"/>
+                <a:buChar char="u"/>
+              </a:pPr>
+              <a:r>
+                <a:rPr lang="en-US" altLang="zh-CN" sz="1400" dirty="0">
+                  <a:solidFill>
+                    <a:schemeClr val="tx1"/>
+                  </a:solidFill>
+                  <a:latin typeface="微软雅黑" panose="020B0503020204020204" pitchFamily="34" charset="-122"/>
+                  <a:ea typeface="微软雅黑" panose="020B0503020204020204" pitchFamily="34" charset="-122"/>
+                  <a:cs typeface="微软雅黑" panose="020B0503020204020204" pitchFamily="34" charset="-122"/>
+                </a:rPr>
+                <a:t>IndexService</a:t>
+              </a:r>
+              <a:r>
+                <a:rPr lang="zh-CN" altLang="en-US" sz="1400" dirty="0">
+                  <a:solidFill>
+                    <a:schemeClr val="tx1"/>
+                  </a:solidFill>
+                  <a:latin typeface="微软雅黑" panose="020B0503020204020204" pitchFamily="34" charset="-122"/>
+                  <a:ea typeface="微软雅黑" panose="020B0503020204020204" pitchFamily="34" charset="-122"/>
+                  <a:cs typeface="微软雅黑" panose="020B0503020204020204" pitchFamily="34" charset="-122"/>
+                </a:rPr>
+                <a:t>：基于时间序列创建索引、预聚合计算、列式存储</a:t>
+              </a:r>
+              <a:endParaRPr lang="zh-CN" altLang="zh-CN" sz="1400" dirty="0">
+                <a:solidFill>
+                  <a:schemeClr val="tx1"/>
+                </a:solidFill>
+                <a:latin typeface="微软雅黑" panose="020B0503020204020204" pitchFamily="34" charset="-122"/>
+                <a:ea typeface="微软雅黑" panose="020B0503020204020204" pitchFamily="34" charset="-122"/>
+                <a:cs typeface="微软雅黑" panose="020B0503020204020204" pitchFamily="34" charset="-122"/>
+              </a:endParaRPr>
+            </a:p>
+            <a:p>
+              <a:pPr marL="285750" indent="-285750">
+                <a:buFont typeface="Wingdings" panose="05000000000000000000" pitchFamily="2" charset="2"/>
+                <a:buChar char="u"/>
+              </a:pPr>
+              <a:r>
+                <a:rPr lang="en-US" altLang="zh-CN" sz="1400" dirty="0">
+                  <a:solidFill>
+                    <a:schemeClr val="tx1"/>
+                  </a:solidFill>
+                  <a:latin typeface="微软雅黑" panose="020B0503020204020204" pitchFamily="34" charset="-122"/>
+                  <a:ea typeface="微软雅黑" panose="020B0503020204020204" pitchFamily="34" charset="-122"/>
+                  <a:cs typeface="微软雅黑" panose="020B0503020204020204" pitchFamily="34" charset="-122"/>
+                  <a:sym typeface="+mn-ea"/>
+                </a:rPr>
+                <a:t>Query</a:t>
+              </a:r>
+              <a:r>
+                <a:rPr lang="zh-CN" altLang="en-US" sz="1400" dirty="0">
+                  <a:solidFill>
+                    <a:schemeClr val="tx1"/>
+                  </a:solidFill>
+                  <a:latin typeface="微软雅黑" panose="020B0503020204020204" pitchFamily="34" charset="-122"/>
+                  <a:ea typeface="微软雅黑" panose="020B0503020204020204" pitchFamily="34" charset="-122"/>
+                  <a:cs typeface="微软雅黑" panose="020B0503020204020204" pitchFamily="34" charset="-122"/>
+                  <a:sym typeface="+mn-ea"/>
+                </a:rPr>
+                <a:t>：基于时间的查询</a:t>
+              </a:r>
+              <a:endParaRPr lang="zh-CN" altLang="en-US" sz="1400" dirty="0">
+                <a:solidFill>
+                  <a:schemeClr val="tx1"/>
+                </a:solidFill>
+                <a:latin typeface="微软雅黑" panose="020B0503020204020204" pitchFamily="34" charset="-122"/>
+                <a:ea typeface="微软雅黑" panose="020B0503020204020204" pitchFamily="34" charset="-122"/>
+                <a:cs typeface="微软雅黑" panose="020B0503020204020204" pitchFamily="34" charset="-122"/>
+                <a:sym typeface="+mn-ea"/>
+              </a:endParaRPr>
+            </a:p>
+          </p:txBody>
+        </p:sp>
+      </p:grpSp>
+      <p:grpSp>
+        <p:nvGrpSpPr>
+          <p:cNvPr id="4" name="组合 3"/>
+          <p:cNvGrpSpPr/>
+          <p:nvPr/>
+        </p:nvGrpSpPr>
+        <p:grpSpPr>
+          <a:xfrm>
+            <a:off x="4660265" y="3101975"/>
+            <a:ext cx="3949065" cy="2005330"/>
+            <a:chOff x="3347864" y="1152444"/>
+            <a:chExt cx="4752528" cy="343461"/>
+          </a:xfrm>
+        </p:grpSpPr>
+        <p:sp>
+          <p:nvSpPr>
+            <p:cNvPr id="5" name="矩形 4"/>
+            <p:cNvSpPr/>
+            <p:nvPr/>
+          </p:nvSpPr>
+          <p:spPr>
+            <a:xfrm>
+              <a:off x="3347864" y="1152444"/>
+              <a:ext cx="4752528" cy="67586"/>
+            </a:xfrm>
+            <a:prstGeom prst="rect">
+              <a:avLst/>
+            </a:prstGeom>
+            <a:solidFill>
+              <a:srgbClr val="0E90BE"/>
+            </a:solidFill>
+            <a:ln>
+              <a:noFill/>
+            </a:ln>
+          </p:spPr>
+          <p:style>
+            <a:lnRef idx="2">
+              <a:schemeClr val="accent1">
+                <a:shade val="50000"/>
+              </a:schemeClr>
+            </a:lnRef>
+            <a:fillRef idx="1">
+              <a:schemeClr val="accent1"/>
+            </a:fillRef>
+            <a:effectRef idx="0">
+              <a:schemeClr val="accent1"/>
+            </a:effectRef>
+            <a:fontRef idx="minor">
+              <a:schemeClr val="lt1"/>
+            </a:fontRef>
+          </p:style>
+          <p:txBody>
+            <a:bodyPr rtlCol="0" anchor="ctr"/>
+            <a:p>
+              <a:pPr algn="l"/>
+              <a:r>
+                <a:rPr lang="zh-CN" altLang="en-US" sz="1400" b="1" dirty="0" smtClean="0">
+                  <a:solidFill>
+                    <a:schemeClr val="bg1"/>
+                  </a:solidFill>
+                  <a:latin typeface="微软雅黑" panose="020B0503020204020204" pitchFamily="34" charset="-122"/>
+                  <a:ea typeface="微软雅黑" panose="020B0503020204020204" pitchFamily="34" charset="-122"/>
+                  <a:cs typeface="Segoe UI" panose="020B0502040204020203" pitchFamily="34" charset="0"/>
+                </a:rPr>
+                <a:t>特点：</a:t>
+              </a:r>
+              <a:endParaRPr lang="zh-CN" altLang="en-US" sz="1400" b="1" dirty="0" smtClean="0">
+                <a:solidFill>
+                  <a:schemeClr val="bg1"/>
+                </a:solidFill>
+                <a:latin typeface="微软雅黑" panose="020B0503020204020204" pitchFamily="34" charset="-122"/>
+                <a:ea typeface="微软雅黑" panose="020B0503020204020204" pitchFamily="34" charset="-122"/>
+                <a:cs typeface="Segoe UI" panose="020B0502040204020203" pitchFamily="34" charset="0"/>
+              </a:endParaRPr>
+            </a:p>
+          </p:txBody>
+        </p:sp>
+        <p:sp>
+          <p:nvSpPr>
+            <p:cNvPr id="6" name="矩形 5"/>
+            <p:cNvSpPr/>
+            <p:nvPr/>
+          </p:nvSpPr>
+          <p:spPr>
+            <a:xfrm>
+              <a:off x="3347864" y="1219928"/>
+              <a:ext cx="4752528" cy="275977"/>
+            </a:xfrm>
+            <a:prstGeom prst="rect">
+              <a:avLst/>
+            </a:prstGeom>
+            <a:solidFill>
+              <a:schemeClr val="bg1">
+                <a:lumMod val="85000"/>
+              </a:schemeClr>
+            </a:solidFill>
+            <a:ln>
+              <a:noFill/>
+            </a:ln>
+            <a:effectLst/>
+          </p:spPr>
+          <p:style>
+            <a:lnRef idx="2">
+              <a:schemeClr val="accent1">
+                <a:shade val="50000"/>
+              </a:schemeClr>
+            </a:lnRef>
+            <a:fillRef idx="1">
+              <a:schemeClr val="accent1"/>
+            </a:fillRef>
+            <a:effectRef idx="0">
+              <a:schemeClr val="accent1"/>
+            </a:effectRef>
+            <a:fontRef idx="minor">
+              <a:schemeClr val="lt1"/>
+            </a:fontRef>
+          </p:style>
+          <p:txBody>
+            <a:bodyPr rtlCol="0" anchor="ctr"/>
+            <a:p>
+              <a:pPr marL="285750" indent="-285750">
+                <a:buFont typeface="Wingdings" panose="05000000000000000000" pitchFamily="2" charset="2"/>
+                <a:buChar char="u"/>
+              </a:pPr>
+              <a:r>
+                <a:rPr lang="zh-CN" altLang="en-US" sz="1400" dirty="0">
+                  <a:solidFill>
+                    <a:schemeClr val="tx1"/>
+                  </a:solidFill>
+                  <a:latin typeface="微软雅黑" panose="020B0503020204020204" pitchFamily="34" charset="-122"/>
+                  <a:ea typeface="微软雅黑" panose="020B0503020204020204" pitchFamily="34" charset="-122"/>
+                  <a:cs typeface="微软雅黑" panose="020B0503020204020204" pitchFamily="34" charset="-122"/>
+                  <a:sym typeface="+mn-ea"/>
+                </a:rPr>
+                <a:t>支持实时、离线数据摄取</a:t>
+              </a:r>
+              <a:endParaRPr lang="en-US" altLang="zh-CN" sz="1400" dirty="0">
+                <a:solidFill>
+                  <a:schemeClr val="tx1"/>
+                </a:solidFill>
+                <a:latin typeface="微软雅黑" panose="020B0503020204020204" pitchFamily="34" charset="-122"/>
+                <a:ea typeface="微软雅黑" panose="020B0503020204020204" pitchFamily="34" charset="-122"/>
+                <a:cs typeface="微软雅黑" panose="020B0503020204020204" pitchFamily="34" charset="-122"/>
+              </a:endParaRPr>
+            </a:p>
+            <a:p>
+              <a:pPr marL="285750" indent="-285750">
+                <a:buFont typeface="Wingdings" panose="05000000000000000000" pitchFamily="2" charset="2"/>
+                <a:buChar char="u"/>
+              </a:pPr>
+              <a:r>
+                <a:rPr lang="zh-CN" altLang="en-US" sz="1400" dirty="0">
+                  <a:solidFill>
+                    <a:schemeClr val="tx1"/>
+                  </a:solidFill>
+                  <a:latin typeface="微软雅黑" panose="020B0503020204020204" pitchFamily="34" charset="-122"/>
+                  <a:ea typeface="微软雅黑" panose="020B0503020204020204" pitchFamily="34" charset="-122"/>
+                  <a:cs typeface="微软雅黑" panose="020B0503020204020204" pitchFamily="34" charset="-122"/>
+                  <a:sym typeface="+mn-ea"/>
+                </a:rPr>
+                <a:t>预计算</a:t>
+              </a:r>
+              <a:endParaRPr lang="zh-CN" altLang="zh-CN" sz="1400" dirty="0">
+                <a:solidFill>
+                  <a:schemeClr val="tx1"/>
+                </a:solidFill>
+                <a:latin typeface="微软雅黑" panose="020B0503020204020204" pitchFamily="34" charset="-122"/>
+                <a:ea typeface="微软雅黑" panose="020B0503020204020204" pitchFamily="34" charset="-122"/>
+                <a:cs typeface="微软雅黑" panose="020B0503020204020204" pitchFamily="34" charset="-122"/>
+              </a:endParaRPr>
+            </a:p>
+            <a:p>
+              <a:pPr marL="285750" indent="-285750">
+                <a:buFont typeface="Wingdings" panose="05000000000000000000" pitchFamily="2" charset="2"/>
+                <a:buChar char="u"/>
+              </a:pPr>
+              <a:r>
+                <a:rPr lang="zh-CN" altLang="en-US" sz="1400" dirty="0">
+                  <a:solidFill>
+                    <a:schemeClr val="tx1"/>
+                  </a:solidFill>
+                  <a:latin typeface="微软雅黑" panose="020B0503020204020204" pitchFamily="34" charset="-122"/>
+                  <a:ea typeface="微软雅黑" panose="020B0503020204020204" pitchFamily="34" charset="-122"/>
+                  <a:cs typeface="微软雅黑" panose="020B0503020204020204" pitchFamily="34" charset="-122"/>
+                  <a:sym typeface="+mn-ea"/>
+                </a:rPr>
+                <a:t>自动创建索引</a:t>
+              </a:r>
+              <a:r>
+                <a:rPr lang="en-US" altLang="zh-CN" sz="1400" dirty="0">
+                  <a:solidFill>
+                    <a:schemeClr val="tx1"/>
+                  </a:solidFill>
+                  <a:latin typeface="微软雅黑" panose="020B0503020204020204" pitchFamily="34" charset="-122"/>
+                  <a:ea typeface="微软雅黑" panose="020B0503020204020204" pitchFamily="34" charset="-122"/>
+                  <a:cs typeface="微软雅黑" panose="020B0503020204020204" pitchFamily="34" charset="-122"/>
+                  <a:sym typeface="+mn-ea"/>
+                </a:rPr>
+                <a:t>(</a:t>
+              </a:r>
+              <a:r>
+                <a:rPr lang="zh-CN" altLang="en-US" sz="1400" dirty="0">
+                  <a:solidFill>
+                    <a:schemeClr val="tx1"/>
+                  </a:solidFill>
+                  <a:latin typeface="微软雅黑" panose="020B0503020204020204" pitchFamily="34" charset="-122"/>
+                  <a:ea typeface="微软雅黑" panose="020B0503020204020204" pitchFamily="34" charset="-122"/>
+                  <a:cs typeface="微软雅黑" panose="020B0503020204020204" pitchFamily="34" charset="-122"/>
+                  <a:sym typeface="+mn-ea"/>
+                </a:rPr>
+                <a:t>基于时序</a:t>
+              </a:r>
+              <a:r>
+                <a:rPr lang="en-US" altLang="zh-CN" sz="1400" dirty="0">
+                  <a:solidFill>
+                    <a:schemeClr val="tx1"/>
+                  </a:solidFill>
+                  <a:latin typeface="微软雅黑" panose="020B0503020204020204" pitchFamily="34" charset="-122"/>
+                  <a:ea typeface="微软雅黑" panose="020B0503020204020204" pitchFamily="34" charset="-122"/>
+                  <a:cs typeface="微软雅黑" panose="020B0503020204020204" pitchFamily="34" charset="-122"/>
+                  <a:sym typeface="+mn-ea"/>
+                </a:rPr>
+                <a:t>)</a:t>
+              </a:r>
+              <a:endParaRPr lang="zh-CN" altLang="en-US" sz="1400" dirty="0">
+                <a:solidFill>
+                  <a:schemeClr val="tx1"/>
+                </a:solidFill>
+                <a:latin typeface="微软雅黑" panose="020B0503020204020204" pitchFamily="34" charset="-122"/>
+                <a:ea typeface="微软雅黑" panose="020B0503020204020204" pitchFamily="34" charset="-122"/>
+                <a:cs typeface="微软雅黑" panose="020B0503020204020204" pitchFamily="34" charset="-122"/>
+              </a:endParaRPr>
+            </a:p>
+            <a:p>
+              <a:pPr marL="285750" indent="-285750">
+                <a:buFont typeface="Wingdings" panose="05000000000000000000" pitchFamily="2" charset="2"/>
+                <a:buChar char="u"/>
+              </a:pPr>
+              <a:r>
+                <a:rPr lang="zh-CN" altLang="en-US" sz="1400" dirty="0">
+                  <a:solidFill>
+                    <a:schemeClr val="tx1"/>
+                  </a:solidFill>
+                  <a:latin typeface="微软雅黑" panose="020B0503020204020204" pitchFamily="34" charset="-122"/>
+                  <a:ea typeface="微软雅黑" panose="020B0503020204020204" pitchFamily="34" charset="-122"/>
+                  <a:cs typeface="微软雅黑" panose="020B0503020204020204" pitchFamily="34" charset="-122"/>
+                  <a:sym typeface="+mn-ea"/>
+                </a:rPr>
+                <a:t>缓存</a:t>
+              </a:r>
+              <a:endParaRPr lang="zh-CN" altLang="en-US" sz="1400" dirty="0">
+                <a:solidFill>
+                  <a:schemeClr val="tx1"/>
+                </a:solidFill>
+                <a:latin typeface="微软雅黑" panose="020B0503020204020204" pitchFamily="34" charset="-122"/>
+                <a:ea typeface="微软雅黑" panose="020B0503020204020204" pitchFamily="34" charset="-122"/>
+                <a:cs typeface="微软雅黑" panose="020B0503020204020204" pitchFamily="34" charset="-122"/>
+                <a:sym typeface="+mn-ea"/>
+              </a:endParaRPr>
+            </a:p>
+          </p:txBody>
+        </p:sp>
+      </p:grpSp>
       <p:pic>
         <p:nvPicPr>
           <p:cNvPr id="8" name="图片 7"/>
@@ -7068,105 +7570,6 @@
           </a:prstGeom>
         </p:spPr>
       </p:pic>
-      <p:sp>
-        <p:nvSpPr>
-          <p:cNvPr id="74" name="TextBox 53"/>
-          <p:cNvSpPr txBox="1"/>
-          <p:nvPr/>
-        </p:nvSpPr>
-        <p:spPr>
-          <a:xfrm>
-            <a:off x="679450" y="3096260"/>
-            <a:ext cx="6760210" cy="1599565"/>
-          </a:xfrm>
-          <a:prstGeom prst="rect">
-            <a:avLst/>
-          </a:prstGeom>
-          <a:noFill/>
-        </p:spPr>
-        <p:txBody>
-          <a:bodyPr wrap="square" rtlCol="0">
-            <a:spAutoFit/>
-          </a:bodyPr>
-          <a:p>
-            <a:pPr marL="285750" indent="-285750">
-              <a:buFont typeface="Wingdings" panose="05000000000000000000" pitchFamily="2" charset="2"/>
-              <a:buChar char="u"/>
-            </a:pPr>
-            <a:r>
-              <a:rPr lang="zh-CN" altLang="en-US" sz="1400" dirty="0"/>
-              <a:t>支持实时、离线数据摄取</a:t>
-            </a:r>
-            <a:endParaRPr lang="en-US" altLang="zh-CN" sz="1400" dirty="0"/>
-          </a:p>
-          <a:p>
-            <a:pPr marL="285750" indent="-285750">
-              <a:buFont typeface="Wingdings" panose="05000000000000000000" pitchFamily="2" charset="2"/>
-              <a:buChar char="u"/>
-            </a:pPr>
-            <a:endParaRPr lang="en-US" altLang="zh-CN" sz="1400" dirty="0"/>
-          </a:p>
-          <a:p>
-            <a:pPr marL="285750" indent="-285750">
-              <a:buFont typeface="Wingdings" panose="05000000000000000000" pitchFamily="2" charset="2"/>
-              <a:buChar char="u"/>
-            </a:pPr>
-            <a:r>
-              <a:rPr lang="zh-CN" altLang="en-US" sz="1400" dirty="0"/>
-              <a:t>预计算</a:t>
-            </a:r>
-            <a:endParaRPr lang="zh-CN" altLang="en-US" sz="1400" dirty="0"/>
-          </a:p>
-          <a:p>
-            <a:pPr marL="285750" indent="-285750">
-              <a:buFont typeface="Wingdings" panose="05000000000000000000" pitchFamily="2" charset="2"/>
-              <a:buChar char="u"/>
-            </a:pPr>
-            <a:endParaRPr lang="zh-CN" altLang="zh-CN" sz="1400" dirty="0"/>
-          </a:p>
-          <a:p>
-            <a:pPr marL="285750" indent="-285750">
-              <a:buFont typeface="Wingdings" panose="05000000000000000000" pitchFamily="2" charset="2"/>
-              <a:buChar char="u"/>
-            </a:pPr>
-            <a:r>
-              <a:rPr lang="zh-CN" altLang="en-US" sz="1400" dirty="0"/>
-              <a:t>自动创建索引</a:t>
-            </a:r>
-            <a:r>
-              <a:rPr lang="en-US" altLang="zh-CN" sz="1400" dirty="0"/>
-              <a:t>(</a:t>
-            </a:r>
-            <a:r>
-              <a:rPr lang="zh-CN" altLang="en-US" sz="1400" dirty="0"/>
-              <a:t>基于时序</a:t>
-            </a:r>
-            <a:r>
-              <a:rPr lang="en-US" altLang="zh-CN" sz="1400" dirty="0"/>
-              <a:t>)</a:t>
-            </a:r>
-            <a:endParaRPr lang="en-US" altLang="zh-CN" sz="1400" dirty="0"/>
-          </a:p>
-          <a:p>
-            <a:pPr marL="285750" indent="-285750">
-              <a:buFont typeface="Wingdings" panose="05000000000000000000" pitchFamily="2" charset="2"/>
-              <a:buChar char="u"/>
-            </a:pPr>
-            <a:endParaRPr lang="zh-CN" altLang="en-US" sz="1400" dirty="0"/>
-          </a:p>
-          <a:p>
-            <a:pPr marL="285750" indent="-285750">
-              <a:buFont typeface="Wingdings" panose="05000000000000000000" pitchFamily="2" charset="2"/>
-              <a:buChar char="u"/>
-            </a:pPr>
-            <a:r>
-              <a:rPr lang="zh-CN" altLang="en-US" sz="1400" dirty="0"/>
-              <a:t>缓存</a:t>
-            </a:r>
-            <a:endParaRPr lang="zh-CN" altLang="en-US" sz="1400" dirty="0"/>
-          </a:p>
-        </p:txBody>
-      </p:sp>
     </p:spTree>
   </p:cSld>
   <p:clrMapOvr>
@@ -7428,30 +7831,118 @@
                             </p:childTnLst>
                           </p:cTn>
                         </p:par>
-                      </p:childTnLst>
-                    </p:cTn>
-                  </p:par>
-                  <p:par>
-                    <p:cTn id="17" fill="hold">
-                      <p:stCondLst>
-                        <p:cond delay="indefinite"/>
-                      </p:stCondLst>
-                      <p:childTnLst>
                         <p:par>
-                          <p:cTn id="18" fill="hold">
+                          <p:cTn id="17" fill="hold">
                             <p:stCondLst>
-                              <p:cond delay="0"/>
+                              <p:cond delay="1240"/>
                             </p:stCondLst>
                             <p:childTnLst>
                               <p:par>
-                                <p:cTn id="19" presetID="3" presetClass="entr" presetSubtype="10" fill="hold" nodeType="clickEffect">
+                                <p:cTn id="18" presetID="22" presetClass="entr" presetSubtype="8" fill="hold" nodeType="afterEffect">
                                   <p:stCondLst>
                                     <p:cond delay="0"/>
                                   </p:stCondLst>
                                   <p:childTnLst>
                                     <p:set>
                                       <p:cBhvr>
-                                        <p:cTn id="20" dur="1" fill="hold">
+                                        <p:cTn id="19" dur="1" fill="hold">
+                                          <p:stCondLst>
+                                            <p:cond delay="0"/>
+                                          </p:stCondLst>
+                                        </p:cTn>
+                                        <p:tgtEl>
+                                          <p:spTgt spid="26"/>
+                                        </p:tgtEl>
+                                        <p:attrNameLst>
+                                          <p:attrName>style.visibility</p:attrName>
+                                        </p:attrNameLst>
+                                      </p:cBhvr>
+                                      <p:to>
+                                        <p:strVal val="visible"/>
+                                      </p:to>
+                                    </p:set>
+                                    <p:animEffect transition="in" filter="wipe(left)">
+                                      <p:cBhvr>
+                                        <p:cTn id="20" dur="500"/>
+                                        <p:tgtEl>
+                                          <p:spTgt spid="26"/>
+                                        </p:tgtEl>
+                                      </p:cBhvr>
+                                    </p:animEffect>
+                                  </p:childTnLst>
+                                </p:cTn>
+                              </p:par>
+                            </p:childTnLst>
+                          </p:cTn>
+                        </p:par>
+                        <p:par>
+                          <p:cTn id="21" fill="hold">
+                            <p:stCondLst>
+                              <p:cond delay="1740"/>
+                            </p:stCondLst>
+                            <p:childTnLst>
+                              <p:par>
+                                <p:cTn id="22" presetID="22" presetClass="entr" presetSubtype="8" fill="hold" nodeType="afterEffect">
+                                  <p:stCondLst>
+                                    <p:cond delay="0"/>
+                                  </p:stCondLst>
+                                  <p:childTnLst>
+                                    <p:set>
+                                      <p:cBhvr>
+                                        <p:cTn id="23" dur="1" fill="hold">
+                                          <p:stCondLst>
+                                            <p:cond delay="0"/>
+                                          </p:stCondLst>
+                                        </p:cTn>
+                                        <p:tgtEl>
+                                          <p:spTgt spid="4"/>
+                                        </p:tgtEl>
+                                        <p:attrNameLst>
+                                          <p:attrName>style.visibility</p:attrName>
+                                        </p:attrNameLst>
+                                      </p:cBhvr>
+                                      <p:to>
+                                        <p:strVal val="visible"/>
+                                      </p:to>
+                                    </p:set>
+                                    <p:animEffect transition="in" filter="wipe(left)">
+                                      <p:cBhvr>
+                                        <p:cTn id="24" dur="500"/>
+                                        <p:tgtEl>
+                                          <p:spTgt spid="4"/>
+                                        </p:tgtEl>
+                                      </p:cBhvr>
+                                    </p:animEffect>
+                                  </p:childTnLst>
+                                </p:cTn>
+                              </p:par>
+                            </p:childTnLst>
+                          </p:cTn>
+                        </p:par>
+                      </p:childTnLst>
+                    </p:cTn>
+                  </p:par>
+                  <p:par>
+                    <p:cTn id="25" fill="hold">
+                      <p:stCondLst>
+                        <p:cond delay="indefinite"/>
+                      </p:stCondLst>
+                      <p:childTnLst>
+                        <p:par>
+                          <p:cTn id="26" fill="hold">
+                            <p:stCondLst>
+                              <p:cond delay="0"/>
+                            </p:stCondLst>
+                            <p:childTnLst>
+                              <p:par>
+                                <p:cTn id="27" presetID="3" presetClass="entr" presetSubtype="10" fill="hold" nodeType="clickEffect">
+                                  <p:stCondLst>
+                                    <p:cond delay="0"/>
+                                  </p:stCondLst>
+                                  <p:childTnLst>
+                                    <p:set>
+                                      <p:cBhvr>
+                                        <p:cTn id="28" dur="1" fill="hold">
                                           <p:stCondLst>
                                             <p:cond delay="0"/>
                                           </p:stCondLst>
@@ -7469,62 +7960,9 @@
                                     </p:set>
                                     <p:animEffect transition="in" filter="blinds(horizontal)">
                                       <p:cBhvr>
-                                        <p:cTn id="21" dur="500"/>
+                                        <p:cTn id="29" dur="500"/>
                                         <p:tgtEl>
                                           <p:spTgt spid="8"/>
-                                        </p:tgtEl>
-                                      </p:cBhvr>
-                                    </p:animEffect>
-                                  </p:childTnLst>
-                                </p:cTn>
-                              </p:par>
-                            </p:childTnLst>
-                          </p:cTn>
-                        </p:par>
-                      </p:childTnLst>
-                    </p:cTn>
-                  </p:par>
-                  <p:par>
-                    <p:cTn id="22" fill="hold">
-                      <p:stCondLst>
-                        <p:cond delay="indefinite"/>
-                      </p:stCondLst>
-                      <p:childTnLst>
-                        <p:par>
-                          <p:cTn id="23" fill="hold">
-                            <p:stCondLst>
-                              <p:cond delay="0"/>
-                            </p:stCondLst>
-                            <p:childTnLst>
-                              <p:par>
-                                <p:cTn id="24" presetID="3" presetClass="entr" presetSubtype="10" fill="hold" grpId="0" nodeType="clickEffect">
-                                  <p:stCondLst>
-                                    <p:cond delay="0"/>
-                                  </p:stCondLst>
-                                  <p:childTnLst>
-                                    <p:set>
-                                      <p:cBhvr>
-                                        <p:cTn id="25" dur="1" fill="hold">
-                                          <p:stCondLst>
-                                            <p:cond delay="0"/>
-                                          </p:stCondLst>
-                                        </p:cTn>
-                                        <p:tgtEl>
-                                          <p:spTgt spid="74"/>
-                                        </p:tgtEl>
-                                        <p:attrNameLst>
-                                          <p:attrName>style.visibility</p:attrName>
-                                        </p:attrNameLst>
-                                      </p:cBhvr>
-                                      <p:to>
-                                        <p:strVal val="visible"/>
-                                      </p:to>
-                                    </p:set>
-                                    <p:animEffect transition="in" filter="blinds(horizontal)">
-                                      <p:cBhvr>
-                                        <p:cTn id="26" dur="500"/>
-                                        <p:tgtEl>
-                                          <p:spTgt spid="74"/>
                                         </p:tgtEl>
                                       </p:cBhvr>
                                     </p:animEffect>
@@ -7560,7 +7998,6 @@
     </p:tnLst>
     <p:bldLst>
       <p:bldP spid="14" grpId="0"/>
-      <p:bldP spid="74" grpId="0"/>
     </p:bldLst>
   </p:timing>
 </p:sld>
@@ -7909,6 +8346,8 @@
                       </a:pPr>
                       <a:endParaRPr lang="zh-CN" sz="1200" kern="100" dirty="0">
                         <a:effectLst/>
+                        <a:latin typeface="微软雅黑" panose="020B0503020204020204" pitchFamily="34" charset="-122"/>
+                        <a:ea typeface="微软雅黑" panose="020B0503020204020204" pitchFamily="34" charset="-122"/>
                       </a:endParaRPr>
                     </a:p>
                     <a:p>
@@ -7920,9 +8359,10 @@
                           <a:spcPts val="0"/>
                         </a:spcAft>
                       </a:pPr>
-                      <a:endParaRPr lang="zh-CN" sz="1200" dirty="0">
+                      <a:endParaRPr lang="zh-CN" sz="1200" kern="100" dirty="0">
                         <a:effectLst/>
-                        <a:latin typeface="Times New Roman" panose="02020603050405020304" pitchFamily="18" charset="0"/>
+                        <a:latin typeface="微软雅黑" panose="020B0503020204020204" pitchFamily="34" charset="-122"/>
+                        <a:ea typeface="微软雅黑" panose="020B0503020204020204" pitchFamily="34" charset="-122"/>
                       </a:endParaRPr>
                     </a:p>
                   </a:txBody>
@@ -7943,13 +8383,15 @@
                       <a:r>
                         <a:rPr lang="en-US" sz="1200" kern="100">
                           <a:effectLst/>
+                          <a:latin typeface="微软雅黑" panose="020B0503020204020204" pitchFamily="34" charset="-122"/>
+                          <a:ea typeface="微软雅黑" panose="020B0503020204020204" pitchFamily="34" charset="-122"/>
                         </a:rPr>
                         <a:t>Hive</a:t>
                       </a:r>
                       <a:endParaRPr lang="en-US" sz="1200" kern="100">
                         <a:effectLst/>
-                        <a:latin typeface="Times New Roman" panose="02020603050405020304" pitchFamily="18" charset="0"/>
-                        <a:ea typeface="宋体" panose="02010600030101010101" pitchFamily="2" charset="-122"/>
+                        <a:latin typeface="微软雅黑" panose="020B0503020204020204" pitchFamily="34" charset="-122"/>
+                        <a:ea typeface="微软雅黑" panose="020B0503020204020204" pitchFamily="34" charset="-122"/>
                       </a:endParaRPr>
                     </a:p>
                   </a:txBody>
@@ -7970,13 +8412,15 @@
                       <a:r>
                         <a:rPr lang="en-US" sz="1200" kern="100">
                           <a:effectLst/>
+                          <a:latin typeface="微软雅黑" panose="020B0503020204020204" pitchFamily="34" charset="-122"/>
+                          <a:ea typeface="微软雅黑" panose="020B0503020204020204" pitchFamily="34" charset="-122"/>
                         </a:rPr>
                         <a:t>Presto</a:t>
                       </a:r>
                       <a:endParaRPr lang="en-US" sz="1200" kern="100">
                         <a:effectLst/>
-                        <a:latin typeface="Times New Roman" panose="02020603050405020304" pitchFamily="18" charset="0"/>
-                        <a:ea typeface="宋体" panose="02010600030101010101" pitchFamily="2" charset="-122"/>
+                        <a:latin typeface="微软雅黑" panose="020B0503020204020204" pitchFamily="34" charset="-122"/>
+                        <a:ea typeface="微软雅黑" panose="020B0503020204020204" pitchFamily="34" charset="-122"/>
                       </a:endParaRPr>
                     </a:p>
                   </a:txBody>
@@ -7997,13 +8441,15 @@
                       <a:r>
                         <a:rPr lang="en-US" sz="1200" kern="100">
                           <a:effectLst/>
+                          <a:latin typeface="微软雅黑" panose="020B0503020204020204" pitchFamily="34" charset="-122"/>
+                          <a:ea typeface="微软雅黑" panose="020B0503020204020204" pitchFamily="34" charset="-122"/>
                         </a:rPr>
                         <a:t>Druid</a:t>
                       </a:r>
                       <a:endParaRPr lang="en-US" sz="1200" kern="100">
                         <a:effectLst/>
-                        <a:latin typeface="Times New Roman" panose="02020603050405020304" pitchFamily="18" charset="0"/>
-                        <a:ea typeface="宋体" panose="02010600030101010101" pitchFamily="2" charset="-122"/>
+                        <a:latin typeface="微软雅黑" panose="020B0503020204020204" pitchFamily="34" charset="-122"/>
+                        <a:ea typeface="微软雅黑" panose="020B0503020204020204" pitchFamily="34" charset="-122"/>
                       </a:endParaRPr>
                     </a:p>
                   </a:txBody>
@@ -8026,13 +8472,15 @@
                       <a:r>
                         <a:rPr lang="en-US" sz="1200" kern="100">
                           <a:effectLst/>
+                          <a:latin typeface="微软雅黑" panose="020B0503020204020204" pitchFamily="34" charset="-122"/>
+                          <a:ea typeface="微软雅黑" panose="020B0503020204020204" pitchFamily="34" charset="-122"/>
                         </a:rPr>
                         <a:t>SQL</a:t>
                       </a:r>
                       <a:endParaRPr lang="en-US" sz="1200" kern="100">
                         <a:effectLst/>
-                        <a:latin typeface="Times New Roman" panose="02020603050405020304" pitchFamily="18" charset="0"/>
-                        <a:ea typeface="宋体" panose="02010600030101010101" pitchFamily="2" charset="-122"/>
+                        <a:latin typeface="微软雅黑" panose="020B0503020204020204" pitchFamily="34" charset="-122"/>
+                        <a:ea typeface="微软雅黑" panose="020B0503020204020204" pitchFamily="34" charset="-122"/>
                       </a:endParaRPr>
                     </a:p>
                   </a:txBody>
@@ -8053,13 +8501,15 @@
                       <a:r>
                         <a:rPr lang="en-US" sz="1200" kern="100">
                           <a:effectLst/>
+                          <a:latin typeface="微软雅黑" panose="020B0503020204020204" pitchFamily="34" charset="-122"/>
+                          <a:ea typeface="微软雅黑" panose="020B0503020204020204" pitchFamily="34" charset="-122"/>
                         </a:rPr>
                         <a:t>HQL</a:t>
                       </a:r>
                       <a:endParaRPr lang="en-US" sz="1200" kern="100">
                         <a:effectLst/>
-                        <a:latin typeface="Times New Roman" panose="02020603050405020304" pitchFamily="18" charset="0"/>
-                        <a:ea typeface="宋体" panose="02010600030101010101" pitchFamily="2" charset="-122"/>
+                        <a:latin typeface="微软雅黑" panose="020B0503020204020204" pitchFamily="34" charset="-122"/>
+                        <a:ea typeface="微软雅黑" panose="020B0503020204020204" pitchFamily="34" charset="-122"/>
                       </a:endParaRPr>
                     </a:p>
                   </a:txBody>
@@ -8080,13 +8530,15 @@
                       <a:r>
                         <a:rPr lang="en-US" sz="1200" kern="100">
                           <a:effectLst/>
+                          <a:latin typeface="微软雅黑" panose="020B0503020204020204" pitchFamily="34" charset="-122"/>
+                          <a:ea typeface="微软雅黑" panose="020B0503020204020204" pitchFamily="34" charset="-122"/>
                         </a:rPr>
                         <a:t>ANSI SQL</a:t>
                       </a:r>
                       <a:endParaRPr lang="en-US" sz="1200" kern="100">
                         <a:effectLst/>
-                        <a:latin typeface="Times New Roman" panose="02020603050405020304" pitchFamily="18" charset="0"/>
-                        <a:ea typeface="宋体" panose="02010600030101010101" pitchFamily="2" charset="-122"/>
+                        <a:latin typeface="微软雅黑" panose="020B0503020204020204" pitchFamily="34" charset="-122"/>
+                        <a:ea typeface="微软雅黑" panose="020B0503020204020204" pitchFamily="34" charset="-122"/>
                       </a:endParaRPr>
                     </a:p>
                   </a:txBody>
@@ -8107,19 +8559,26 @@
                       <a:r>
                         <a:rPr lang="zh-CN" sz="1200" kern="100">
                           <a:effectLst/>
+                          <a:latin typeface="微软雅黑" panose="020B0503020204020204" pitchFamily="34" charset="-122"/>
+                          <a:ea typeface="微软雅黑" panose="020B0503020204020204" pitchFamily="34" charset="-122"/>
+                          <a:cs typeface="微软雅黑" panose="020B0503020204020204" pitchFamily="34" charset="-122"/>
                         </a:rPr>
                         <a:t>部分</a:t>
                       </a:r>
                       <a:r>
                         <a:rPr lang="en-US" sz="1200" kern="100">
                           <a:effectLst/>
+                          <a:latin typeface="微软雅黑" panose="020B0503020204020204" pitchFamily="34" charset="-122"/>
+                          <a:ea typeface="微软雅黑" panose="020B0503020204020204" pitchFamily="34" charset="-122"/>
+                          <a:cs typeface="微软雅黑" panose="020B0503020204020204" pitchFamily="34" charset="-122"/>
                         </a:rPr>
                         <a:t>SQL</a:t>
                       </a:r>
                       <a:endParaRPr lang="zh-CN" sz="1200" kern="100">
                         <a:effectLst/>
-                        <a:latin typeface="Times New Roman" panose="02020603050405020304" pitchFamily="18" charset="0"/>
-                        <a:ea typeface="宋体" panose="02010600030101010101" pitchFamily="2" charset="-122"/>
+                        <a:latin typeface="微软雅黑" panose="020B0503020204020204" pitchFamily="34" charset="-122"/>
+                        <a:ea typeface="微软雅黑" panose="020B0503020204020204" pitchFamily="34" charset="-122"/>
+                        <a:cs typeface="微软雅黑" panose="020B0503020204020204" pitchFamily="34" charset="-122"/>
                       </a:endParaRPr>
                     </a:p>
                   </a:txBody>
@@ -8142,13 +8601,15 @@
                       <a:r>
                         <a:rPr lang="zh-CN" sz="1200" kern="100">
                           <a:effectLst/>
+                          <a:latin typeface="微软雅黑" panose="020B0503020204020204" pitchFamily="34" charset="-122"/>
+                          <a:ea typeface="微软雅黑" panose="020B0503020204020204" pitchFamily="34" charset="-122"/>
                         </a:rPr>
                         <a:t>数据源</a:t>
                       </a:r>
                       <a:endParaRPr lang="zh-CN" sz="1200" kern="100">
                         <a:effectLst/>
-                        <a:latin typeface="Times New Roman" panose="02020603050405020304" pitchFamily="18" charset="0"/>
-                        <a:ea typeface="宋体" panose="02010600030101010101" pitchFamily="2" charset="-122"/>
+                        <a:latin typeface="微软雅黑" panose="020B0503020204020204" pitchFamily="34" charset="-122"/>
+                        <a:ea typeface="微软雅黑" panose="020B0503020204020204" pitchFamily="34" charset="-122"/>
                       </a:endParaRPr>
                     </a:p>
                   </a:txBody>
@@ -8169,13 +8630,15 @@
                       <a:r>
                         <a:rPr lang="en-US" sz="1200" kern="100">
                           <a:effectLst/>
+                          <a:latin typeface="微软雅黑" panose="020B0503020204020204" pitchFamily="34" charset="-122"/>
+                          <a:ea typeface="微软雅黑" panose="020B0503020204020204" pitchFamily="34" charset="-122"/>
                         </a:rPr>
                         <a:t>HDFS</a:t>
                       </a:r>
                       <a:endParaRPr lang="en-US" sz="1200" kern="100">
                         <a:effectLst/>
-                        <a:latin typeface="Times New Roman" panose="02020603050405020304" pitchFamily="18" charset="0"/>
-                        <a:ea typeface="宋体" panose="02010600030101010101" pitchFamily="2" charset="-122"/>
+                        <a:latin typeface="微软雅黑" panose="020B0503020204020204" pitchFamily="34" charset="-122"/>
+                        <a:ea typeface="微软雅黑" panose="020B0503020204020204" pitchFamily="34" charset="-122"/>
                       </a:endParaRPr>
                     </a:p>
                   </a:txBody>
@@ -8196,19 +8659,26 @@
                       <a:r>
                         <a:rPr lang="en-US" sz="1200" kern="100">
                           <a:effectLst/>
+                          <a:latin typeface="微软雅黑" panose="020B0503020204020204" pitchFamily="34" charset="-122"/>
+                          <a:ea typeface="微软雅黑" panose="020B0503020204020204" pitchFamily="34" charset="-122"/>
+                          <a:cs typeface="微软雅黑" panose="020B0503020204020204" pitchFamily="34" charset="-122"/>
                         </a:rPr>
                         <a:t>Hive/RDB/NoSQL/Redis</a:t>
                       </a:r>
                       <a:r>
                         <a:rPr lang="zh-CN" altLang="en-US" sz="1200" kern="100">
                           <a:effectLst/>
+                          <a:latin typeface="微软雅黑" panose="020B0503020204020204" pitchFamily="34" charset="-122"/>
+                          <a:ea typeface="微软雅黑" panose="020B0503020204020204" pitchFamily="34" charset="-122"/>
+                          <a:cs typeface="微软雅黑" panose="020B0503020204020204" pitchFamily="34" charset="-122"/>
                         </a:rPr>
                         <a:t>等</a:t>
                       </a:r>
                       <a:endParaRPr lang="zh-CN" altLang="en-US" sz="1200" kern="100">
                         <a:effectLst/>
-                        <a:latin typeface="Times New Roman" panose="02020603050405020304" pitchFamily="18" charset="0"/>
-                        <a:ea typeface="宋体" panose="02010600030101010101" pitchFamily="2" charset="-122"/>
+                        <a:latin typeface="微软雅黑" panose="020B0503020204020204" pitchFamily="34" charset="-122"/>
+                        <a:ea typeface="微软雅黑" panose="020B0503020204020204" pitchFamily="34" charset="-122"/>
+                        <a:cs typeface="微软雅黑" panose="020B0503020204020204" pitchFamily="34" charset="-122"/>
                       </a:endParaRPr>
                     </a:p>
                   </a:txBody>
@@ -8229,19 +8699,26 @@
                       <a:r>
                         <a:rPr lang="en-US" sz="1200" kern="100">
                           <a:effectLst/>
+                          <a:latin typeface="微软雅黑" panose="020B0503020204020204" pitchFamily="34" charset="-122"/>
+                          <a:ea typeface="微软雅黑" panose="020B0503020204020204" pitchFamily="34" charset="-122"/>
+                          <a:cs typeface="微软雅黑" panose="020B0503020204020204" pitchFamily="34" charset="-122"/>
                         </a:rPr>
                         <a:t>Kafka</a:t>
                       </a:r>
                       <a:r>
                         <a:rPr lang="zh-CN" sz="1200" kern="100">
                           <a:effectLst/>
+                          <a:latin typeface="微软雅黑" panose="020B0503020204020204" pitchFamily="34" charset="-122"/>
+                          <a:ea typeface="微软雅黑" panose="020B0503020204020204" pitchFamily="34" charset="-122"/>
+                          <a:cs typeface="微软雅黑" panose="020B0503020204020204" pitchFamily="34" charset="-122"/>
                         </a:rPr>
                         <a:t>等流数据</a:t>
                       </a:r>
                       <a:endParaRPr lang="zh-CN" sz="1200" kern="100">
                         <a:effectLst/>
-                        <a:latin typeface="Times New Roman" panose="02020603050405020304" pitchFamily="18" charset="0"/>
-                        <a:ea typeface="宋体" panose="02010600030101010101" pitchFamily="2" charset="-122"/>
+                        <a:latin typeface="微软雅黑" panose="020B0503020204020204" pitchFamily="34" charset="-122"/>
+                        <a:ea typeface="微软雅黑" panose="020B0503020204020204" pitchFamily="34" charset="-122"/>
+                        <a:cs typeface="微软雅黑" panose="020B0503020204020204" pitchFamily="34" charset="-122"/>
                       </a:endParaRPr>
                     </a:p>
                   </a:txBody>
@@ -8264,13 +8741,15 @@
                       <a:r>
                         <a:rPr lang="zh-CN" sz="1200" kern="100">
                           <a:effectLst/>
+                          <a:latin typeface="微软雅黑" panose="020B0503020204020204" pitchFamily="34" charset="-122"/>
+                          <a:ea typeface="微软雅黑" panose="020B0503020204020204" pitchFamily="34" charset="-122"/>
                         </a:rPr>
                         <a:t>核心思想</a:t>
                       </a:r>
                       <a:endParaRPr lang="zh-CN" sz="1200" kern="100">
                         <a:effectLst/>
-                        <a:latin typeface="Times New Roman" panose="02020603050405020304" pitchFamily="18" charset="0"/>
-                        <a:ea typeface="宋体" panose="02010600030101010101" pitchFamily="2" charset="-122"/>
+                        <a:latin typeface="微软雅黑" panose="020B0503020204020204" pitchFamily="34" charset="-122"/>
+                        <a:ea typeface="微软雅黑" panose="020B0503020204020204" pitchFamily="34" charset="-122"/>
                       </a:endParaRPr>
                     </a:p>
                   </a:txBody>
@@ -8291,25 +8770,35 @@
                       <a:r>
                         <a:rPr lang="zh-CN" sz="1200" kern="100">
                           <a:effectLst/>
+                          <a:latin typeface="微软雅黑" panose="020B0503020204020204" pitchFamily="34" charset="-122"/>
+                          <a:ea typeface="微软雅黑" panose="020B0503020204020204" pitchFamily="34" charset="-122"/>
+                          <a:cs typeface="微软雅黑" panose="020B0503020204020204" pitchFamily="34" charset="-122"/>
                         </a:rPr>
                         <a:t>表与</a:t>
                       </a:r>
                       <a:r>
                         <a:rPr lang="en-US" altLang="zh-CN" sz="1200" kern="100">
                           <a:effectLst/>
+                          <a:latin typeface="微软雅黑" panose="020B0503020204020204" pitchFamily="34" charset="-122"/>
+                          <a:ea typeface="微软雅黑" panose="020B0503020204020204" pitchFamily="34" charset="-122"/>
+                          <a:cs typeface="微软雅黑" panose="020B0503020204020204" pitchFamily="34" charset="-122"/>
                         </a:rPr>
                         <a:t>HDFS</a:t>
                       </a:r>
                       <a:r>
                         <a:rPr lang="zh-CN" altLang="en-US" sz="1200" kern="100">
                           <a:effectLst/>
+                          <a:latin typeface="微软雅黑" panose="020B0503020204020204" pitchFamily="34" charset="-122"/>
+                          <a:ea typeface="微软雅黑" panose="020B0503020204020204" pitchFamily="34" charset="-122"/>
+                          <a:cs typeface="微软雅黑" panose="020B0503020204020204" pitchFamily="34" charset="-122"/>
                         </a:rPr>
                         <a:t>的映射</a:t>
                       </a:r>
                       <a:endParaRPr lang="zh-CN" altLang="en-US" sz="1200" kern="100">
                         <a:effectLst/>
-                        <a:latin typeface="Times New Roman" panose="02020603050405020304" pitchFamily="18" charset="0"/>
-                        <a:ea typeface="宋体" panose="02010600030101010101" pitchFamily="2" charset="-122"/>
+                        <a:latin typeface="微软雅黑" panose="020B0503020204020204" pitchFamily="34" charset="-122"/>
+                        <a:ea typeface="微软雅黑" panose="020B0503020204020204" pitchFamily="34" charset="-122"/>
+                        <a:cs typeface="微软雅黑" panose="020B0503020204020204" pitchFamily="34" charset="-122"/>
                       </a:endParaRPr>
                     </a:p>
                   </a:txBody>
@@ -8330,13 +8819,15 @@
                       <a:r>
                         <a:rPr lang="zh-CN" sz="1200" kern="100">
                           <a:effectLst/>
+                          <a:latin typeface="微软雅黑" panose="020B0503020204020204" pitchFamily="34" charset="-122"/>
+                          <a:ea typeface="微软雅黑" panose="020B0503020204020204" pitchFamily="34" charset="-122"/>
                         </a:rPr>
-                        <a:t>基于内存，拉数据、不做存储</a:t>
+                        <a:t>基于内存的流式计算，不做存储</a:t>
                       </a:r>
                       <a:endParaRPr lang="zh-CN" sz="1200" kern="100">
                         <a:effectLst/>
-                        <a:latin typeface="Times New Roman" panose="02020603050405020304" pitchFamily="18" charset="0"/>
-                        <a:ea typeface="宋体" panose="02010600030101010101" pitchFamily="2" charset="-122"/>
+                        <a:latin typeface="微软雅黑" panose="020B0503020204020204" pitchFamily="34" charset="-122"/>
+                        <a:ea typeface="微软雅黑" panose="020B0503020204020204" pitchFamily="34" charset="-122"/>
                       </a:endParaRPr>
                     </a:p>
                   </a:txBody>
@@ -8357,13 +8848,15 @@
                       <a:r>
                         <a:rPr lang="zh-CN" sz="1200" kern="100">
                           <a:effectLst/>
+                          <a:latin typeface="微软雅黑" panose="020B0503020204020204" pitchFamily="34" charset="-122"/>
+                          <a:ea typeface="微软雅黑" panose="020B0503020204020204" pitchFamily="34" charset="-122"/>
                         </a:rPr>
                         <a:t>基于时序数据存储、查询</a:t>
                       </a:r>
                       <a:endParaRPr lang="zh-CN" sz="1200" kern="100">
                         <a:effectLst/>
-                        <a:latin typeface="Times New Roman" panose="02020603050405020304" pitchFamily="18" charset="0"/>
-                        <a:ea typeface="宋体" panose="02010600030101010101" pitchFamily="2" charset="-122"/>
+                        <a:latin typeface="微软雅黑" panose="020B0503020204020204" pitchFamily="34" charset="-122"/>
+                        <a:ea typeface="微软雅黑" panose="020B0503020204020204" pitchFamily="34" charset="-122"/>
                       </a:endParaRPr>
                     </a:p>
                   </a:txBody>
@@ -8386,13 +8879,15 @@
                       <a:r>
                         <a:rPr lang="zh-CN" sz="1200" kern="100">
                           <a:effectLst/>
+                          <a:latin typeface="微软雅黑" panose="020B0503020204020204" pitchFamily="34" charset="-122"/>
+                          <a:ea typeface="微软雅黑" panose="020B0503020204020204" pitchFamily="34" charset="-122"/>
                         </a:rPr>
                         <a:t>计算框架</a:t>
                       </a:r>
                       <a:endParaRPr lang="zh-CN" sz="1200" kern="100">
                         <a:effectLst/>
-                        <a:latin typeface="Times New Roman" panose="02020603050405020304" pitchFamily="18" charset="0"/>
-                        <a:ea typeface="宋体" panose="02010600030101010101" pitchFamily="2" charset="-122"/>
+                        <a:latin typeface="微软雅黑" panose="020B0503020204020204" pitchFamily="34" charset="-122"/>
+                        <a:ea typeface="微软雅黑" panose="020B0503020204020204" pitchFamily="34" charset="-122"/>
                       </a:endParaRPr>
                     </a:p>
                   </a:txBody>
@@ -8413,13 +8908,15 @@
                       <a:r>
                         <a:rPr lang="en-US" sz="1200" kern="100">
                           <a:effectLst/>
+                          <a:latin typeface="微软雅黑" panose="020B0503020204020204" pitchFamily="34" charset="-122"/>
+                          <a:ea typeface="微软雅黑" panose="020B0503020204020204" pitchFamily="34" charset="-122"/>
                         </a:rPr>
                         <a:t>MR</a:t>
                       </a:r>
                       <a:endParaRPr lang="en-US" sz="1200" kern="100">
                         <a:effectLst/>
-                        <a:latin typeface="Times New Roman" panose="02020603050405020304" pitchFamily="18" charset="0"/>
-                        <a:ea typeface="宋体" panose="02010600030101010101" pitchFamily="2" charset="-122"/>
+                        <a:latin typeface="微软雅黑" panose="020B0503020204020204" pitchFamily="34" charset="-122"/>
+                        <a:ea typeface="微软雅黑" panose="020B0503020204020204" pitchFamily="34" charset="-122"/>
                       </a:endParaRPr>
                     </a:p>
                   </a:txBody>
@@ -8438,15 +8935,17 @@
                         </a:spcAft>
                       </a:pPr>
                       <a:r>
-                        <a:rPr lang="zh-CN" sz="1200" kern="100">
+                        <a:rPr lang="en-US" altLang="zh-CN" sz="1200" kern="100">
                           <a:effectLst/>
+                          <a:latin typeface="微软雅黑" panose="020B0503020204020204" pitchFamily="34" charset="-122"/>
+                          <a:ea typeface="微软雅黑" panose="020B0503020204020204" pitchFamily="34" charset="-122"/>
                         </a:rPr>
-                        <a:t>自带</a:t>
+                        <a:t>DAG</a:t>
                       </a:r>
-                      <a:endParaRPr lang="zh-CN" sz="1200" kern="100">
+                      <a:endParaRPr lang="en-US" altLang="zh-CN" sz="1200" kern="100">
                         <a:effectLst/>
-                        <a:latin typeface="Times New Roman" panose="02020603050405020304" pitchFamily="18" charset="0"/>
-                        <a:ea typeface="宋体" panose="02010600030101010101" pitchFamily="2" charset="-122"/>
+                        <a:latin typeface="微软雅黑" panose="020B0503020204020204" pitchFamily="34" charset="-122"/>
+                        <a:ea typeface="微软雅黑" panose="020B0503020204020204" pitchFamily="34" charset="-122"/>
                       </a:endParaRPr>
                     </a:p>
                   </a:txBody>
@@ -8465,15 +8964,17 @@
                         </a:spcAft>
                       </a:pPr>
                       <a:r>
-                        <a:rPr lang="zh-CN" sz="1200" kern="100">
+                        <a:rPr lang="en-US" altLang="zh-CN" sz="1200" kern="100">
                           <a:effectLst/>
+                          <a:latin typeface="微软雅黑" panose="020B0503020204020204" pitchFamily="34" charset="-122"/>
+                          <a:ea typeface="微软雅黑" panose="020B0503020204020204" pitchFamily="34" charset="-122"/>
                         </a:rPr>
-                        <a:t>自带</a:t>
+                        <a:t>DAG</a:t>
                       </a:r>
-                      <a:endParaRPr lang="zh-CN" sz="1200" kern="100">
+                      <a:endParaRPr lang="en-US" altLang="zh-CN" sz="1200" kern="100">
                         <a:effectLst/>
-                        <a:latin typeface="Times New Roman" panose="02020603050405020304" pitchFamily="18" charset="0"/>
-                        <a:ea typeface="宋体" panose="02010600030101010101" pitchFamily="2" charset="-122"/>
+                        <a:latin typeface="微软雅黑" panose="020B0503020204020204" pitchFamily="34" charset="-122"/>
+                        <a:ea typeface="微软雅黑" panose="020B0503020204020204" pitchFamily="34" charset="-122"/>
                       </a:endParaRPr>
                     </a:p>
                   </a:txBody>
@@ -8496,13 +8997,15 @@
                       <a:r>
                         <a:rPr lang="zh-CN" sz="1200" kern="100">
                           <a:effectLst/>
+                          <a:latin typeface="微软雅黑" panose="020B0503020204020204" pitchFamily="34" charset="-122"/>
+                          <a:ea typeface="微软雅黑" panose="020B0503020204020204" pitchFamily="34" charset="-122"/>
                         </a:rPr>
                         <a:t>亮点</a:t>
                       </a:r>
                       <a:endParaRPr lang="zh-CN" sz="1200" kern="100">
                         <a:effectLst/>
-                        <a:latin typeface="Times New Roman" panose="02020603050405020304" pitchFamily="18" charset="0"/>
-                        <a:ea typeface="宋体" panose="02010600030101010101" pitchFamily="2" charset="-122"/>
+                        <a:latin typeface="微软雅黑" panose="020B0503020204020204" pitchFamily="34" charset="-122"/>
+                        <a:ea typeface="微软雅黑" panose="020B0503020204020204" pitchFamily="34" charset="-122"/>
                       </a:endParaRPr>
                     </a:p>
                   </a:txBody>
@@ -8523,25 +9026,35 @@
                       <a:r>
                         <a:rPr lang="en-US" sz="1200" kern="100">
                           <a:effectLst/>
+                          <a:latin typeface="微软雅黑" panose="020B0503020204020204" pitchFamily="34" charset="-122"/>
+                          <a:ea typeface="微软雅黑" panose="020B0503020204020204" pitchFamily="34" charset="-122"/>
+                          <a:cs typeface="微软雅黑" panose="020B0503020204020204" pitchFamily="34" charset="-122"/>
                         </a:rPr>
                         <a:t>Hive on Tez/Spark</a:t>
                       </a:r>
                       <a:r>
                         <a:rPr lang="zh-CN" sz="1200" kern="100">
                           <a:effectLst/>
+                          <a:latin typeface="微软雅黑" panose="020B0503020204020204" pitchFamily="34" charset="-122"/>
+                          <a:ea typeface="微软雅黑" panose="020B0503020204020204" pitchFamily="34" charset="-122"/>
+                          <a:cs typeface="微软雅黑" panose="020B0503020204020204" pitchFamily="34" charset="-122"/>
                         </a:rPr>
                         <a:t>、依托</a:t>
                       </a:r>
                       <a:r>
                         <a:rPr lang="en-US" sz="1200" kern="100">
                           <a:effectLst/>
+                          <a:latin typeface="微软雅黑" panose="020B0503020204020204" pitchFamily="34" charset="-122"/>
+                          <a:ea typeface="微软雅黑" panose="020B0503020204020204" pitchFamily="34" charset="-122"/>
+                          <a:cs typeface="微软雅黑" panose="020B0503020204020204" pitchFamily="34" charset="-122"/>
                         </a:rPr>
                         <a:t>hadoop</a:t>
                       </a:r>
                       <a:endParaRPr lang="zh-CN" sz="1200" kern="100">
                         <a:effectLst/>
-                        <a:latin typeface="Times New Roman" panose="02020603050405020304" pitchFamily="18" charset="0"/>
-                        <a:ea typeface="宋体" panose="02010600030101010101" pitchFamily="2" charset="-122"/>
+                        <a:latin typeface="微软雅黑" panose="020B0503020204020204" pitchFamily="34" charset="-122"/>
+                        <a:ea typeface="微软雅黑" panose="020B0503020204020204" pitchFamily="34" charset="-122"/>
+                        <a:cs typeface="微软雅黑" panose="020B0503020204020204" pitchFamily="34" charset="-122"/>
                       </a:endParaRPr>
                     </a:p>
                   </a:txBody>
@@ -8562,13 +9075,15 @@
                       <a:r>
                         <a:rPr lang="zh-CN" sz="1200" kern="100">
                           <a:effectLst/>
+                          <a:latin typeface="微软雅黑" panose="020B0503020204020204" pitchFamily="34" charset="-122"/>
+                          <a:ea typeface="微软雅黑" panose="020B0503020204020204" pitchFamily="34" charset="-122"/>
                         </a:rPr>
                         <a:t>即席查询，较快</a:t>
                       </a:r>
                       <a:endParaRPr lang="zh-CN" sz="1200" kern="100">
                         <a:effectLst/>
-                        <a:latin typeface="Times New Roman" panose="02020603050405020304" pitchFamily="18" charset="0"/>
-                        <a:ea typeface="宋体" panose="02010600030101010101" pitchFamily="2" charset="-122"/>
+                        <a:latin typeface="微软雅黑" panose="020B0503020204020204" pitchFamily="34" charset="-122"/>
+                        <a:ea typeface="微软雅黑" panose="020B0503020204020204" pitchFamily="34" charset="-122"/>
                       </a:endParaRPr>
                     </a:p>
                   </a:txBody>
@@ -8589,25 +9104,35 @@
                       <a:r>
                         <a:rPr lang="zh-CN" sz="1200" kern="100">
                           <a:effectLst/>
+                          <a:latin typeface="微软雅黑" panose="020B0503020204020204" pitchFamily="34" charset="-122"/>
+                          <a:ea typeface="微软雅黑" panose="020B0503020204020204" pitchFamily="34" charset="-122"/>
+                          <a:cs typeface="微软雅黑" panose="020B0503020204020204" pitchFamily="34" charset="-122"/>
                         </a:rPr>
                         <a:t>离线</a:t>
                       </a:r>
                       <a:r>
                         <a:rPr lang="en-US" sz="1200" kern="100">
                           <a:effectLst/>
+                          <a:latin typeface="微软雅黑" panose="020B0503020204020204" pitchFamily="34" charset="-122"/>
+                          <a:ea typeface="微软雅黑" panose="020B0503020204020204" pitchFamily="34" charset="-122"/>
+                          <a:cs typeface="微软雅黑" panose="020B0503020204020204" pitchFamily="34" charset="-122"/>
                         </a:rPr>
                         <a:t>+</a:t>
                       </a:r>
                       <a:r>
                         <a:rPr lang="zh-CN" sz="1200" kern="100">
                           <a:effectLst/>
+                          <a:latin typeface="微软雅黑" panose="020B0503020204020204" pitchFamily="34" charset="-122"/>
+                          <a:ea typeface="微软雅黑" panose="020B0503020204020204" pitchFamily="34" charset="-122"/>
+                          <a:cs typeface="微软雅黑" panose="020B0503020204020204" pitchFamily="34" charset="-122"/>
                         </a:rPr>
                         <a:t>近实时</a:t>
                       </a:r>
                       <a:endParaRPr lang="zh-CN" sz="1200" kern="100">
                         <a:effectLst/>
-                        <a:latin typeface="Times New Roman" panose="02020603050405020304" pitchFamily="18" charset="0"/>
-                        <a:ea typeface="宋体" panose="02010600030101010101" pitchFamily="2" charset="-122"/>
+                        <a:latin typeface="微软雅黑" panose="020B0503020204020204" pitchFamily="34" charset="-122"/>
+                        <a:ea typeface="微软雅黑" panose="020B0503020204020204" pitchFamily="34" charset="-122"/>
+                        <a:cs typeface="微软雅黑" panose="020B0503020204020204" pitchFamily="34" charset="-122"/>
                       </a:endParaRPr>
                     </a:p>
                   </a:txBody>
@@ -8630,13 +9155,15 @@
                       <a:r>
                         <a:rPr lang="zh-CN" sz="1200" kern="100">
                           <a:effectLst/>
+                          <a:latin typeface="微软雅黑" panose="020B0503020204020204" pitchFamily="34" charset="-122"/>
+                          <a:ea typeface="微软雅黑" panose="020B0503020204020204" pitchFamily="34" charset="-122"/>
                         </a:rPr>
                         <a:t>弊端</a:t>
                       </a:r>
                       <a:endParaRPr lang="zh-CN" sz="1200" kern="100">
                         <a:effectLst/>
-                        <a:latin typeface="Times New Roman" panose="02020603050405020304" pitchFamily="18" charset="0"/>
-                        <a:ea typeface="宋体" panose="02010600030101010101" pitchFamily="2" charset="-122"/>
+                        <a:latin typeface="微软雅黑" panose="020B0503020204020204" pitchFamily="34" charset="-122"/>
+                        <a:ea typeface="微软雅黑" panose="020B0503020204020204" pitchFamily="34" charset="-122"/>
                       </a:endParaRPr>
                     </a:p>
                   </a:txBody>
@@ -8657,13 +9184,15 @@
                       <a:r>
                         <a:rPr lang="zh-CN" sz="1200" kern="100">
                           <a:effectLst/>
+                          <a:latin typeface="微软雅黑" panose="020B0503020204020204" pitchFamily="34" charset="-122"/>
+                          <a:ea typeface="微软雅黑" panose="020B0503020204020204" pitchFamily="34" charset="-122"/>
                         </a:rPr>
                         <a:t>慢</a:t>
                       </a:r>
                       <a:endParaRPr lang="zh-CN" sz="1200" kern="100">
                         <a:effectLst/>
-                        <a:latin typeface="Times New Roman" panose="02020603050405020304" pitchFamily="18" charset="0"/>
-                        <a:ea typeface="宋体" panose="02010600030101010101" pitchFamily="2" charset="-122"/>
+                        <a:latin typeface="微软雅黑" panose="020B0503020204020204" pitchFamily="34" charset="-122"/>
+                        <a:ea typeface="微软雅黑" panose="020B0503020204020204" pitchFamily="34" charset="-122"/>
                       </a:endParaRPr>
                     </a:p>
                   </a:txBody>
@@ -8684,13 +9213,44 @@
                       <a:r>
                         <a:rPr lang="zh-CN" sz="1200" kern="100" dirty="0">
                           <a:effectLst/>
+                          <a:latin typeface="微软雅黑" panose="020B0503020204020204" pitchFamily="34" charset="-122"/>
+                          <a:ea typeface="微软雅黑" panose="020B0503020204020204" pitchFamily="34" charset="-122"/>
+                          <a:cs typeface="微软雅黑" panose="020B0503020204020204" pitchFamily="34" charset="-122"/>
                         </a:rPr>
-                        <a:t>耗内存、容错差</a:t>
+                        <a:t>耗内存、容错差、不支持</a:t>
                       </a:r>
-                      <a:endParaRPr lang="zh-CN" sz="1200" kern="100" dirty="0">
+                      <a:r>
+                        <a:rPr lang="en-US" altLang="zh-CN" sz="1200" kern="100" dirty="0">
+                          <a:effectLst/>
+                          <a:latin typeface="微软雅黑" panose="020B0503020204020204" pitchFamily="34" charset="-122"/>
+                          <a:ea typeface="微软雅黑" panose="020B0503020204020204" pitchFamily="34" charset="-122"/>
+                          <a:cs typeface="微软雅黑" panose="020B0503020204020204" pitchFamily="34" charset="-122"/>
+                        </a:rPr>
+                        <a:t>lzo</a:t>
+                      </a:r>
+                      <a:r>
+                        <a:rPr lang="zh-CN" altLang="en-US" sz="1200" kern="100" dirty="0">
+                          <a:effectLst/>
+                          <a:latin typeface="微软雅黑" panose="020B0503020204020204" pitchFamily="34" charset="-122"/>
+                          <a:ea typeface="微软雅黑" panose="020B0503020204020204" pitchFamily="34" charset="-122"/>
+                          <a:cs typeface="微软雅黑" panose="020B0503020204020204" pitchFamily="34" charset="-122"/>
+                        </a:rPr>
+                        <a:t>压缩、不完全支持</a:t>
+                      </a:r>
+                      <a:r>
+                        <a:rPr lang="en-US" altLang="zh-CN" sz="1200" kern="100" dirty="0">
+                          <a:effectLst/>
+                          <a:latin typeface="微软雅黑" panose="020B0503020204020204" pitchFamily="34" charset="-122"/>
+                          <a:ea typeface="微软雅黑" panose="020B0503020204020204" pitchFamily="34" charset="-122"/>
+                          <a:cs typeface="微软雅黑" panose="020B0503020204020204" pitchFamily="34" charset="-122"/>
+                        </a:rPr>
+                        <a:t>hivesql</a:t>
+                      </a:r>
+                      <a:endParaRPr lang="en-US" altLang="zh-CN" sz="1200" kern="100" dirty="0">
                         <a:effectLst/>
-                        <a:latin typeface="Times New Roman" panose="02020603050405020304" pitchFamily="18" charset="0"/>
-                        <a:ea typeface="宋体" panose="02010600030101010101" pitchFamily="2" charset="-122"/>
+                        <a:latin typeface="微软雅黑" panose="020B0503020204020204" pitchFamily="34" charset="-122"/>
+                        <a:ea typeface="微软雅黑" panose="020B0503020204020204" pitchFamily="34" charset="-122"/>
+                        <a:cs typeface="微软雅黑" panose="020B0503020204020204" pitchFamily="34" charset="-122"/>
                       </a:endParaRPr>
                     </a:p>
                   </a:txBody>
@@ -8711,25 +9271,35 @@
                       <a:r>
                         <a:rPr lang="zh-CN" sz="1200" kern="100">
                           <a:effectLst/>
+                          <a:latin typeface="微软雅黑" panose="020B0503020204020204" pitchFamily="34" charset="-122"/>
+                          <a:ea typeface="微软雅黑" panose="020B0503020204020204" pitchFamily="34" charset="-122"/>
+                          <a:cs typeface="微软雅黑" panose="020B0503020204020204" pitchFamily="34" charset="-122"/>
                         </a:rPr>
-                        <a:t>缺乏</a:t>
+                        <a:t>占磁盘、缺乏</a:t>
                       </a:r>
                       <a:r>
                         <a:rPr lang="en-US" sz="1200" kern="100">
                           <a:effectLst/>
+                          <a:latin typeface="微软雅黑" panose="020B0503020204020204" pitchFamily="34" charset="-122"/>
+                          <a:ea typeface="微软雅黑" panose="020B0503020204020204" pitchFamily="34" charset="-122"/>
+                          <a:cs typeface="微软雅黑" panose="020B0503020204020204" pitchFamily="34" charset="-122"/>
                         </a:rPr>
                         <a:t>SQL</a:t>
                       </a:r>
                       <a:r>
                         <a:rPr lang="zh-CN" sz="1200" kern="100">
                           <a:effectLst/>
+                          <a:latin typeface="微软雅黑" panose="020B0503020204020204" pitchFamily="34" charset="-122"/>
+                          <a:ea typeface="微软雅黑" panose="020B0503020204020204" pitchFamily="34" charset="-122"/>
+                          <a:cs typeface="微软雅黑" panose="020B0503020204020204" pitchFamily="34" charset="-122"/>
                         </a:rPr>
                         <a:t>支持</a:t>
                       </a:r>
                       <a:endParaRPr lang="zh-CN" sz="1200" kern="100">
                         <a:effectLst/>
-                        <a:latin typeface="Times New Roman" panose="02020603050405020304" pitchFamily="18" charset="0"/>
-                        <a:ea typeface="宋体" panose="02010600030101010101" pitchFamily="2" charset="-122"/>
+                        <a:latin typeface="微软雅黑" panose="020B0503020204020204" pitchFamily="34" charset="-122"/>
+                        <a:ea typeface="微软雅黑" panose="020B0503020204020204" pitchFamily="34" charset="-122"/>
+                        <a:cs typeface="微软雅黑" panose="020B0503020204020204" pitchFamily="34" charset="-122"/>
                       </a:endParaRPr>
                     </a:p>
                   </a:txBody>
@@ -8752,13 +9322,15 @@
                       <a:r>
                         <a:rPr lang="zh-CN" sz="1200" kern="100">
                           <a:effectLst/>
+                          <a:latin typeface="微软雅黑" panose="020B0503020204020204" pitchFamily="34" charset="-122"/>
+                          <a:ea typeface="微软雅黑" panose="020B0503020204020204" pitchFamily="34" charset="-122"/>
                         </a:rPr>
                         <a:t>结论</a:t>
                       </a:r>
                       <a:endParaRPr lang="zh-CN" sz="1200" kern="100">
                         <a:effectLst/>
-                        <a:latin typeface="Times New Roman" panose="02020603050405020304" pitchFamily="18" charset="0"/>
-                        <a:ea typeface="宋体" panose="02010600030101010101" pitchFamily="2" charset="-122"/>
+                        <a:latin typeface="微软雅黑" panose="020B0503020204020204" pitchFamily="34" charset="-122"/>
+                        <a:ea typeface="微软雅黑" panose="020B0503020204020204" pitchFamily="34" charset="-122"/>
                       </a:endParaRPr>
                     </a:p>
                   </a:txBody>
@@ -8779,13 +9351,15 @@
                       <a:r>
                         <a:rPr lang="zh-CN" sz="1200" kern="100">
                           <a:effectLst/>
+                          <a:latin typeface="微软雅黑" panose="020B0503020204020204" pitchFamily="34" charset="-122"/>
+                          <a:ea typeface="微软雅黑" panose="020B0503020204020204" pitchFamily="34" charset="-122"/>
                         </a:rPr>
                         <a:t>暂时无法替代</a:t>
                       </a:r>
                       <a:endParaRPr lang="zh-CN" sz="1200" kern="100">
                         <a:effectLst/>
-                        <a:latin typeface="Times New Roman" panose="02020603050405020304" pitchFamily="18" charset="0"/>
-                        <a:ea typeface="宋体" panose="02010600030101010101" pitchFamily="2" charset="-122"/>
+                        <a:latin typeface="微软雅黑" panose="020B0503020204020204" pitchFamily="34" charset="-122"/>
+                        <a:ea typeface="微软雅黑" panose="020B0503020204020204" pitchFamily="34" charset="-122"/>
                       </a:endParaRPr>
                     </a:p>
                   </a:txBody>
@@ -8806,13 +9380,15 @@
                       <a:r>
                         <a:rPr lang="zh-CN" sz="1200" kern="100">
                           <a:effectLst/>
+                          <a:latin typeface="微软雅黑" panose="020B0503020204020204" pitchFamily="34" charset="-122"/>
+                          <a:ea typeface="微软雅黑" panose="020B0503020204020204" pitchFamily="34" charset="-122"/>
                         </a:rPr>
                         <a:t>即席查询</a:t>
                       </a:r>
                       <a:endParaRPr lang="zh-CN" sz="1200" kern="100">
                         <a:effectLst/>
-                        <a:latin typeface="Times New Roman" panose="02020603050405020304" pitchFamily="18" charset="0"/>
-                        <a:ea typeface="宋体" panose="02010600030101010101" pitchFamily="2" charset="-122"/>
+                        <a:latin typeface="微软雅黑" panose="020B0503020204020204" pitchFamily="34" charset="-122"/>
+                        <a:ea typeface="微软雅黑" panose="020B0503020204020204" pitchFamily="34" charset="-122"/>
                       </a:endParaRPr>
                     </a:p>
                   </a:txBody>
@@ -8833,13 +9409,15 @@
                       <a:r>
                         <a:rPr lang="zh-CN" sz="1200" kern="100">
                           <a:effectLst/>
+                          <a:latin typeface="微软雅黑" panose="020B0503020204020204" pitchFamily="34" charset="-122"/>
+                          <a:ea typeface="微软雅黑" panose="020B0503020204020204" pitchFamily="34" charset="-122"/>
                         </a:rPr>
                         <a:t>实时数据查询</a:t>
                       </a:r>
                       <a:endParaRPr lang="zh-CN" sz="1200" kern="100">
                         <a:effectLst/>
-                        <a:latin typeface="Times New Roman" panose="02020603050405020304" pitchFamily="18" charset="0"/>
-                        <a:ea typeface="宋体" panose="02010600030101010101" pitchFamily="2" charset="-122"/>
+                        <a:latin typeface="微软雅黑" panose="020B0503020204020204" pitchFamily="34" charset="-122"/>
+                        <a:ea typeface="微软雅黑" panose="020B0503020204020204" pitchFamily="34" charset="-122"/>
                       </a:endParaRPr>
                     </a:p>
                   </a:txBody>
@@ -14338,7 +14916,7 @@
         </p:blipFill>
         <p:spPr>
           <a:xfrm>
-            <a:off x="1330960" y="605155"/>
+            <a:off x="1259205" y="605155"/>
             <a:ext cx="6481445" cy="4503420"/>
           </a:xfrm>
           <a:prstGeom prst="rect">
@@ -29133,7 +29711,7 @@
         </p:blipFill>
         <p:spPr>
           <a:xfrm>
-            <a:off x="5513705" y="2708275"/>
+            <a:off x="5918835" y="2656205"/>
             <a:ext cx="2117725" cy="2045970"/>
           </a:xfrm>
           <a:prstGeom prst="rect">
@@ -29157,8 +29735,8 @@
         </p:blipFill>
         <p:spPr>
           <a:xfrm>
-            <a:off x="4822190" y="898525"/>
-            <a:ext cx="3667125" cy="1726565"/>
+            <a:off x="5376545" y="898525"/>
+            <a:ext cx="3344545" cy="1574800"/>
           </a:xfrm>
           <a:prstGeom prst="rect">
             <a:avLst/>
@@ -30149,151 +30727,652 @@
         </p:blipFill>
         <p:spPr>
           <a:xfrm>
-            <a:off x="650875" y="605155"/>
-            <a:ext cx="6803390" cy="2044700"/>
+            <a:off x="671830" y="605155"/>
+            <a:ext cx="7327900" cy="2202180"/>
           </a:xfrm>
           <a:prstGeom prst="rect">
             <a:avLst/>
           </a:prstGeom>
         </p:spPr>
       </p:pic>
-      <p:sp>
-        <p:nvSpPr>
-          <p:cNvPr id="74" name="TextBox 53"/>
-          <p:cNvSpPr txBox="1"/>
+      <p:grpSp>
+        <p:nvGrpSpPr>
+          <p:cNvPr id="26" name="组合 25"/>
+          <p:cNvGrpSpPr/>
           <p:nvPr/>
-        </p:nvSpPr>
-        <p:spPr>
+        </p:nvGrpSpPr>
+        <p:grpSpPr>
           <a:xfrm>
-            <a:off x="694055" y="2749550"/>
-            <a:ext cx="6760210" cy="2030095"/>
+            <a:off x="539750" y="3101975"/>
+            <a:ext cx="3949065" cy="2005330"/>
+            <a:chOff x="3347864" y="1152444"/>
+            <a:chExt cx="4752528" cy="369631"/>
           </a:xfrm>
-          <a:prstGeom prst="rect">
-            <a:avLst/>
-          </a:prstGeom>
-          <a:noFill/>
-        </p:spPr>
-        <p:txBody>
-          <a:bodyPr wrap="square" rtlCol="0">
-            <a:spAutoFit/>
-          </a:bodyPr>
-          <a:p>
-            <a:pPr marL="285750" indent="-285750">
-              <a:buFont typeface="Wingdings" panose="05000000000000000000" pitchFamily="2" charset="2"/>
-              <a:buChar char="u"/>
-            </a:pPr>
-            <a:r>
-              <a:rPr lang="en-US" sz="1400" dirty="0"/>
-              <a:t>Input split</a:t>
-            </a:r>
-            <a:r>
-              <a:rPr lang="zh-CN" altLang="en-US" sz="1400" dirty="0"/>
-              <a:t>：</a:t>
-            </a:r>
-            <a:r>
-              <a:rPr lang="en-US" altLang="zh-CN" sz="1400" dirty="0"/>
-              <a:t>hive(HDFS)</a:t>
-            </a:r>
-            <a:endParaRPr lang="en-US" altLang="zh-CN" sz="1400" dirty="0"/>
-          </a:p>
-          <a:p>
-            <a:pPr marL="285750" indent="-285750">
-              <a:buFont typeface="Wingdings" panose="05000000000000000000" pitchFamily="2" charset="2"/>
-              <a:buChar char="u"/>
-            </a:pPr>
-            <a:endParaRPr lang="en-US" altLang="zh-CN" sz="1400" dirty="0"/>
-          </a:p>
-          <a:p>
-            <a:pPr marL="285750" indent="-285750">
-              <a:buFont typeface="Wingdings" panose="05000000000000000000" pitchFamily="2" charset="2"/>
-              <a:buChar char="u"/>
-            </a:pPr>
-            <a:r>
-              <a:rPr lang="en-US" altLang="zh-CN" sz="1400" dirty="0"/>
-              <a:t>Map task</a:t>
-            </a:r>
-            <a:r>
-              <a:rPr lang="zh-CN" altLang="en-US" sz="1400" dirty="0"/>
-              <a:t>：计算、分区、内部快排、溢写、归并排序</a:t>
-            </a:r>
-            <a:endParaRPr lang="zh-CN" altLang="en-US" sz="1400" dirty="0"/>
-          </a:p>
-          <a:p>
-            <a:pPr marL="285750" indent="-285750">
-              <a:buFont typeface="Wingdings" panose="05000000000000000000" pitchFamily="2" charset="2"/>
-              <a:buChar char="u"/>
-            </a:pPr>
-            <a:endParaRPr lang="en-US" altLang="zh-CN" sz="1400" dirty="0"/>
-          </a:p>
-          <a:p>
-            <a:pPr marL="285750" indent="-285750">
-              <a:buFont typeface="Wingdings" panose="05000000000000000000" pitchFamily="2" charset="2"/>
-              <a:buChar char="u"/>
-            </a:pPr>
-            <a:r>
-              <a:rPr lang="en-US" altLang="zh-CN" sz="1400" dirty="0"/>
-              <a:t>Fetch</a:t>
-            </a:r>
-            <a:r>
-              <a:rPr lang="zh-CN" altLang="en-US" sz="1400" dirty="0"/>
-              <a:t>：网络拷贝</a:t>
-            </a:r>
-            <a:endParaRPr lang="zh-CN" altLang="en-US" sz="1400" dirty="0"/>
-          </a:p>
-          <a:p>
-            <a:pPr marL="285750" indent="-285750">
-              <a:buFont typeface="Wingdings" panose="05000000000000000000" pitchFamily="2" charset="2"/>
-              <a:buChar char="u"/>
-            </a:pPr>
-            <a:endParaRPr lang="zh-CN" altLang="en-US" sz="1400" dirty="0"/>
-          </a:p>
-          <a:p>
-            <a:pPr marL="285750" indent="-285750">
-              <a:buFont typeface="Wingdings" panose="05000000000000000000" pitchFamily="2" charset="2"/>
-              <a:buChar char="u"/>
-            </a:pPr>
-            <a:r>
-              <a:rPr lang="en-US" altLang="zh-CN" sz="1400" dirty="0"/>
-              <a:t>Reduce</a:t>
-            </a:r>
-            <a:r>
-              <a:rPr lang="zh-CN" altLang="en-US" sz="1400" dirty="0"/>
-              <a:t>：合并、全局排序、计算</a:t>
-            </a:r>
-            <a:endParaRPr lang="zh-CN" altLang="en-US" sz="1400" dirty="0"/>
-          </a:p>
-          <a:p>
-            <a:pPr marL="285750" indent="-285750">
-              <a:buFont typeface="Wingdings" panose="05000000000000000000" pitchFamily="2" charset="2"/>
-              <a:buChar char="u"/>
-            </a:pPr>
-            <a:endParaRPr lang="zh-CN" altLang="zh-CN" sz="1400" dirty="0"/>
-          </a:p>
-          <a:p>
-            <a:pPr marL="285750" indent="-285750">
-              <a:buFont typeface="Wingdings" panose="05000000000000000000" pitchFamily="2" charset="2"/>
-              <a:buChar char="u"/>
-            </a:pPr>
-            <a:r>
-              <a:rPr lang="en-US" altLang="zh-CN" sz="1400" dirty="0"/>
-              <a:t>Output</a:t>
-            </a:r>
-            <a:r>
-              <a:rPr lang="zh-CN" altLang="en-US" sz="1400" dirty="0"/>
-              <a:t>：</a:t>
-            </a:r>
-            <a:r>
-              <a:rPr lang="en-US" altLang="zh-CN" sz="1400" dirty="0"/>
-              <a:t>hive(</a:t>
-            </a:r>
-            <a:r>
-              <a:rPr lang="en-US" altLang="zh-CN" sz="1400" dirty="0"/>
-              <a:t>HDFS)</a:t>
-            </a:r>
-            <a:endParaRPr lang="en-US" altLang="zh-CN" sz="1400" dirty="0"/>
-          </a:p>
-        </p:txBody>
-      </p:sp>
+        </p:grpSpPr>
+        <p:sp>
+          <p:nvSpPr>
+            <p:cNvPr id="27" name="矩形 26"/>
+            <p:cNvSpPr/>
+            <p:nvPr/>
+          </p:nvSpPr>
+          <p:spPr>
+            <a:xfrm>
+              <a:off x="3347864" y="1152444"/>
+              <a:ext cx="4752528" cy="67586"/>
+            </a:xfrm>
+            <a:prstGeom prst="rect">
+              <a:avLst/>
+            </a:prstGeom>
+            <a:solidFill>
+              <a:srgbClr val="0E90BE"/>
+            </a:solidFill>
+            <a:ln>
+              <a:noFill/>
+            </a:ln>
+          </p:spPr>
+          <p:style>
+            <a:lnRef idx="2">
+              <a:schemeClr val="accent1">
+                <a:shade val="50000"/>
+              </a:schemeClr>
+            </a:lnRef>
+            <a:fillRef idx="1">
+              <a:schemeClr val="accent1"/>
+            </a:fillRef>
+            <a:effectRef idx="0">
+              <a:schemeClr val="accent1"/>
+            </a:effectRef>
+            <a:fontRef idx="minor">
+              <a:schemeClr val="lt1"/>
+            </a:fontRef>
+          </p:style>
+          <p:txBody>
+            <a:bodyPr rtlCol="0" anchor="ctr"/>
+            <a:p>
+              <a:pPr algn="l"/>
+              <a:r>
+                <a:rPr lang="zh-CN" altLang="en-US" sz="1400" b="1" dirty="0" smtClean="0">
+                  <a:solidFill>
+                    <a:schemeClr val="bg1"/>
+                  </a:solidFill>
+                  <a:latin typeface="微软雅黑" panose="020B0503020204020204" pitchFamily="34" charset="-122"/>
+                  <a:ea typeface="微软雅黑" panose="020B0503020204020204" pitchFamily="34" charset="-122"/>
+                  <a:cs typeface="Segoe UI" panose="020B0502040204020203" pitchFamily="34" charset="0"/>
+                </a:rPr>
+                <a:t>计算流程：</a:t>
+              </a:r>
+              <a:endParaRPr lang="zh-CN" altLang="en-US" sz="1400" b="1" dirty="0" smtClean="0">
+                <a:solidFill>
+                  <a:schemeClr val="bg1"/>
+                </a:solidFill>
+                <a:latin typeface="微软雅黑" panose="020B0503020204020204" pitchFamily="34" charset="-122"/>
+                <a:ea typeface="微软雅黑" panose="020B0503020204020204" pitchFamily="34" charset="-122"/>
+                <a:cs typeface="Segoe UI" panose="020B0502040204020203" pitchFamily="34" charset="0"/>
+              </a:endParaRPr>
+            </a:p>
+          </p:txBody>
+        </p:sp>
+        <p:sp>
+          <p:nvSpPr>
+            <p:cNvPr id="28" name="矩形 27"/>
+            <p:cNvSpPr/>
+            <p:nvPr/>
+          </p:nvSpPr>
+          <p:spPr>
+            <a:xfrm>
+              <a:off x="3347864" y="1219971"/>
+              <a:ext cx="4752528" cy="302104"/>
+            </a:xfrm>
+            <a:prstGeom prst="rect">
+              <a:avLst/>
+            </a:prstGeom>
+            <a:solidFill>
+              <a:schemeClr val="bg1">
+                <a:lumMod val="85000"/>
+              </a:schemeClr>
+            </a:solidFill>
+            <a:ln>
+              <a:noFill/>
+            </a:ln>
+            <a:effectLst/>
+          </p:spPr>
+          <p:style>
+            <a:lnRef idx="2">
+              <a:schemeClr val="accent1">
+                <a:shade val="50000"/>
+              </a:schemeClr>
+            </a:lnRef>
+            <a:fillRef idx="1">
+              <a:schemeClr val="accent1"/>
+            </a:fillRef>
+            <a:effectRef idx="0">
+              <a:schemeClr val="accent1"/>
+            </a:effectRef>
+            <a:fontRef idx="minor">
+              <a:schemeClr val="lt1"/>
+            </a:fontRef>
+          </p:style>
+          <p:txBody>
+            <a:bodyPr rtlCol="0" anchor="ctr"/>
+            <a:p>
+              <a:pPr marL="285750" indent="-285750">
+                <a:buFont typeface="Wingdings" panose="05000000000000000000" pitchFamily="2" charset="2"/>
+                <a:buChar char="u"/>
+              </a:pPr>
+              <a:r>
+                <a:rPr lang="en-US" sz="1400" dirty="0">
+                  <a:solidFill>
+                    <a:schemeClr val="tx1"/>
+                  </a:solidFill>
+                  <a:latin typeface="微软雅黑" panose="020B0503020204020204" pitchFamily="34" charset="-122"/>
+                  <a:ea typeface="微软雅黑" panose="020B0503020204020204" pitchFamily="34" charset="-122"/>
+                  <a:cs typeface="微软雅黑" panose="020B0503020204020204" pitchFamily="34" charset="-122"/>
+                  <a:sym typeface="+mn-ea"/>
+                </a:rPr>
+                <a:t>Input split</a:t>
+              </a:r>
+              <a:r>
+                <a:rPr lang="zh-CN" altLang="en-US" sz="1400" dirty="0">
+                  <a:solidFill>
+                    <a:schemeClr val="tx1"/>
+                  </a:solidFill>
+                  <a:latin typeface="微软雅黑" panose="020B0503020204020204" pitchFamily="34" charset="-122"/>
+                  <a:ea typeface="微软雅黑" panose="020B0503020204020204" pitchFamily="34" charset="-122"/>
+                  <a:cs typeface="微软雅黑" panose="020B0503020204020204" pitchFamily="34" charset="-122"/>
+                  <a:sym typeface="+mn-ea"/>
+                </a:rPr>
+                <a:t>：</a:t>
+              </a:r>
+              <a:r>
+                <a:rPr lang="en-US" altLang="zh-CN" sz="1400" dirty="0">
+                  <a:solidFill>
+                    <a:schemeClr val="tx1"/>
+                  </a:solidFill>
+                  <a:latin typeface="微软雅黑" panose="020B0503020204020204" pitchFamily="34" charset="-122"/>
+                  <a:ea typeface="微软雅黑" panose="020B0503020204020204" pitchFamily="34" charset="-122"/>
+                  <a:cs typeface="微软雅黑" panose="020B0503020204020204" pitchFamily="34" charset="-122"/>
+                  <a:sym typeface="+mn-ea"/>
+                </a:rPr>
+                <a:t>hive(HDFS)</a:t>
+              </a:r>
+              <a:endParaRPr lang="en-US" altLang="zh-CN" sz="1400" dirty="0">
+                <a:solidFill>
+                  <a:schemeClr val="tx1"/>
+                </a:solidFill>
+                <a:latin typeface="微软雅黑" panose="020B0503020204020204" pitchFamily="34" charset="-122"/>
+                <a:ea typeface="微软雅黑" panose="020B0503020204020204" pitchFamily="34" charset="-122"/>
+                <a:cs typeface="微软雅黑" panose="020B0503020204020204" pitchFamily="34" charset="-122"/>
+              </a:endParaRPr>
+            </a:p>
+            <a:p>
+              <a:pPr marL="285750" indent="-285750">
+                <a:buFont typeface="Wingdings" panose="05000000000000000000" pitchFamily="2" charset="2"/>
+                <a:buChar char="u"/>
+              </a:pPr>
+              <a:r>
+                <a:rPr lang="en-US" altLang="zh-CN" sz="1400" dirty="0">
+                  <a:solidFill>
+                    <a:schemeClr val="tx1"/>
+                  </a:solidFill>
+                  <a:latin typeface="微软雅黑" panose="020B0503020204020204" pitchFamily="34" charset="-122"/>
+                  <a:ea typeface="微软雅黑" panose="020B0503020204020204" pitchFamily="34" charset="-122"/>
+                  <a:cs typeface="微软雅黑" panose="020B0503020204020204" pitchFamily="34" charset="-122"/>
+                  <a:sym typeface="+mn-ea"/>
+                </a:rPr>
+                <a:t>Map task</a:t>
+              </a:r>
+              <a:r>
+                <a:rPr lang="zh-CN" altLang="en-US" sz="1400" dirty="0">
+                  <a:solidFill>
+                    <a:schemeClr val="tx1"/>
+                  </a:solidFill>
+                  <a:latin typeface="微软雅黑" panose="020B0503020204020204" pitchFamily="34" charset="-122"/>
+                  <a:ea typeface="微软雅黑" panose="020B0503020204020204" pitchFamily="34" charset="-122"/>
+                  <a:cs typeface="微软雅黑" panose="020B0503020204020204" pitchFamily="34" charset="-122"/>
+                  <a:sym typeface="+mn-ea"/>
+                </a:rPr>
+                <a:t>：计算、分区、内部快排、溢写、归并排序</a:t>
+              </a:r>
+              <a:endParaRPr lang="en-US" altLang="zh-CN" sz="1400" dirty="0">
+                <a:solidFill>
+                  <a:schemeClr val="tx1"/>
+                </a:solidFill>
+                <a:latin typeface="微软雅黑" panose="020B0503020204020204" pitchFamily="34" charset="-122"/>
+                <a:ea typeface="微软雅黑" panose="020B0503020204020204" pitchFamily="34" charset="-122"/>
+                <a:cs typeface="微软雅黑" panose="020B0503020204020204" pitchFamily="34" charset="-122"/>
+              </a:endParaRPr>
+            </a:p>
+            <a:p>
+              <a:pPr marL="285750" indent="-285750">
+                <a:buFont typeface="Wingdings" panose="05000000000000000000" pitchFamily="2" charset="2"/>
+                <a:buChar char="u"/>
+              </a:pPr>
+              <a:r>
+                <a:rPr lang="en-US" altLang="zh-CN" sz="1400" dirty="0">
+                  <a:solidFill>
+                    <a:schemeClr val="tx1"/>
+                  </a:solidFill>
+                  <a:latin typeface="微软雅黑" panose="020B0503020204020204" pitchFamily="34" charset="-122"/>
+                  <a:ea typeface="微软雅黑" panose="020B0503020204020204" pitchFamily="34" charset="-122"/>
+                  <a:cs typeface="微软雅黑" panose="020B0503020204020204" pitchFamily="34" charset="-122"/>
+                  <a:sym typeface="+mn-ea"/>
+                </a:rPr>
+                <a:t>Fetch</a:t>
+              </a:r>
+              <a:r>
+                <a:rPr lang="zh-CN" altLang="en-US" sz="1400" dirty="0">
+                  <a:solidFill>
+                    <a:schemeClr val="tx1"/>
+                  </a:solidFill>
+                  <a:latin typeface="微软雅黑" panose="020B0503020204020204" pitchFamily="34" charset="-122"/>
+                  <a:ea typeface="微软雅黑" panose="020B0503020204020204" pitchFamily="34" charset="-122"/>
+                  <a:cs typeface="微软雅黑" panose="020B0503020204020204" pitchFamily="34" charset="-122"/>
+                  <a:sym typeface="+mn-ea"/>
+                </a:rPr>
+                <a:t>：网络拷贝</a:t>
+              </a:r>
+              <a:endParaRPr lang="zh-CN" altLang="en-US" sz="1400" dirty="0">
+                <a:solidFill>
+                  <a:schemeClr val="tx1"/>
+                </a:solidFill>
+                <a:latin typeface="微软雅黑" panose="020B0503020204020204" pitchFamily="34" charset="-122"/>
+                <a:ea typeface="微软雅黑" panose="020B0503020204020204" pitchFamily="34" charset="-122"/>
+                <a:cs typeface="微软雅黑" panose="020B0503020204020204" pitchFamily="34" charset="-122"/>
+              </a:endParaRPr>
+            </a:p>
+            <a:p>
+              <a:pPr marL="285750" indent="-285750">
+                <a:buFont typeface="Wingdings" panose="05000000000000000000" pitchFamily="2" charset="2"/>
+                <a:buChar char="u"/>
+              </a:pPr>
+              <a:r>
+                <a:rPr lang="en-US" altLang="zh-CN" sz="1400" dirty="0">
+                  <a:solidFill>
+                    <a:schemeClr val="tx1"/>
+                  </a:solidFill>
+                  <a:latin typeface="微软雅黑" panose="020B0503020204020204" pitchFamily="34" charset="-122"/>
+                  <a:ea typeface="微软雅黑" panose="020B0503020204020204" pitchFamily="34" charset="-122"/>
+                  <a:cs typeface="微软雅黑" panose="020B0503020204020204" pitchFamily="34" charset="-122"/>
+                  <a:sym typeface="+mn-ea"/>
+                </a:rPr>
+                <a:t>Reduce</a:t>
+              </a:r>
+              <a:r>
+                <a:rPr lang="zh-CN" altLang="en-US" sz="1400" dirty="0">
+                  <a:solidFill>
+                    <a:schemeClr val="tx1"/>
+                  </a:solidFill>
+                  <a:latin typeface="微软雅黑" panose="020B0503020204020204" pitchFamily="34" charset="-122"/>
+                  <a:ea typeface="微软雅黑" panose="020B0503020204020204" pitchFamily="34" charset="-122"/>
+                  <a:cs typeface="微软雅黑" panose="020B0503020204020204" pitchFamily="34" charset="-122"/>
+                  <a:sym typeface="+mn-ea"/>
+                </a:rPr>
+                <a:t>：合并、全局排序、计算</a:t>
+              </a:r>
+              <a:endParaRPr lang="zh-CN" altLang="zh-CN" sz="1400" dirty="0">
+                <a:solidFill>
+                  <a:schemeClr val="tx1"/>
+                </a:solidFill>
+                <a:latin typeface="微软雅黑" panose="020B0503020204020204" pitchFamily="34" charset="-122"/>
+                <a:ea typeface="微软雅黑" panose="020B0503020204020204" pitchFamily="34" charset="-122"/>
+                <a:cs typeface="微软雅黑" panose="020B0503020204020204" pitchFamily="34" charset="-122"/>
+              </a:endParaRPr>
+            </a:p>
+            <a:p>
+              <a:pPr marL="285750" indent="-285750">
+                <a:buFont typeface="Wingdings" panose="05000000000000000000" pitchFamily="2" charset="2"/>
+                <a:buChar char="u"/>
+              </a:pPr>
+              <a:r>
+                <a:rPr lang="en-US" altLang="zh-CN" sz="1400" dirty="0">
+                  <a:solidFill>
+                    <a:schemeClr val="tx1"/>
+                  </a:solidFill>
+                  <a:latin typeface="微软雅黑" panose="020B0503020204020204" pitchFamily="34" charset="-122"/>
+                  <a:ea typeface="微软雅黑" panose="020B0503020204020204" pitchFamily="34" charset="-122"/>
+                  <a:cs typeface="微软雅黑" panose="020B0503020204020204" pitchFamily="34" charset="-122"/>
+                  <a:sym typeface="+mn-ea"/>
+                </a:rPr>
+                <a:t>Output</a:t>
+              </a:r>
+              <a:r>
+                <a:rPr lang="zh-CN" altLang="en-US" sz="1400" dirty="0">
+                  <a:solidFill>
+                    <a:schemeClr val="tx1"/>
+                  </a:solidFill>
+                  <a:latin typeface="微软雅黑" panose="020B0503020204020204" pitchFamily="34" charset="-122"/>
+                  <a:ea typeface="微软雅黑" panose="020B0503020204020204" pitchFamily="34" charset="-122"/>
+                  <a:cs typeface="微软雅黑" panose="020B0503020204020204" pitchFamily="34" charset="-122"/>
+                  <a:sym typeface="+mn-ea"/>
+                </a:rPr>
+                <a:t>：</a:t>
+              </a:r>
+              <a:r>
+                <a:rPr lang="en-US" altLang="zh-CN" sz="1400" dirty="0">
+                  <a:solidFill>
+                    <a:schemeClr val="tx1"/>
+                  </a:solidFill>
+                  <a:latin typeface="微软雅黑" panose="020B0503020204020204" pitchFamily="34" charset="-122"/>
+                  <a:ea typeface="微软雅黑" panose="020B0503020204020204" pitchFamily="34" charset="-122"/>
+                  <a:cs typeface="微软雅黑" panose="020B0503020204020204" pitchFamily="34" charset="-122"/>
+                  <a:sym typeface="+mn-ea"/>
+                </a:rPr>
+                <a:t>hive(HDFS)</a:t>
+              </a:r>
+              <a:endParaRPr lang="en-US" altLang="zh-CN" sz="1400" dirty="0">
+                <a:solidFill>
+                  <a:schemeClr val="tx1"/>
+                </a:solidFill>
+                <a:latin typeface="微软雅黑" panose="020B0503020204020204" pitchFamily="34" charset="-122"/>
+                <a:ea typeface="微软雅黑" panose="020B0503020204020204" pitchFamily="34" charset="-122"/>
+                <a:cs typeface="微软雅黑" panose="020B0503020204020204" pitchFamily="34" charset="-122"/>
+                <a:sym typeface="+mn-ea"/>
+              </a:endParaRPr>
+            </a:p>
+          </p:txBody>
+        </p:sp>
+      </p:grpSp>
+      <p:grpSp>
+        <p:nvGrpSpPr>
+          <p:cNvPr id="4" name="组合 3"/>
+          <p:cNvGrpSpPr/>
+          <p:nvPr/>
+        </p:nvGrpSpPr>
+        <p:grpSpPr>
+          <a:xfrm>
+            <a:off x="4660265" y="3101975"/>
+            <a:ext cx="3949065" cy="2005330"/>
+            <a:chOff x="3347864" y="1152444"/>
+            <a:chExt cx="4752528" cy="343461"/>
+          </a:xfrm>
+        </p:grpSpPr>
+        <p:sp>
+          <p:nvSpPr>
+            <p:cNvPr id="5" name="矩形 4"/>
+            <p:cNvSpPr/>
+            <p:nvPr/>
+          </p:nvSpPr>
+          <p:spPr>
+            <a:xfrm>
+              <a:off x="3347864" y="1152444"/>
+              <a:ext cx="4752528" cy="67586"/>
+            </a:xfrm>
+            <a:prstGeom prst="rect">
+              <a:avLst/>
+            </a:prstGeom>
+            <a:solidFill>
+              <a:srgbClr val="0E90BE"/>
+            </a:solidFill>
+            <a:ln>
+              <a:noFill/>
+            </a:ln>
+          </p:spPr>
+          <p:style>
+            <a:lnRef idx="2">
+              <a:schemeClr val="accent1">
+                <a:shade val="50000"/>
+              </a:schemeClr>
+            </a:lnRef>
+            <a:fillRef idx="1">
+              <a:schemeClr val="accent1"/>
+            </a:fillRef>
+            <a:effectRef idx="0">
+              <a:schemeClr val="accent1"/>
+            </a:effectRef>
+            <a:fontRef idx="minor">
+              <a:schemeClr val="lt1"/>
+            </a:fontRef>
+          </p:style>
+          <p:txBody>
+            <a:bodyPr rtlCol="0" anchor="ctr"/>
+            <a:p>
+              <a:pPr algn="l"/>
+              <a:r>
+                <a:rPr lang="zh-CN" altLang="en-US" sz="1400" b="1" dirty="0" smtClean="0">
+                  <a:solidFill>
+                    <a:schemeClr val="bg1"/>
+                  </a:solidFill>
+                  <a:latin typeface="微软雅黑" panose="020B0503020204020204" pitchFamily="34" charset="-122"/>
+                  <a:ea typeface="微软雅黑" panose="020B0503020204020204" pitchFamily="34" charset="-122"/>
+                  <a:cs typeface="Segoe UI" panose="020B0502040204020203" pitchFamily="34" charset="0"/>
+                </a:rPr>
+                <a:t>特点：</a:t>
+              </a:r>
+              <a:endParaRPr lang="zh-CN" altLang="en-US" sz="1400" b="1" dirty="0" smtClean="0">
+                <a:solidFill>
+                  <a:schemeClr val="bg1"/>
+                </a:solidFill>
+                <a:latin typeface="微软雅黑" panose="020B0503020204020204" pitchFamily="34" charset="-122"/>
+                <a:ea typeface="微软雅黑" panose="020B0503020204020204" pitchFamily="34" charset="-122"/>
+                <a:cs typeface="Segoe UI" panose="020B0502040204020203" pitchFamily="34" charset="0"/>
+              </a:endParaRPr>
+            </a:p>
+          </p:txBody>
+        </p:sp>
+        <p:sp>
+          <p:nvSpPr>
+            <p:cNvPr id="6" name="矩形 5"/>
+            <p:cNvSpPr/>
+            <p:nvPr/>
+          </p:nvSpPr>
+          <p:spPr>
+            <a:xfrm>
+              <a:off x="3347864" y="1219928"/>
+              <a:ext cx="4752528" cy="275977"/>
+            </a:xfrm>
+            <a:prstGeom prst="rect">
+              <a:avLst/>
+            </a:prstGeom>
+            <a:solidFill>
+              <a:schemeClr val="bg1">
+                <a:lumMod val="85000"/>
+              </a:schemeClr>
+            </a:solidFill>
+            <a:ln>
+              <a:noFill/>
+            </a:ln>
+            <a:effectLst/>
+          </p:spPr>
+          <p:style>
+            <a:lnRef idx="2">
+              <a:schemeClr val="accent1">
+                <a:shade val="50000"/>
+              </a:schemeClr>
+            </a:lnRef>
+            <a:fillRef idx="1">
+              <a:schemeClr val="accent1"/>
+            </a:fillRef>
+            <a:effectRef idx="0">
+              <a:schemeClr val="accent1"/>
+            </a:effectRef>
+            <a:fontRef idx="minor">
+              <a:schemeClr val="lt1"/>
+            </a:fontRef>
+          </p:style>
+          <p:txBody>
+            <a:bodyPr rtlCol="0" anchor="ctr"/>
+            <a:p>
+              <a:pPr marL="285750" indent="-285750">
+                <a:buFont typeface="Wingdings" panose="05000000000000000000" pitchFamily="2" charset="2"/>
+                <a:buChar char="u"/>
+              </a:pPr>
+              <a:r>
+                <a:rPr lang="zh-CN" altLang="en-US" sz="1400" dirty="0">
+                  <a:solidFill>
+                    <a:schemeClr val="tx1"/>
+                  </a:solidFill>
+                  <a:latin typeface="微软雅黑" panose="020B0503020204020204" pitchFamily="34" charset="-122"/>
+                  <a:ea typeface="微软雅黑" panose="020B0503020204020204" pitchFamily="34" charset="-122"/>
+                  <a:cs typeface="微软雅黑" panose="020B0503020204020204" pitchFamily="34" charset="-122"/>
+                  <a:sym typeface="+mn-ea"/>
+                </a:rPr>
+                <a:t>容错性、稳定性非常强</a:t>
+              </a:r>
+              <a:endParaRPr lang="zh-CN" altLang="en-US" sz="1400" dirty="0">
+                <a:solidFill>
+                  <a:schemeClr val="tx1"/>
+                </a:solidFill>
+                <a:latin typeface="微软雅黑" panose="020B0503020204020204" pitchFamily="34" charset="-122"/>
+                <a:ea typeface="微软雅黑" panose="020B0503020204020204" pitchFamily="34" charset="-122"/>
+                <a:cs typeface="微软雅黑" panose="020B0503020204020204" pitchFamily="34" charset="-122"/>
+              </a:endParaRPr>
+            </a:p>
+            <a:p>
+              <a:pPr marL="285750" indent="-285750">
+                <a:buFont typeface="Wingdings" panose="05000000000000000000" pitchFamily="2" charset="2"/>
+                <a:buChar char="u"/>
+              </a:pPr>
+              <a:endParaRPr lang="zh-CN" altLang="en-US" sz="1400" dirty="0">
+                <a:solidFill>
+                  <a:schemeClr val="tx1"/>
+                </a:solidFill>
+                <a:latin typeface="微软雅黑" panose="020B0503020204020204" pitchFamily="34" charset="-122"/>
+                <a:ea typeface="微软雅黑" panose="020B0503020204020204" pitchFamily="34" charset="-122"/>
+                <a:cs typeface="微软雅黑" panose="020B0503020204020204" pitchFamily="34" charset="-122"/>
+              </a:endParaRPr>
+            </a:p>
+            <a:p>
+              <a:pPr marL="285750" indent="-285750">
+                <a:buFont typeface="Wingdings" panose="05000000000000000000" pitchFamily="2" charset="2"/>
+                <a:buChar char="u"/>
+              </a:pPr>
+              <a:r>
+                <a:rPr lang="zh-CN" altLang="en-US" sz="1400" dirty="0">
+                  <a:solidFill>
+                    <a:schemeClr val="tx1"/>
+                  </a:solidFill>
+                  <a:latin typeface="微软雅黑" panose="020B0503020204020204" pitchFamily="34" charset="-122"/>
+                  <a:ea typeface="微软雅黑" panose="020B0503020204020204" pitchFamily="34" charset="-122"/>
+                  <a:cs typeface="微软雅黑" panose="020B0503020204020204" pitchFamily="34" charset="-122"/>
+                  <a:sym typeface="+mn-ea"/>
+                </a:rPr>
+                <a:t>每个</a:t>
+              </a:r>
+              <a:r>
+                <a:rPr lang="en-US" altLang="zh-CN" sz="1400" dirty="0">
+                  <a:solidFill>
+                    <a:schemeClr val="tx1"/>
+                  </a:solidFill>
+                  <a:latin typeface="微软雅黑" panose="020B0503020204020204" pitchFamily="34" charset="-122"/>
+                  <a:ea typeface="微软雅黑" panose="020B0503020204020204" pitchFamily="34" charset="-122"/>
+                  <a:cs typeface="微软雅黑" panose="020B0503020204020204" pitchFamily="34" charset="-122"/>
+                  <a:sym typeface="+mn-ea"/>
+                </a:rPr>
+                <a:t>mapreduce</a:t>
+              </a:r>
+              <a:r>
+                <a:rPr lang="zh-CN" altLang="en-US" sz="1400" dirty="0">
+                  <a:solidFill>
+                    <a:schemeClr val="tx1"/>
+                  </a:solidFill>
+                  <a:latin typeface="微软雅黑" panose="020B0503020204020204" pitchFamily="34" charset="-122"/>
+                  <a:ea typeface="微软雅黑" panose="020B0503020204020204" pitchFamily="34" charset="-122"/>
+                  <a:cs typeface="微软雅黑" panose="020B0503020204020204" pitchFamily="34" charset="-122"/>
+                  <a:sym typeface="+mn-ea"/>
+                </a:rPr>
+                <a:t>任务都会进行多次数据落地</a:t>
+              </a:r>
+              <a:endParaRPr lang="zh-CN" altLang="en-US" sz="1400" dirty="0">
+                <a:solidFill>
+                  <a:schemeClr val="tx1"/>
+                </a:solidFill>
+                <a:latin typeface="微软雅黑" panose="020B0503020204020204" pitchFamily="34" charset="-122"/>
+                <a:ea typeface="微软雅黑" panose="020B0503020204020204" pitchFamily="34" charset="-122"/>
+                <a:cs typeface="微软雅黑" panose="020B0503020204020204" pitchFamily="34" charset="-122"/>
+              </a:endParaRPr>
+            </a:p>
+            <a:p>
+              <a:pPr marL="285750" indent="-285750">
+                <a:buFont typeface="Wingdings" panose="05000000000000000000" pitchFamily="2" charset="2"/>
+                <a:buChar char="u"/>
+              </a:pPr>
+              <a:endParaRPr lang="zh-CN" altLang="en-US" sz="1400" dirty="0">
+                <a:solidFill>
+                  <a:schemeClr val="tx1"/>
+                </a:solidFill>
+                <a:latin typeface="微软雅黑" panose="020B0503020204020204" pitchFamily="34" charset="-122"/>
+                <a:ea typeface="微软雅黑" panose="020B0503020204020204" pitchFamily="34" charset="-122"/>
+                <a:cs typeface="微软雅黑" panose="020B0503020204020204" pitchFamily="34" charset="-122"/>
+              </a:endParaRPr>
+            </a:p>
+            <a:p>
+              <a:pPr marL="285750" indent="-285750">
+                <a:buFont typeface="Wingdings" panose="05000000000000000000" pitchFamily="2" charset="2"/>
+                <a:buChar char="u"/>
+              </a:pPr>
+              <a:r>
+                <a:rPr lang="zh-CN" altLang="en-US" sz="1400" dirty="0">
+                  <a:solidFill>
+                    <a:schemeClr val="tx1"/>
+                  </a:solidFill>
+                  <a:latin typeface="微软雅黑" panose="020B0503020204020204" pitchFamily="34" charset="-122"/>
+                  <a:ea typeface="微软雅黑" panose="020B0503020204020204" pitchFamily="34" charset="-122"/>
+                  <a:cs typeface="微软雅黑" panose="020B0503020204020204" pitchFamily="34" charset="-122"/>
+                  <a:sym typeface="+mn-ea"/>
+                </a:rPr>
+                <a:t>只有</a:t>
+              </a:r>
+              <a:r>
+                <a:rPr lang="en-US" altLang="zh-CN" sz="1400" dirty="0">
+                  <a:solidFill>
+                    <a:schemeClr val="tx1"/>
+                  </a:solidFill>
+                  <a:latin typeface="微软雅黑" panose="020B0503020204020204" pitchFamily="34" charset="-122"/>
+                  <a:ea typeface="微软雅黑" panose="020B0503020204020204" pitchFamily="34" charset="-122"/>
+                  <a:cs typeface="微软雅黑" panose="020B0503020204020204" pitchFamily="34" charset="-122"/>
+                  <a:sym typeface="+mn-ea"/>
+                </a:rPr>
+                <a:t>map</a:t>
+              </a:r>
+              <a:r>
+                <a:rPr lang="zh-CN" altLang="en-US" sz="1400" dirty="0">
+                  <a:solidFill>
+                    <a:schemeClr val="tx1"/>
+                  </a:solidFill>
+                  <a:latin typeface="微软雅黑" panose="020B0503020204020204" pitchFamily="34" charset="-122"/>
+                  <a:ea typeface="微软雅黑" panose="020B0503020204020204" pitchFamily="34" charset="-122"/>
+                  <a:cs typeface="微软雅黑" panose="020B0503020204020204" pitchFamily="34" charset="-122"/>
+                  <a:sym typeface="+mn-ea"/>
+                </a:rPr>
+                <a:t>和</a:t>
+              </a:r>
+              <a:r>
+                <a:rPr lang="en-US" altLang="zh-CN" sz="1400" dirty="0">
+                  <a:solidFill>
+                    <a:schemeClr val="tx1"/>
+                  </a:solidFill>
+                  <a:latin typeface="微软雅黑" panose="020B0503020204020204" pitchFamily="34" charset="-122"/>
+                  <a:ea typeface="微软雅黑" panose="020B0503020204020204" pitchFamily="34" charset="-122"/>
+                  <a:cs typeface="微软雅黑" panose="020B0503020204020204" pitchFamily="34" charset="-122"/>
+                  <a:sym typeface="+mn-ea"/>
+                </a:rPr>
+                <a:t>reduce task</a:t>
+              </a:r>
+              <a:r>
+                <a:rPr lang="zh-CN" altLang="en-US" sz="1400" dirty="0">
+                  <a:solidFill>
+                    <a:schemeClr val="tx1"/>
+                  </a:solidFill>
+                  <a:latin typeface="微软雅黑" panose="020B0503020204020204" pitchFamily="34" charset="-122"/>
+                  <a:ea typeface="微软雅黑" panose="020B0503020204020204" pitchFamily="34" charset="-122"/>
+                  <a:cs typeface="微软雅黑" panose="020B0503020204020204" pitchFamily="34" charset="-122"/>
+                  <a:sym typeface="+mn-ea"/>
+                </a:rPr>
+                <a:t>，复杂计算开发量很大</a:t>
+              </a:r>
+              <a:endParaRPr lang="zh-CN" altLang="en-US" sz="1400" dirty="0">
+                <a:solidFill>
+                  <a:schemeClr val="tx1"/>
+                </a:solidFill>
+                <a:latin typeface="微软雅黑" panose="020B0503020204020204" pitchFamily="34" charset="-122"/>
+                <a:ea typeface="微软雅黑" panose="020B0503020204020204" pitchFamily="34" charset="-122"/>
+                <a:cs typeface="微软雅黑" panose="020B0503020204020204" pitchFamily="34" charset="-122"/>
+                <a:sym typeface="+mn-ea"/>
+              </a:endParaRPr>
+            </a:p>
+          </p:txBody>
+        </p:sp>
+      </p:grpSp>
     </p:spTree>
   </p:cSld>
   <p:clrMapOvr>
@@ -30608,36 +31687,27 @@
                             </p:childTnLst>
                           </p:cTn>
                         </p:par>
-                      </p:childTnLst>
-                    </p:cTn>
-                  </p:par>
-                  <p:par>
-                    <p:cTn id="22" fill="hold">
-                      <p:stCondLst>
-                        <p:cond delay="indefinite"/>
-                      </p:stCondLst>
-                      <p:childTnLst>
                         <p:par>
-                          <p:cTn id="23" fill="hold">
+                          <p:cTn id="22" fill="hold">
                             <p:stCondLst>
-                              <p:cond delay="0"/>
+                              <p:cond delay="500"/>
                             </p:stCondLst>
                             <p:childTnLst>
                               <p:par>
-                                <p:cTn id="24" presetID="3" presetClass="entr" presetSubtype="10" fill="hold" grpId="0" nodeType="clickEffect">
+                                <p:cTn id="23" presetID="22" presetClass="entr" presetSubtype="8" fill="hold" nodeType="afterEffect">
                                   <p:stCondLst>
                                     <p:cond delay="0"/>
                                   </p:stCondLst>
                                   <p:childTnLst>
                                     <p:set>
                                       <p:cBhvr>
-                                        <p:cTn id="25" dur="1" fill="hold">
+                                        <p:cTn id="24" dur="1" fill="hold">
                                           <p:stCondLst>
                                             <p:cond delay="0"/>
                                           </p:stCondLst>
                                         </p:cTn>
                                         <p:tgtEl>
-                                          <p:spTgt spid="74"/>
+                                          <p:spTgt spid="26"/>
                                         </p:tgtEl>
                                         <p:attrNameLst>
                                           <p:attrName>style.visibility</p:attrName>
@@ -30647,11 +31717,55 @@
                                         <p:strVal val="visible"/>
                                       </p:to>
                                     </p:set>
-                                    <p:animEffect transition="in" filter="blinds(horizontal)">
+                                    <p:animEffect transition="in" filter="wipe(left)">
                                       <p:cBhvr>
-                                        <p:cTn id="26" dur="500"/>
+                                        <p:cTn id="25" dur="500"/>
                                         <p:tgtEl>
-                                          <p:spTgt spid="74"/>
+                                          <p:spTgt spid="26"/>
+                                        </p:tgtEl>
+                                      </p:cBhvr>
+                                    </p:animEffect>
+                                  </p:childTnLst>
+                                </p:cTn>
+                              </p:par>
+                            </p:childTnLst>
+                          </p:cTn>
+                        </p:par>
+                        <p:par>
+                          <p:cTn id="26" fill="hold">
+                            <p:stCondLst>
+                              <p:cond delay="1000"/>
+                            </p:stCondLst>
+                            <p:childTnLst>
+                              <p:par>
+                                <p:cTn id="27" presetID="22" presetClass="entr" presetSubtype="8" fill="hold" nodeType="afterEffect">
+                                  <p:stCondLst>
+                                    <p:cond delay="0"/>
+                                  </p:stCondLst>
+                                  <p:childTnLst>
+                                    <p:set>
+                                      <p:cBhvr>
+                                        <p:cTn id="28" dur="1" fill="hold">
+                                          <p:stCondLst>
+                                            <p:cond delay="0"/>
+                                          </p:stCondLst>
+                                        </p:cTn>
+                                        <p:tgtEl>
+                                          <p:spTgt spid="4"/>
+                                        </p:tgtEl>
+                                        <p:attrNameLst>
+                                          <p:attrName>style.visibility</p:attrName>
+                                        </p:attrNameLst>
+                                      </p:cBhvr>
+                                      <p:to>
+                                        <p:strVal val="visible"/>
+                                      </p:to>
+                                    </p:set>
+                                    <p:animEffect transition="in" filter="wipe(left)">
+                                      <p:cBhvr>
+                                        <p:cTn id="29" dur="500"/>
+                                        <p:tgtEl>
+                                          <p:spTgt spid="4"/>
                                         </p:tgtEl>
                                       </p:cBhvr>
                                     </p:animEffect>
@@ -30687,7 +31801,6 @@
     </p:tnLst>
     <p:bldLst>
       <p:bldP spid="14" grpId="0"/>
-      <p:bldP spid="74" grpId="0"/>
     </p:bldLst>
   </p:timing>
 </p:sld>
@@ -31007,135 +32120,6 @@
           </p:txBody>
         </p:sp>
       </p:grpSp>
-      <p:sp>
-        <p:nvSpPr>
-          <p:cNvPr id="74" name="TextBox 53"/>
-          <p:cNvSpPr txBox="1"/>
-          <p:nvPr/>
-        </p:nvSpPr>
-        <p:spPr>
-          <a:xfrm>
-            <a:off x="669290" y="2766060"/>
-            <a:ext cx="6760210" cy="1168400"/>
-          </a:xfrm>
-          <a:prstGeom prst="rect">
-            <a:avLst/>
-          </a:prstGeom>
-          <a:noFill/>
-        </p:spPr>
-        <p:txBody>
-          <a:bodyPr wrap="square" rtlCol="0">
-            <a:spAutoFit/>
-          </a:bodyPr>
-          <a:p>
-            <a:pPr marL="285750" indent="-285750">
-              <a:buFont typeface="Wingdings" panose="05000000000000000000" pitchFamily="2" charset="2"/>
-              <a:buChar char="u"/>
-            </a:pPr>
-            <a:r>
-              <a:rPr lang="en-US" altLang="zh-CN" sz="1400" dirty="0"/>
-              <a:t>Source</a:t>
-            </a:r>
-            <a:r>
-              <a:rPr lang="zh-CN" altLang="en-US" sz="1400" dirty="0"/>
-              <a:t>：多数据源</a:t>
-            </a:r>
-            <a:r>
-              <a:rPr lang="en-US" altLang="zh-CN" sz="1400" dirty="0"/>
-              <a:t>hive</a:t>
-            </a:r>
-            <a:r>
-              <a:rPr lang="zh-CN" altLang="en-US" sz="1400" dirty="0"/>
-              <a:t>、</a:t>
-            </a:r>
-            <a:r>
-              <a:rPr lang="en-US" altLang="zh-CN" sz="1400" dirty="0"/>
-              <a:t>RDS</a:t>
-            </a:r>
-            <a:r>
-              <a:rPr lang="zh-CN" altLang="en-US" sz="1400" dirty="0"/>
-              <a:t>、</a:t>
-            </a:r>
-            <a:r>
-              <a:rPr lang="en-US" altLang="zh-CN" sz="1400" dirty="0"/>
-              <a:t>NoSQL</a:t>
-            </a:r>
-            <a:r>
-              <a:rPr lang="zh-CN" altLang="en-US" sz="1400" dirty="0"/>
-              <a:t>、</a:t>
-            </a:r>
-            <a:r>
-              <a:rPr lang="en-US" altLang="zh-CN" sz="1400" dirty="0"/>
-              <a:t>Cassandra</a:t>
-            </a:r>
-            <a:r>
-              <a:rPr lang="zh-CN" altLang="en-US" sz="1400" dirty="0"/>
-              <a:t>、</a:t>
-            </a:r>
-            <a:r>
-              <a:rPr lang="en-US" altLang="zh-CN" sz="1400" dirty="0"/>
-              <a:t>Redis</a:t>
-            </a:r>
-            <a:r>
-              <a:rPr lang="zh-CN" altLang="en-US" sz="1400" dirty="0"/>
-              <a:t>等</a:t>
-            </a:r>
-            <a:endParaRPr lang="en-US" altLang="zh-CN" sz="1400" dirty="0"/>
-          </a:p>
-          <a:p>
-            <a:pPr marL="285750" indent="-285750">
-              <a:buFont typeface="Wingdings" panose="05000000000000000000" pitchFamily="2" charset="2"/>
-              <a:buChar char="u"/>
-            </a:pPr>
-            <a:endParaRPr lang="en-US" altLang="zh-CN" sz="1400" dirty="0"/>
-          </a:p>
-          <a:p>
-            <a:pPr marL="285750" indent="-285750">
-              <a:buFont typeface="Wingdings" panose="05000000000000000000" pitchFamily="2" charset="2"/>
-              <a:buChar char="u"/>
-            </a:pPr>
-            <a:r>
-              <a:rPr lang="en-US" sz="1400" dirty="0"/>
-              <a:t>Compute</a:t>
-            </a:r>
-            <a:r>
-              <a:rPr lang="zh-CN" altLang="en-US" sz="1400" dirty="0"/>
-              <a:t>：基于内存流水线计算，典型的</a:t>
-            </a:r>
-            <a:r>
-              <a:rPr lang="en-US" altLang="zh-CN" sz="1400" dirty="0"/>
-              <a:t>Micro-Batch</a:t>
-            </a:r>
-            <a:r>
-              <a:rPr lang="zh-CN" altLang="en-US" sz="1400" dirty="0"/>
-              <a:t>计算模式</a:t>
-            </a:r>
-            <a:endParaRPr lang="zh-CN" altLang="en-US" sz="1400" dirty="0"/>
-          </a:p>
-          <a:p>
-            <a:pPr marL="285750" indent="-285750">
-              <a:buFont typeface="Wingdings" panose="05000000000000000000" pitchFamily="2" charset="2"/>
-              <a:buChar char="u"/>
-            </a:pPr>
-            <a:endParaRPr lang="zh-CN" altLang="zh-CN" sz="1400" dirty="0"/>
-          </a:p>
-          <a:p>
-            <a:pPr marL="285750" indent="-285750">
-              <a:buFont typeface="Wingdings" panose="05000000000000000000" pitchFamily="2" charset="2"/>
-              <a:buChar char="u"/>
-            </a:pPr>
-            <a:r>
-              <a:rPr lang="en-US" altLang="zh-CN" sz="1400" dirty="0"/>
-              <a:t>Output</a:t>
-            </a:r>
-            <a:r>
-              <a:rPr lang="zh-CN" altLang="en-US" sz="1400" dirty="0"/>
-              <a:t>：多目的地</a:t>
-            </a:r>
-            <a:endParaRPr lang="en-US" altLang="zh-CN" sz="1400" dirty="0"/>
-          </a:p>
-        </p:txBody>
-      </p:sp>
       <p:pic>
         <p:nvPicPr>
           <p:cNvPr id="29" name="图片 28"/>
@@ -31159,7 +32143,7 @@
         <p:spPr>
           <a:xfrm>
             <a:off x="593090" y="635635"/>
-            <a:ext cx="3705225" cy="2017395"/>
+            <a:ext cx="3827780" cy="2084070"/>
           </a:xfrm>
           <a:prstGeom prst="rect">
             <a:avLst/>
@@ -31183,13 +32167,645 @@
         <p:spPr>
           <a:xfrm>
             <a:off x="4928235" y="605155"/>
-            <a:ext cx="3175635" cy="2048510"/>
+            <a:ext cx="3432175" cy="2214245"/>
           </a:xfrm>
           <a:prstGeom prst="rect">
             <a:avLst/>
           </a:prstGeom>
         </p:spPr>
       </p:pic>
+      <p:grpSp>
+        <p:nvGrpSpPr>
+          <p:cNvPr id="26" name="组合 25"/>
+          <p:cNvGrpSpPr/>
+          <p:nvPr/>
+        </p:nvGrpSpPr>
+        <p:grpSpPr>
+          <a:xfrm>
+            <a:off x="539750" y="3101975"/>
+            <a:ext cx="3949065" cy="2005330"/>
+            <a:chOff x="3347864" y="1152444"/>
+            <a:chExt cx="4752528" cy="369631"/>
+          </a:xfrm>
+        </p:grpSpPr>
+        <p:sp>
+          <p:nvSpPr>
+            <p:cNvPr id="27" name="矩形 26"/>
+            <p:cNvSpPr/>
+            <p:nvPr/>
+          </p:nvSpPr>
+          <p:spPr>
+            <a:xfrm>
+              <a:off x="3347864" y="1152444"/>
+              <a:ext cx="4752528" cy="67586"/>
+            </a:xfrm>
+            <a:prstGeom prst="rect">
+              <a:avLst/>
+            </a:prstGeom>
+            <a:solidFill>
+              <a:srgbClr val="0E90BE"/>
+            </a:solidFill>
+            <a:ln>
+              <a:noFill/>
+            </a:ln>
+          </p:spPr>
+          <p:style>
+            <a:lnRef idx="2">
+              <a:schemeClr val="accent1">
+                <a:shade val="50000"/>
+              </a:schemeClr>
+            </a:lnRef>
+            <a:fillRef idx="1">
+              <a:schemeClr val="accent1"/>
+            </a:fillRef>
+            <a:effectRef idx="0">
+              <a:schemeClr val="accent1"/>
+            </a:effectRef>
+            <a:fontRef idx="minor">
+              <a:schemeClr val="lt1"/>
+            </a:fontRef>
+          </p:style>
+          <p:txBody>
+            <a:bodyPr rtlCol="0" anchor="ctr"/>
+            <a:p>
+              <a:pPr algn="l"/>
+              <a:r>
+                <a:rPr lang="zh-CN" altLang="en-US" sz="1400" b="1" dirty="0" smtClean="0">
+                  <a:solidFill>
+                    <a:schemeClr val="bg1"/>
+                  </a:solidFill>
+                  <a:latin typeface="微软雅黑" panose="020B0503020204020204" pitchFamily="34" charset="-122"/>
+                  <a:ea typeface="微软雅黑" panose="020B0503020204020204" pitchFamily="34" charset="-122"/>
+                  <a:cs typeface="Segoe UI" panose="020B0502040204020203" pitchFamily="34" charset="0"/>
+                </a:rPr>
+                <a:t>计算流程：</a:t>
+              </a:r>
+              <a:endParaRPr lang="zh-CN" altLang="en-US" sz="1400" b="1" dirty="0" smtClean="0">
+                <a:solidFill>
+                  <a:schemeClr val="bg1"/>
+                </a:solidFill>
+                <a:latin typeface="微软雅黑" panose="020B0503020204020204" pitchFamily="34" charset="-122"/>
+                <a:ea typeface="微软雅黑" panose="020B0503020204020204" pitchFamily="34" charset="-122"/>
+                <a:cs typeface="Segoe UI" panose="020B0502040204020203" pitchFamily="34" charset="0"/>
+              </a:endParaRPr>
+            </a:p>
+          </p:txBody>
+        </p:sp>
+        <p:sp>
+          <p:nvSpPr>
+            <p:cNvPr id="28" name="矩形 27"/>
+            <p:cNvSpPr/>
+            <p:nvPr/>
+          </p:nvSpPr>
+          <p:spPr>
+            <a:xfrm>
+              <a:off x="3347864" y="1219971"/>
+              <a:ext cx="4752528" cy="302104"/>
+            </a:xfrm>
+            <a:prstGeom prst="rect">
+              <a:avLst/>
+            </a:prstGeom>
+            <a:solidFill>
+              <a:schemeClr val="bg1">
+                <a:lumMod val="85000"/>
+              </a:schemeClr>
+            </a:solidFill>
+            <a:ln>
+              <a:noFill/>
+            </a:ln>
+            <a:effectLst/>
+          </p:spPr>
+          <p:style>
+            <a:lnRef idx="2">
+              <a:schemeClr val="accent1">
+                <a:shade val="50000"/>
+              </a:schemeClr>
+            </a:lnRef>
+            <a:fillRef idx="1">
+              <a:schemeClr val="accent1"/>
+            </a:fillRef>
+            <a:effectRef idx="0">
+              <a:schemeClr val="accent1"/>
+            </a:effectRef>
+            <a:fontRef idx="minor">
+              <a:schemeClr val="lt1"/>
+            </a:fontRef>
+          </p:style>
+          <p:txBody>
+            <a:bodyPr rtlCol="0" anchor="ctr"/>
+            <a:p>
+              <a:pPr marL="285750" indent="-285750">
+                <a:buFont typeface="Wingdings" panose="05000000000000000000" pitchFamily="2" charset="2"/>
+                <a:buChar char="u"/>
+              </a:pPr>
+              <a:r>
+                <a:rPr lang="en-US" altLang="zh-CN" sz="1400" dirty="0">
+                  <a:solidFill>
+                    <a:schemeClr val="tx1"/>
+                  </a:solidFill>
+                  <a:latin typeface="微软雅黑" panose="020B0503020204020204" pitchFamily="34" charset="-122"/>
+                  <a:ea typeface="微软雅黑" panose="020B0503020204020204" pitchFamily="34" charset="-122"/>
+                  <a:cs typeface="微软雅黑" panose="020B0503020204020204" pitchFamily="34" charset="-122"/>
+                  <a:sym typeface="+mn-ea"/>
+                </a:rPr>
+                <a:t>Source</a:t>
+              </a:r>
+              <a:r>
+                <a:rPr lang="zh-CN" altLang="en-US" sz="1400" dirty="0">
+                  <a:solidFill>
+                    <a:schemeClr val="tx1"/>
+                  </a:solidFill>
+                  <a:latin typeface="微软雅黑" panose="020B0503020204020204" pitchFamily="34" charset="-122"/>
+                  <a:ea typeface="微软雅黑" panose="020B0503020204020204" pitchFamily="34" charset="-122"/>
+                  <a:cs typeface="微软雅黑" panose="020B0503020204020204" pitchFamily="34" charset="-122"/>
+                  <a:sym typeface="+mn-ea"/>
+                </a:rPr>
+                <a:t>：多数据源</a:t>
+              </a:r>
+              <a:r>
+                <a:rPr lang="en-US" altLang="zh-CN" sz="1400" dirty="0">
+                  <a:solidFill>
+                    <a:schemeClr val="tx1"/>
+                  </a:solidFill>
+                  <a:latin typeface="微软雅黑" panose="020B0503020204020204" pitchFamily="34" charset="-122"/>
+                  <a:ea typeface="微软雅黑" panose="020B0503020204020204" pitchFamily="34" charset="-122"/>
+                  <a:cs typeface="微软雅黑" panose="020B0503020204020204" pitchFamily="34" charset="-122"/>
+                  <a:sym typeface="+mn-ea"/>
+                </a:rPr>
+                <a:t>hive</a:t>
+              </a:r>
+              <a:r>
+                <a:rPr lang="zh-CN" altLang="en-US" sz="1400" dirty="0">
+                  <a:solidFill>
+                    <a:schemeClr val="tx1"/>
+                  </a:solidFill>
+                  <a:latin typeface="微软雅黑" panose="020B0503020204020204" pitchFamily="34" charset="-122"/>
+                  <a:ea typeface="微软雅黑" panose="020B0503020204020204" pitchFamily="34" charset="-122"/>
+                  <a:cs typeface="微软雅黑" panose="020B0503020204020204" pitchFamily="34" charset="-122"/>
+                  <a:sym typeface="+mn-ea"/>
+                </a:rPr>
+                <a:t>、</a:t>
+              </a:r>
+              <a:r>
+                <a:rPr lang="en-US" altLang="zh-CN" sz="1400" dirty="0">
+                  <a:solidFill>
+                    <a:schemeClr val="tx1"/>
+                  </a:solidFill>
+                  <a:latin typeface="微软雅黑" panose="020B0503020204020204" pitchFamily="34" charset="-122"/>
+                  <a:ea typeface="微软雅黑" panose="020B0503020204020204" pitchFamily="34" charset="-122"/>
+                  <a:cs typeface="微软雅黑" panose="020B0503020204020204" pitchFamily="34" charset="-122"/>
+                  <a:sym typeface="+mn-ea"/>
+                </a:rPr>
+                <a:t>RDS</a:t>
+              </a:r>
+              <a:r>
+                <a:rPr lang="zh-CN" altLang="en-US" sz="1400" dirty="0">
+                  <a:solidFill>
+                    <a:schemeClr val="tx1"/>
+                  </a:solidFill>
+                  <a:latin typeface="微软雅黑" panose="020B0503020204020204" pitchFamily="34" charset="-122"/>
+                  <a:ea typeface="微软雅黑" panose="020B0503020204020204" pitchFamily="34" charset="-122"/>
+                  <a:cs typeface="微软雅黑" panose="020B0503020204020204" pitchFamily="34" charset="-122"/>
+                  <a:sym typeface="+mn-ea"/>
+                </a:rPr>
+                <a:t>、</a:t>
+              </a:r>
+              <a:r>
+                <a:rPr lang="en-US" altLang="zh-CN" sz="1400" dirty="0">
+                  <a:solidFill>
+                    <a:schemeClr val="tx1"/>
+                  </a:solidFill>
+                  <a:latin typeface="微软雅黑" panose="020B0503020204020204" pitchFamily="34" charset="-122"/>
+                  <a:ea typeface="微软雅黑" panose="020B0503020204020204" pitchFamily="34" charset="-122"/>
+                  <a:cs typeface="微软雅黑" panose="020B0503020204020204" pitchFamily="34" charset="-122"/>
+                  <a:sym typeface="+mn-ea"/>
+                </a:rPr>
+                <a:t>NoSQL</a:t>
+              </a:r>
+              <a:r>
+                <a:rPr lang="zh-CN" altLang="en-US" sz="1400" dirty="0">
+                  <a:solidFill>
+                    <a:schemeClr val="tx1"/>
+                  </a:solidFill>
+                  <a:latin typeface="微软雅黑" panose="020B0503020204020204" pitchFamily="34" charset="-122"/>
+                  <a:ea typeface="微软雅黑" panose="020B0503020204020204" pitchFamily="34" charset="-122"/>
+                  <a:cs typeface="微软雅黑" panose="020B0503020204020204" pitchFamily="34" charset="-122"/>
+                  <a:sym typeface="+mn-ea"/>
+                </a:rPr>
+                <a:t>、</a:t>
+              </a:r>
+              <a:r>
+                <a:rPr lang="en-US" altLang="zh-CN" sz="1400" dirty="0">
+                  <a:solidFill>
+                    <a:schemeClr val="tx1"/>
+                  </a:solidFill>
+                  <a:latin typeface="微软雅黑" panose="020B0503020204020204" pitchFamily="34" charset="-122"/>
+                  <a:ea typeface="微软雅黑" panose="020B0503020204020204" pitchFamily="34" charset="-122"/>
+                  <a:cs typeface="微软雅黑" panose="020B0503020204020204" pitchFamily="34" charset="-122"/>
+                  <a:sym typeface="+mn-ea"/>
+                </a:rPr>
+                <a:t>Cassandra</a:t>
+              </a:r>
+              <a:r>
+                <a:rPr lang="zh-CN" altLang="en-US" sz="1400" dirty="0">
+                  <a:solidFill>
+                    <a:schemeClr val="tx1"/>
+                  </a:solidFill>
+                  <a:latin typeface="微软雅黑" panose="020B0503020204020204" pitchFamily="34" charset="-122"/>
+                  <a:ea typeface="微软雅黑" panose="020B0503020204020204" pitchFamily="34" charset="-122"/>
+                  <a:cs typeface="微软雅黑" panose="020B0503020204020204" pitchFamily="34" charset="-122"/>
+                  <a:sym typeface="+mn-ea"/>
+                </a:rPr>
+                <a:t>、</a:t>
+              </a:r>
+              <a:r>
+                <a:rPr lang="en-US" altLang="zh-CN" sz="1400" dirty="0">
+                  <a:solidFill>
+                    <a:schemeClr val="tx1"/>
+                  </a:solidFill>
+                  <a:latin typeface="微软雅黑" panose="020B0503020204020204" pitchFamily="34" charset="-122"/>
+                  <a:ea typeface="微软雅黑" panose="020B0503020204020204" pitchFamily="34" charset="-122"/>
+                  <a:cs typeface="微软雅黑" panose="020B0503020204020204" pitchFamily="34" charset="-122"/>
+                  <a:sym typeface="+mn-ea"/>
+                </a:rPr>
+                <a:t>Redis</a:t>
+              </a:r>
+              <a:r>
+                <a:rPr lang="zh-CN" altLang="en-US" sz="1400" dirty="0">
+                  <a:solidFill>
+                    <a:schemeClr val="tx1"/>
+                  </a:solidFill>
+                  <a:latin typeface="微软雅黑" panose="020B0503020204020204" pitchFamily="34" charset="-122"/>
+                  <a:ea typeface="微软雅黑" panose="020B0503020204020204" pitchFamily="34" charset="-122"/>
+                  <a:cs typeface="微软雅黑" panose="020B0503020204020204" pitchFamily="34" charset="-122"/>
+                  <a:sym typeface="+mn-ea"/>
+                </a:rPr>
+                <a:t>等</a:t>
+              </a:r>
+              <a:endParaRPr lang="en-US" altLang="zh-CN" sz="1400" dirty="0">
+                <a:solidFill>
+                  <a:schemeClr val="tx1"/>
+                </a:solidFill>
+                <a:latin typeface="微软雅黑" panose="020B0503020204020204" pitchFamily="34" charset="-122"/>
+                <a:ea typeface="微软雅黑" panose="020B0503020204020204" pitchFamily="34" charset="-122"/>
+                <a:cs typeface="微软雅黑" panose="020B0503020204020204" pitchFamily="34" charset="-122"/>
+              </a:endParaRPr>
+            </a:p>
+            <a:p>
+              <a:pPr marL="285750" indent="-285750">
+                <a:buFont typeface="Wingdings" panose="05000000000000000000" pitchFamily="2" charset="2"/>
+                <a:buChar char="u"/>
+              </a:pPr>
+              <a:r>
+                <a:rPr lang="en-US" sz="1400" dirty="0">
+                  <a:solidFill>
+                    <a:schemeClr val="tx1"/>
+                  </a:solidFill>
+                  <a:latin typeface="微软雅黑" panose="020B0503020204020204" pitchFamily="34" charset="-122"/>
+                  <a:ea typeface="微软雅黑" panose="020B0503020204020204" pitchFamily="34" charset="-122"/>
+                  <a:cs typeface="微软雅黑" panose="020B0503020204020204" pitchFamily="34" charset="-122"/>
+                  <a:sym typeface="+mn-ea"/>
+                </a:rPr>
+                <a:t>Compute</a:t>
+              </a:r>
+              <a:r>
+                <a:rPr lang="zh-CN" altLang="en-US" sz="1400" dirty="0">
+                  <a:solidFill>
+                    <a:schemeClr val="tx1"/>
+                  </a:solidFill>
+                  <a:latin typeface="微软雅黑" panose="020B0503020204020204" pitchFamily="34" charset="-122"/>
+                  <a:ea typeface="微软雅黑" panose="020B0503020204020204" pitchFamily="34" charset="-122"/>
+                  <a:cs typeface="微软雅黑" panose="020B0503020204020204" pitchFamily="34" charset="-122"/>
+                  <a:sym typeface="+mn-ea"/>
+                </a:rPr>
+                <a:t>：基于内存流水线计算，典型的</a:t>
+              </a:r>
+              <a:r>
+                <a:rPr lang="en-US" altLang="zh-CN" sz="1400" dirty="0">
+                  <a:solidFill>
+                    <a:schemeClr val="tx1"/>
+                  </a:solidFill>
+                  <a:latin typeface="微软雅黑" panose="020B0503020204020204" pitchFamily="34" charset="-122"/>
+                  <a:ea typeface="微软雅黑" panose="020B0503020204020204" pitchFamily="34" charset="-122"/>
+                  <a:cs typeface="微软雅黑" panose="020B0503020204020204" pitchFamily="34" charset="-122"/>
+                  <a:sym typeface="+mn-ea"/>
+                </a:rPr>
+                <a:t>Micro-Batch</a:t>
+              </a:r>
+              <a:r>
+                <a:rPr lang="zh-CN" altLang="en-US" sz="1400" dirty="0">
+                  <a:solidFill>
+                    <a:schemeClr val="tx1"/>
+                  </a:solidFill>
+                  <a:latin typeface="微软雅黑" panose="020B0503020204020204" pitchFamily="34" charset="-122"/>
+                  <a:ea typeface="微软雅黑" panose="020B0503020204020204" pitchFamily="34" charset="-122"/>
+                  <a:cs typeface="微软雅黑" panose="020B0503020204020204" pitchFamily="34" charset="-122"/>
+                  <a:sym typeface="+mn-ea"/>
+                </a:rPr>
+                <a:t>计算模式</a:t>
+              </a:r>
+              <a:endParaRPr lang="zh-CN" altLang="zh-CN" sz="1400" dirty="0">
+                <a:solidFill>
+                  <a:schemeClr val="tx1"/>
+                </a:solidFill>
+                <a:latin typeface="微软雅黑" panose="020B0503020204020204" pitchFamily="34" charset="-122"/>
+                <a:ea typeface="微软雅黑" panose="020B0503020204020204" pitchFamily="34" charset="-122"/>
+                <a:cs typeface="微软雅黑" panose="020B0503020204020204" pitchFamily="34" charset="-122"/>
+              </a:endParaRPr>
+            </a:p>
+            <a:p>
+              <a:pPr marL="285750" indent="-285750">
+                <a:buFont typeface="Wingdings" panose="05000000000000000000" pitchFamily="2" charset="2"/>
+                <a:buChar char="u"/>
+              </a:pPr>
+              <a:r>
+                <a:rPr lang="en-US" altLang="zh-CN" sz="1400" dirty="0">
+                  <a:solidFill>
+                    <a:schemeClr val="tx1"/>
+                  </a:solidFill>
+                  <a:latin typeface="微软雅黑" panose="020B0503020204020204" pitchFamily="34" charset="-122"/>
+                  <a:ea typeface="微软雅黑" panose="020B0503020204020204" pitchFamily="34" charset="-122"/>
+                  <a:cs typeface="微软雅黑" panose="020B0503020204020204" pitchFamily="34" charset="-122"/>
+                  <a:sym typeface="+mn-ea"/>
+                </a:rPr>
+                <a:t>Output</a:t>
+              </a:r>
+              <a:r>
+                <a:rPr lang="zh-CN" altLang="en-US" sz="1400" dirty="0">
+                  <a:solidFill>
+                    <a:schemeClr val="tx1"/>
+                  </a:solidFill>
+                  <a:latin typeface="微软雅黑" panose="020B0503020204020204" pitchFamily="34" charset="-122"/>
+                  <a:ea typeface="微软雅黑" panose="020B0503020204020204" pitchFamily="34" charset="-122"/>
+                  <a:cs typeface="微软雅黑" panose="020B0503020204020204" pitchFamily="34" charset="-122"/>
+                  <a:sym typeface="+mn-ea"/>
+                </a:rPr>
+                <a:t>：多目的地</a:t>
+              </a:r>
+              <a:endParaRPr lang="zh-CN" altLang="en-US" sz="1400" dirty="0">
+                <a:solidFill>
+                  <a:schemeClr val="tx1"/>
+                </a:solidFill>
+                <a:latin typeface="微软雅黑" panose="020B0503020204020204" pitchFamily="34" charset="-122"/>
+                <a:ea typeface="微软雅黑" panose="020B0503020204020204" pitchFamily="34" charset="-122"/>
+                <a:cs typeface="微软雅黑" panose="020B0503020204020204" pitchFamily="34" charset="-122"/>
+                <a:sym typeface="+mn-ea"/>
+              </a:endParaRPr>
+            </a:p>
+          </p:txBody>
+        </p:sp>
+      </p:grpSp>
+      <p:grpSp>
+        <p:nvGrpSpPr>
+          <p:cNvPr id="4" name="组合 3"/>
+          <p:cNvGrpSpPr/>
+          <p:nvPr/>
+        </p:nvGrpSpPr>
+        <p:grpSpPr>
+          <a:xfrm>
+            <a:off x="4660265" y="3101975"/>
+            <a:ext cx="3949065" cy="2005330"/>
+            <a:chOff x="3347864" y="1152444"/>
+            <a:chExt cx="4752528" cy="343461"/>
+          </a:xfrm>
+        </p:grpSpPr>
+        <p:sp>
+          <p:nvSpPr>
+            <p:cNvPr id="5" name="矩形 4"/>
+            <p:cNvSpPr/>
+            <p:nvPr/>
+          </p:nvSpPr>
+          <p:spPr>
+            <a:xfrm>
+              <a:off x="3347864" y="1152444"/>
+              <a:ext cx="4752528" cy="67586"/>
+            </a:xfrm>
+            <a:prstGeom prst="rect">
+              <a:avLst/>
+            </a:prstGeom>
+            <a:solidFill>
+              <a:srgbClr val="0E90BE"/>
+            </a:solidFill>
+            <a:ln>
+              <a:noFill/>
+            </a:ln>
+          </p:spPr>
+          <p:style>
+            <a:lnRef idx="2">
+              <a:schemeClr val="accent1">
+                <a:shade val="50000"/>
+              </a:schemeClr>
+            </a:lnRef>
+            <a:fillRef idx="1">
+              <a:schemeClr val="accent1"/>
+            </a:fillRef>
+            <a:effectRef idx="0">
+              <a:schemeClr val="accent1"/>
+            </a:effectRef>
+            <a:fontRef idx="minor">
+              <a:schemeClr val="lt1"/>
+            </a:fontRef>
+          </p:style>
+          <p:txBody>
+            <a:bodyPr rtlCol="0" anchor="ctr"/>
+            <a:p>
+              <a:pPr algn="l"/>
+              <a:r>
+                <a:rPr lang="zh-CN" altLang="en-US" sz="1400" b="1" dirty="0" smtClean="0">
+                  <a:solidFill>
+                    <a:schemeClr val="bg1"/>
+                  </a:solidFill>
+                  <a:latin typeface="微软雅黑" panose="020B0503020204020204" pitchFamily="34" charset="-122"/>
+                  <a:ea typeface="微软雅黑" panose="020B0503020204020204" pitchFamily="34" charset="-122"/>
+                  <a:cs typeface="Segoe UI" panose="020B0502040204020203" pitchFamily="34" charset="0"/>
+                </a:rPr>
+                <a:t>特点：</a:t>
+              </a:r>
+              <a:endParaRPr lang="zh-CN" altLang="en-US" sz="1400" b="1" dirty="0" smtClean="0">
+                <a:solidFill>
+                  <a:schemeClr val="bg1"/>
+                </a:solidFill>
+                <a:latin typeface="微软雅黑" panose="020B0503020204020204" pitchFamily="34" charset="-122"/>
+                <a:ea typeface="微软雅黑" panose="020B0503020204020204" pitchFamily="34" charset="-122"/>
+                <a:cs typeface="Segoe UI" panose="020B0502040204020203" pitchFamily="34" charset="0"/>
+              </a:endParaRPr>
+            </a:p>
+          </p:txBody>
+        </p:sp>
+        <p:sp>
+          <p:nvSpPr>
+            <p:cNvPr id="6" name="矩形 5"/>
+            <p:cNvSpPr/>
+            <p:nvPr/>
+          </p:nvSpPr>
+          <p:spPr>
+            <a:xfrm>
+              <a:off x="3347864" y="1219928"/>
+              <a:ext cx="4752528" cy="275977"/>
+            </a:xfrm>
+            <a:prstGeom prst="rect">
+              <a:avLst/>
+            </a:prstGeom>
+            <a:solidFill>
+              <a:schemeClr val="bg1">
+                <a:lumMod val="85000"/>
+              </a:schemeClr>
+            </a:solidFill>
+            <a:ln>
+              <a:noFill/>
+            </a:ln>
+            <a:effectLst/>
+          </p:spPr>
+          <p:style>
+            <a:lnRef idx="2">
+              <a:schemeClr val="accent1">
+                <a:shade val="50000"/>
+              </a:schemeClr>
+            </a:lnRef>
+            <a:fillRef idx="1">
+              <a:schemeClr val="accent1"/>
+            </a:fillRef>
+            <a:effectRef idx="0">
+              <a:schemeClr val="accent1"/>
+            </a:effectRef>
+            <a:fontRef idx="minor">
+              <a:schemeClr val="lt1"/>
+            </a:fontRef>
+          </p:style>
+          <p:txBody>
+            <a:bodyPr rtlCol="0" anchor="ctr"/>
+            <a:p>
+              <a:pPr marL="285750" indent="-285750">
+                <a:buFont typeface="Wingdings" panose="05000000000000000000" pitchFamily="2" charset="2"/>
+                <a:buChar char="u"/>
+              </a:pPr>
+              <a:r>
+                <a:rPr lang="zh-CN" altLang="en-US" sz="1400" dirty="0">
+                  <a:solidFill>
+                    <a:schemeClr val="tx1"/>
+                  </a:solidFill>
+                  <a:latin typeface="微软雅黑" panose="020B0503020204020204" pitchFamily="34" charset="-122"/>
+                  <a:ea typeface="微软雅黑" panose="020B0503020204020204" pitchFamily="34" charset="-122"/>
+                  <a:cs typeface="微软雅黑" panose="020B0503020204020204" pitchFamily="34" charset="-122"/>
+                </a:rPr>
+                <a:t>多数据源可以交错查询</a:t>
+              </a:r>
+              <a:endParaRPr lang="zh-CN" altLang="en-US" sz="1400" dirty="0">
+                <a:solidFill>
+                  <a:schemeClr val="tx1"/>
+                </a:solidFill>
+                <a:latin typeface="微软雅黑" panose="020B0503020204020204" pitchFamily="34" charset="-122"/>
+                <a:ea typeface="微软雅黑" panose="020B0503020204020204" pitchFamily="34" charset="-122"/>
+                <a:cs typeface="微软雅黑" panose="020B0503020204020204" pitchFamily="34" charset="-122"/>
+              </a:endParaRPr>
+            </a:p>
+            <a:p>
+              <a:pPr marL="285750" indent="-285750">
+                <a:buFont typeface="Wingdings" panose="05000000000000000000" pitchFamily="2" charset="2"/>
+                <a:buChar char="u"/>
+              </a:pPr>
+              <a:endParaRPr lang="zh-CN" altLang="en-US" sz="1400" dirty="0">
+                <a:solidFill>
+                  <a:schemeClr val="tx1"/>
+                </a:solidFill>
+                <a:latin typeface="微软雅黑" panose="020B0503020204020204" pitchFamily="34" charset="-122"/>
+                <a:ea typeface="微软雅黑" panose="020B0503020204020204" pitchFamily="34" charset="-122"/>
+                <a:cs typeface="微软雅黑" panose="020B0503020204020204" pitchFamily="34" charset="-122"/>
+              </a:endParaRPr>
+            </a:p>
+            <a:p>
+              <a:pPr marL="285750" indent="-285750">
+                <a:buFont typeface="Wingdings" panose="05000000000000000000" pitchFamily="2" charset="2"/>
+                <a:buChar char="u"/>
+              </a:pPr>
+              <a:r>
+                <a:rPr lang="zh-CN" altLang="en-US" sz="1400" dirty="0">
+                  <a:solidFill>
+                    <a:schemeClr val="tx1"/>
+                  </a:solidFill>
+                  <a:latin typeface="微软雅黑" panose="020B0503020204020204" pitchFamily="34" charset="-122"/>
+                  <a:ea typeface="微软雅黑" panose="020B0503020204020204" pitchFamily="34" charset="-122"/>
+                  <a:cs typeface="微软雅黑" panose="020B0503020204020204" pitchFamily="34" charset="-122"/>
+                </a:rPr>
+                <a:t>基于内存，速度非常快</a:t>
+              </a:r>
+              <a:endParaRPr lang="zh-CN" altLang="en-US" sz="1400" dirty="0">
+                <a:solidFill>
+                  <a:schemeClr val="tx1"/>
+                </a:solidFill>
+                <a:latin typeface="微软雅黑" panose="020B0503020204020204" pitchFamily="34" charset="-122"/>
+                <a:ea typeface="微软雅黑" panose="020B0503020204020204" pitchFamily="34" charset="-122"/>
+                <a:cs typeface="微软雅黑" panose="020B0503020204020204" pitchFamily="34" charset="-122"/>
+              </a:endParaRPr>
+            </a:p>
+            <a:p>
+              <a:pPr marL="285750" indent="-285750">
+                <a:buFont typeface="Wingdings" panose="05000000000000000000" pitchFamily="2" charset="2"/>
+                <a:buChar char="u"/>
+              </a:pPr>
+              <a:endParaRPr lang="zh-CN" altLang="en-US" sz="1400" dirty="0">
+                <a:solidFill>
+                  <a:schemeClr val="tx1"/>
+                </a:solidFill>
+                <a:latin typeface="微软雅黑" panose="020B0503020204020204" pitchFamily="34" charset="-122"/>
+                <a:ea typeface="微软雅黑" panose="020B0503020204020204" pitchFamily="34" charset="-122"/>
+                <a:cs typeface="微软雅黑" panose="020B0503020204020204" pitchFamily="34" charset="-122"/>
+              </a:endParaRPr>
+            </a:p>
+            <a:p>
+              <a:pPr marL="285750" indent="-285750">
+                <a:buFont typeface="Wingdings" panose="05000000000000000000" pitchFamily="2" charset="2"/>
+                <a:buChar char="u"/>
+              </a:pPr>
+              <a:r>
+                <a:rPr lang="zh-CN" altLang="en-US" sz="1400" dirty="0">
+                  <a:solidFill>
+                    <a:schemeClr val="tx1"/>
+                  </a:solidFill>
+                  <a:latin typeface="微软雅黑" panose="020B0503020204020204" pitchFamily="34" charset="-122"/>
+                  <a:ea typeface="微软雅黑" panose="020B0503020204020204" pitchFamily="34" charset="-122"/>
+                  <a:cs typeface="微软雅黑" panose="020B0503020204020204" pitchFamily="34" charset="-122"/>
+                  <a:sym typeface="+mn-ea"/>
+                </a:rPr>
+                <a:t>容错能力差，只要</a:t>
+              </a:r>
+              <a:r>
+                <a:rPr lang="en-US" altLang="zh-CN" sz="1400" dirty="0">
+                  <a:solidFill>
+                    <a:schemeClr val="tx1"/>
+                  </a:solidFill>
+                  <a:latin typeface="微软雅黑" panose="020B0503020204020204" pitchFamily="34" charset="-122"/>
+                  <a:ea typeface="微软雅黑" panose="020B0503020204020204" pitchFamily="34" charset="-122"/>
+                  <a:cs typeface="微软雅黑" panose="020B0503020204020204" pitchFamily="34" charset="-122"/>
+                  <a:sym typeface="+mn-ea"/>
+                </a:rPr>
+                <a:t>task</a:t>
+              </a:r>
+              <a:r>
+                <a:rPr lang="zh-CN" altLang="en-US" sz="1400" dirty="0">
+                  <a:solidFill>
+                    <a:schemeClr val="tx1"/>
+                  </a:solidFill>
+                  <a:latin typeface="微软雅黑" panose="020B0503020204020204" pitchFamily="34" charset="-122"/>
+                  <a:ea typeface="微软雅黑" panose="020B0503020204020204" pitchFamily="34" charset="-122"/>
+                  <a:cs typeface="微软雅黑" panose="020B0503020204020204" pitchFamily="34" charset="-122"/>
+                  <a:sym typeface="+mn-ea"/>
+                </a:rPr>
+                <a:t>失败就崩溃</a:t>
+              </a:r>
+              <a:endParaRPr lang="zh-CN" altLang="en-US" sz="1400" dirty="0">
+                <a:solidFill>
+                  <a:schemeClr val="tx1"/>
+                </a:solidFill>
+                <a:latin typeface="微软雅黑" panose="020B0503020204020204" pitchFamily="34" charset="-122"/>
+                <a:ea typeface="微软雅黑" panose="020B0503020204020204" pitchFamily="34" charset="-122"/>
+                <a:cs typeface="微软雅黑" panose="020B0503020204020204" pitchFamily="34" charset="-122"/>
+                <a:sym typeface="+mn-ea"/>
+              </a:endParaRPr>
+            </a:p>
+          </p:txBody>
+        </p:sp>
+      </p:grpSp>
     </p:spTree>
   </p:cSld>
   <p:clrMapOvr>
@@ -31557,36 +33173,27 @@
                             </p:childTnLst>
                           </p:cTn>
                         </p:par>
-                      </p:childTnLst>
-                    </p:cTn>
-                  </p:par>
-                  <p:par>
-                    <p:cTn id="27" fill="hold">
-                      <p:stCondLst>
-                        <p:cond delay="indefinite"/>
-                      </p:stCondLst>
-                      <p:childTnLst>
                         <p:par>
-                          <p:cTn id="28" fill="hold">
+                          <p:cTn id="27" fill="hold">
                             <p:stCondLst>
-                              <p:cond delay="0"/>
+                              <p:cond delay="500"/>
                             </p:stCondLst>
                             <p:childTnLst>
                               <p:par>
-                                <p:cTn id="29" presetID="3" presetClass="entr" presetSubtype="10" fill="hold" grpId="0" nodeType="clickEffect">
+                                <p:cTn id="28" presetID="22" presetClass="entr" presetSubtype="8" fill="hold" nodeType="afterEffect">
                                   <p:stCondLst>
                                     <p:cond delay="0"/>
                                   </p:stCondLst>
                                   <p:childTnLst>
                                     <p:set>
                                       <p:cBhvr>
-                                        <p:cTn id="30" dur="1" fill="hold">
+                                        <p:cTn id="29" dur="1" fill="hold">
                                           <p:stCondLst>
                                             <p:cond delay="0"/>
                                           </p:stCondLst>
                                         </p:cTn>
                                         <p:tgtEl>
-                                          <p:spTgt spid="74"/>
+                                          <p:spTgt spid="26"/>
                                         </p:tgtEl>
                                         <p:attrNameLst>
                                           <p:attrName>style.visibility</p:attrName>
@@ -31596,11 +33203,55 @@
                                         <p:strVal val="visible"/>
                                       </p:to>
                                     </p:set>
-                                    <p:animEffect transition="in" filter="blinds(horizontal)">
+                                    <p:animEffect transition="in" filter="wipe(left)">
                                       <p:cBhvr>
-                                        <p:cTn id="31" dur="500"/>
+                                        <p:cTn id="30" dur="500"/>
                                         <p:tgtEl>
-                                          <p:spTgt spid="74"/>
+                                          <p:spTgt spid="26"/>
+                                        </p:tgtEl>
+                                      </p:cBhvr>
+                                    </p:animEffect>
+                                  </p:childTnLst>
+                                </p:cTn>
+                              </p:par>
+                            </p:childTnLst>
+                          </p:cTn>
+                        </p:par>
+                        <p:par>
+                          <p:cTn id="31" fill="hold">
+                            <p:stCondLst>
+                              <p:cond delay="1000"/>
+                            </p:stCondLst>
+                            <p:childTnLst>
+                              <p:par>
+                                <p:cTn id="32" presetID="22" presetClass="entr" presetSubtype="8" fill="hold" nodeType="afterEffect">
+                                  <p:stCondLst>
+                                    <p:cond delay="0"/>
+                                  </p:stCondLst>
+                                  <p:childTnLst>
+                                    <p:set>
+                                      <p:cBhvr>
+                                        <p:cTn id="33" dur="1" fill="hold">
+                                          <p:stCondLst>
+                                            <p:cond delay="0"/>
+                                          </p:stCondLst>
+                                        </p:cTn>
+                                        <p:tgtEl>
+                                          <p:spTgt spid="4"/>
+                                        </p:tgtEl>
+                                        <p:attrNameLst>
+                                          <p:attrName>style.visibility</p:attrName>
+                                        </p:attrNameLst>
+                                      </p:cBhvr>
+                                      <p:to>
+                                        <p:strVal val="visible"/>
+                                      </p:to>
+                                    </p:set>
+                                    <p:animEffect transition="in" filter="wipe(left)">
+                                      <p:cBhvr>
+                                        <p:cTn id="34" dur="500"/>
+                                        <p:tgtEl>
+                                          <p:spTgt spid="4"/>
                                         </p:tgtEl>
                                       </p:cBhvr>
                                     </p:animEffect>
@@ -31636,7 +33287,6 @@
     </p:tnLst>
     <p:bldLst>
       <p:bldP spid="14" grpId="0"/>
-      <p:bldP spid="74" grpId="0"/>
     </p:bldLst>
   </p:timing>
 </p:sld>

--- a/在线阶段汇报20190606.pptx
+++ b/在线阶段汇报20190606.pptx
@@ -7230,7 +7230,7 @@
                   <a:ea typeface="微软雅黑" panose="020B0503020204020204" pitchFamily="34" charset="-122"/>
                   <a:cs typeface="微软雅黑" panose="020B0503020204020204" pitchFamily="34" charset="-122"/>
                 </a:rPr>
-                <a:t>：基于时间序列创建索引、预聚合计算、列式存储</a:t>
+                <a:t>：基于时间序列创建索引、基于维度列创建位图索引，预聚合计算、列式存储</a:t>
               </a:r>
               <a:endParaRPr lang="zh-CN" altLang="zh-CN" sz="1400" dirty="0">
                 <a:solidFill>
@@ -7268,7 +7268,31 @@
                   <a:cs typeface="微软雅黑" panose="020B0503020204020204" pitchFamily="34" charset="-122"/>
                   <a:sym typeface="+mn-ea"/>
                 </a:rPr>
-                <a:t>：基于时间的查询</a:t>
+                <a:t>：基于时间的查询，落在</a:t>
+              </a:r>
+              <a:r>
+                <a:rPr lang="en-US" altLang="zh-CN" sz="1400" dirty="0">
+                  <a:solidFill>
+                    <a:schemeClr val="tx1"/>
+                  </a:solidFill>
+                  <a:latin typeface="微软雅黑" panose="020B0503020204020204" pitchFamily="34" charset="-122"/>
+                  <a:ea typeface="微软雅黑" panose="020B0503020204020204" pitchFamily="34" charset="-122"/>
+                  <a:cs typeface="微软雅黑" panose="020B0503020204020204" pitchFamily="34" charset="-122"/>
+                  <a:sym typeface="+mn-ea"/>
+                </a:rPr>
+                <a:t>segment</a:t>
+              </a:r>
+              <a:r>
+                <a:rPr lang="zh-CN" altLang="en-US" sz="1400" dirty="0">
+                  <a:solidFill>
+                    <a:schemeClr val="tx1"/>
+                  </a:solidFill>
+                  <a:latin typeface="微软雅黑" panose="020B0503020204020204" pitchFamily="34" charset="-122"/>
+                  <a:ea typeface="微软雅黑" panose="020B0503020204020204" pitchFamily="34" charset="-122"/>
+                  <a:cs typeface="微软雅黑" panose="020B0503020204020204" pitchFamily="34" charset="-122"/>
+                  <a:sym typeface="+mn-ea"/>
+                </a:rPr>
+                <a:t>上，然后根据索引捕获数据到内存中进行计算</a:t>
               </a:r>
               <a:endParaRPr lang="zh-CN" altLang="en-US" sz="1400" dirty="0">
                 <a:solidFill>
@@ -7471,42 +7495,6 @@
                 </a:rPr>
                 <a:t>自动创建索引</a:t>
               </a:r>
-              <a:r>
-                <a:rPr lang="en-US" altLang="zh-CN" sz="1400" dirty="0">
-                  <a:solidFill>
-                    <a:schemeClr val="tx1"/>
-                  </a:solidFill>
-                  <a:latin typeface="微软雅黑" panose="020B0503020204020204" pitchFamily="34" charset="-122"/>
-                  <a:ea typeface="微软雅黑" panose="020B0503020204020204" pitchFamily="34" charset="-122"/>
-                  <a:cs typeface="微软雅黑" panose="020B0503020204020204" pitchFamily="34" charset="-122"/>
-                  <a:sym typeface="+mn-ea"/>
-                </a:rPr>
-                <a:t>(</a:t>
-              </a:r>
-              <a:r>
-                <a:rPr lang="zh-CN" altLang="en-US" sz="1400" dirty="0">
-                  <a:solidFill>
-                    <a:schemeClr val="tx1"/>
-                  </a:solidFill>
-                  <a:latin typeface="微软雅黑" panose="020B0503020204020204" pitchFamily="34" charset="-122"/>
-                  <a:ea typeface="微软雅黑" panose="020B0503020204020204" pitchFamily="34" charset="-122"/>
-                  <a:cs typeface="微软雅黑" panose="020B0503020204020204" pitchFamily="34" charset="-122"/>
-                  <a:sym typeface="+mn-ea"/>
-                </a:rPr>
-                <a:t>基于时序</a:t>
-              </a:r>
-              <a:r>
-                <a:rPr lang="en-US" altLang="zh-CN" sz="1400" dirty="0">
-                  <a:solidFill>
-                    <a:schemeClr val="tx1"/>
-                  </a:solidFill>
-                  <a:latin typeface="微软雅黑" panose="020B0503020204020204" pitchFamily="34" charset="-122"/>
-                  <a:ea typeface="微软雅黑" panose="020B0503020204020204" pitchFamily="34" charset="-122"/>
-                  <a:cs typeface="微软雅黑" panose="020B0503020204020204" pitchFamily="34" charset="-122"/>
-                  <a:sym typeface="+mn-ea"/>
-                </a:rPr>
-                <a:t>)</a:t>
-              </a:r>
               <a:endParaRPr lang="zh-CN" altLang="en-US" sz="1400" dirty="0">
                 <a:solidFill>
                   <a:schemeClr val="tx1"/>
@@ -7531,7 +7519,31 @@
                   <a:cs typeface="微软雅黑" panose="020B0503020204020204" pitchFamily="34" charset="-122"/>
                   <a:sym typeface="+mn-ea"/>
                 </a:rPr>
-                <a:t>缓存</a:t>
+                <a:t>基于</a:t>
+              </a:r>
+              <a:r>
+                <a:rPr lang="en-US" altLang="zh-CN" sz="1400" dirty="0">
+                  <a:solidFill>
+                    <a:schemeClr val="tx1"/>
+                  </a:solidFill>
+                  <a:latin typeface="微软雅黑" panose="020B0503020204020204" pitchFamily="34" charset="-122"/>
+                  <a:ea typeface="微软雅黑" panose="020B0503020204020204" pitchFamily="34" charset="-122"/>
+                  <a:cs typeface="微软雅黑" panose="020B0503020204020204" pitchFamily="34" charset="-122"/>
+                  <a:sym typeface="+mn-ea"/>
+                </a:rPr>
+                <a:t>LRU</a:t>
+              </a:r>
+              <a:r>
+                <a:rPr lang="zh-CN" altLang="en-US" sz="1400" dirty="0">
+                  <a:solidFill>
+                    <a:schemeClr val="tx1"/>
+                  </a:solidFill>
+                  <a:latin typeface="微软雅黑" panose="020B0503020204020204" pitchFamily="34" charset="-122"/>
+                  <a:ea typeface="微软雅黑" panose="020B0503020204020204" pitchFamily="34" charset="-122"/>
+                  <a:cs typeface="微软雅黑" panose="020B0503020204020204" pitchFamily="34" charset="-122"/>
+                  <a:sym typeface="+mn-ea"/>
+                </a:rPr>
+                <a:t>缓存策略</a:t>
               </a:r>
               <a:endParaRPr lang="zh-CN" altLang="en-US" sz="1400" dirty="0">
                 <a:solidFill>
@@ -10690,7 +10702,7 @@
             </a:r>
             <a:r>
               <a:rPr lang="zh-CN" altLang="en-US" sz="1400" dirty="0"/>
-              <a:t>的迁移，包括百度、有赞、携程，但同时也是一部踩坑记，不计划进行迁移</a:t>
+              <a:t>的迁移，包括百度、有赞、携程，但同时也是一部踩坑记，所以现阶段不计划进行迁移</a:t>
             </a:r>
             <a:endParaRPr lang="en-US" altLang="zh-CN" sz="1400" dirty="0"/>
           </a:p>
@@ -10750,7 +10762,7 @@
             </a:r>
             <a:r>
               <a:rPr lang="zh-CN" altLang="en-US" sz="1400" dirty="0"/>
-              <a:t>可以是一个很好的选择，小米、有赞</a:t>
+              <a:t>可以是一个很好的选择，小米、苏宁、有赞</a:t>
             </a:r>
             <a:endParaRPr lang="zh-CN" altLang="en-US" sz="1400" dirty="0"/>
           </a:p>
@@ -10766,7 +10778,7 @@
         </p:nvSpPr>
         <p:spPr bwMode="auto">
           <a:xfrm>
-            <a:off x="668457" y="2716689"/>
+            <a:off x="539552" y="2716054"/>
             <a:ext cx="640080" cy="368300"/>
           </a:xfrm>
           <a:prstGeom prst="rect">
@@ -10945,7 +10957,7 @@
         <p:spPr>
           <a:xfrm>
             <a:off x="668655" y="3234055"/>
-            <a:ext cx="6760210" cy="1814830"/>
+            <a:ext cx="6760210" cy="1383665"/>
           </a:xfrm>
           <a:prstGeom prst="rect">
             <a:avLst/>
@@ -10963,15 +10975,7 @@
             </a:pPr>
             <a:r>
               <a:rPr lang="zh-CN" sz="1400" dirty="0"/>
-              <a:t>数据中台这个词现在非常火，包括阿里、快手等都在建设自己的数据中台，数据中台可以简单认为三层：数据模型、数据服务、数据开发，我们处于初级数据模型和简单的数据服务层，今后提升数据平台的数据服务能力，统一数据获取、可视化等，然后再对数据进行开发分析（</a:t>
-            </a:r>
-            <a:r>
-              <a:rPr lang="en-US" altLang="zh-CN" sz="1400" dirty="0"/>
-              <a:t>DMP</a:t>
-            </a:r>
-            <a:r>
-              <a:rPr lang="zh-CN" sz="1400" dirty="0"/>
-              <a:t>），对整个公司提供全方位的数据支持。</a:t>
+              <a:t>数据中台这个词现在非常火，包括阿里、快手等都在建设自己的数据中台，数据中台可以简单认为三层：数据模型、数据服务、数据开发，我们处于初级数据模型和简单的数据服务层，今后提升数据平台的数据服务能力，统一数据获取、可视化等，然后再对数据进行开发分析如数据挖掘、数据分析、推荐等。</a:t>
             </a:r>
             <a:endParaRPr lang="zh-CN" sz="1400" dirty="0"/>
           </a:p>
@@ -10989,15 +10993,7 @@
             </a:pPr>
             <a:r>
               <a:rPr lang="zh-CN" sz="1400" dirty="0"/>
-              <a:t>对于数据中台我也是初窥门径，任重而道远。现阶段的规划是做一个可以不用写</a:t>
-            </a:r>
-            <a:r>
-              <a:rPr lang="en-US" altLang="zh-CN" sz="1400" dirty="0"/>
-              <a:t>sql</a:t>
-            </a:r>
-            <a:r>
-              <a:rPr lang="zh-CN" altLang="en-US" sz="1400" dirty="0"/>
-              <a:t>或者代码，鼠标点点就可以查询仓库中的数据。</a:t>
+              <a:t>对于数据中台我也是初窥门径，任重而道远。</a:t>
             </a:r>
             <a:endParaRPr lang="zh-CN" altLang="en-US" sz="1400" dirty="0"/>
           </a:p>

--- a/在线阶段汇报20190606.pptx
+++ b/在线阶段汇报20190606.pptx
@@ -7560,7 +7560,7 @@
       </p:grpSp>
       <p:pic>
         <p:nvPicPr>
-          <p:cNvPr id="8" name="图片 7"/>
+          <p:cNvPr id="2" name="图片 1"/>
           <p:cNvPicPr>
             <a:picLocks noChangeAspect="1"/>
           </p:cNvPicPr>
@@ -7574,8 +7574,8 @@
         </p:blipFill>
         <p:spPr>
           <a:xfrm>
-            <a:off x="539750" y="635635"/>
-            <a:ext cx="4553585" cy="2304415"/>
+            <a:off x="539750" y="605155"/>
+            <a:ext cx="4854575" cy="2495550"/>
           </a:xfrm>
           <a:prstGeom prst="rect">
             <a:avLst/>
@@ -7922,59 +7922,6 @@
                                         <p:cTn id="24" dur="500"/>
                                         <p:tgtEl>
                                           <p:spTgt spid="4"/>
-                                        </p:tgtEl>
-                                      </p:cBhvr>
-                                    </p:animEffect>
-                                  </p:childTnLst>
-                                </p:cTn>
-                              </p:par>
-                            </p:childTnLst>
-                          </p:cTn>
-                        </p:par>
-                      </p:childTnLst>
-                    </p:cTn>
-                  </p:par>
-                  <p:par>
-                    <p:cTn id="25" fill="hold">
-                      <p:stCondLst>
-                        <p:cond delay="indefinite"/>
-                      </p:stCondLst>
-                      <p:childTnLst>
-                        <p:par>
-                          <p:cTn id="26" fill="hold">
-                            <p:stCondLst>
-                              <p:cond delay="0"/>
-                            </p:stCondLst>
-                            <p:childTnLst>
-                              <p:par>
-                                <p:cTn id="27" presetID="3" presetClass="entr" presetSubtype="10" fill="hold" nodeType="clickEffect">
-                                  <p:stCondLst>
-                                    <p:cond delay="0"/>
-                                  </p:stCondLst>
-                                  <p:childTnLst>
-                                    <p:set>
-                                      <p:cBhvr>
-                                        <p:cTn id="28" dur="1" fill="hold">
-                                          <p:stCondLst>
-                                            <p:cond delay="0"/>
-                                          </p:stCondLst>
-                                        </p:cTn>
-                                        <p:tgtEl>
-                                          <p:spTgt spid="8"/>
-                                        </p:tgtEl>
-                                        <p:attrNameLst>
-                                          <p:attrName>style.visibility</p:attrName>
-                                        </p:attrNameLst>
-                                      </p:cBhvr>
-                                      <p:to>
-                                        <p:strVal val="visible"/>
-                                      </p:to>
-                                    </p:set>
-                                    <p:animEffect transition="in" filter="blinds(horizontal)">
-                                      <p:cBhvr>
-                                        <p:cTn id="29" dur="500"/>
-                                        <p:tgtEl>
-                                          <p:spTgt spid="8"/>
                                         </p:tgtEl>
                                       </p:cBhvr>
                                     </p:animEffect>
